--- a/AprendizadoMaquina/Tópico 02 - Aprendizado Supervisionado/07 Ensembles/Tópico 02 - Aprendizado-Supervisionado - Ensembles.pptx
+++ b/AprendizadoMaquina/Tópico 02 - Aprendizado Supervisionado/07 Ensembles/Tópico 02 - Aprendizado-Supervisionado - Ensembles.pptx
@@ -311,7 +311,7 @@
             <a:pPr algn="r">
               <a:buNone/>
             </a:pPr>
-            <a:fld id="{B111F9ED-EF39-46FC-A014-541215C60090}" type="slidenum">
+            <a:fld id="{3A60BFF9-06DF-4E4F-A994-F6A014A85534}" type="slidenum">
               <a:rPr b="0" lang="pt-BR" sz="1400" spc="-1" strike="noStrike">
                 <a:latin typeface="Times New Roman"/>
               </a:rPr>
@@ -359,7 +359,7 @@
         <p:spPr>
           <a:xfrm>
             <a:off x="1376280" y="1336680"/>
-            <a:ext cx="4797000" cy="3596760"/>
+            <a:ext cx="4796640" cy="3596400"/>
           </a:xfrm>
           <a:prstGeom prst="rect">
             <a:avLst/>
@@ -382,7 +382,7 @@
         <p:spPr>
           <a:xfrm>
             <a:off x="756000" y="5145120"/>
-            <a:ext cx="6037200" cy="4199400"/>
+            <a:ext cx="6036840" cy="4199040"/>
           </a:xfrm>
           <a:prstGeom prst="rect">
             <a:avLst/>
@@ -412,7 +412,7 @@
         <p:spPr>
           <a:xfrm>
             <a:off x="0" y="10155240"/>
-            <a:ext cx="3265560" cy="525960"/>
+            <a:ext cx="3265200" cy="525600"/>
           </a:xfrm>
           <a:prstGeom prst="rect">
             <a:avLst/>
@@ -490,7 +490,7 @@
         <p:spPr>
           <a:xfrm>
             <a:off x="1376280" y="1336680"/>
-            <a:ext cx="4797000" cy="3596760"/>
+            <a:ext cx="4796640" cy="3596400"/>
           </a:xfrm>
           <a:prstGeom prst="rect">
             <a:avLst/>
@@ -513,7 +513,7 @@
         <p:spPr>
           <a:xfrm>
             <a:off x="756000" y="5145120"/>
-            <a:ext cx="6037200" cy="4199400"/>
+            <a:ext cx="6036840" cy="4199040"/>
           </a:xfrm>
           <a:prstGeom prst="rect">
             <a:avLst/>
@@ -543,7 +543,7 @@
         <p:spPr>
           <a:xfrm>
             <a:off x="0" y="10155240"/>
-            <a:ext cx="3265560" cy="525960"/>
+            <a:ext cx="3265200" cy="525600"/>
           </a:xfrm>
           <a:prstGeom prst="rect">
             <a:avLst/>
@@ -621,7 +621,7 @@
         <p:spPr>
           <a:xfrm>
             <a:off x="1376280" y="1336680"/>
-            <a:ext cx="4797000" cy="3596760"/>
+            <a:ext cx="4796640" cy="3596400"/>
           </a:xfrm>
           <a:prstGeom prst="rect">
             <a:avLst/>
@@ -644,7 +644,7 @@
         <p:spPr>
           <a:xfrm>
             <a:off x="756000" y="5145120"/>
-            <a:ext cx="6037200" cy="4199400"/>
+            <a:ext cx="6036840" cy="4199040"/>
           </a:xfrm>
           <a:prstGeom prst="rect">
             <a:avLst/>
@@ -674,7 +674,7 @@
         <p:spPr>
           <a:xfrm>
             <a:off x="0" y="10155240"/>
-            <a:ext cx="3265560" cy="525960"/>
+            <a:ext cx="3265200" cy="525600"/>
           </a:xfrm>
           <a:prstGeom prst="rect">
             <a:avLst/>
@@ -752,7 +752,7 @@
         <p:spPr>
           <a:xfrm>
             <a:off x="1376280" y="1336680"/>
-            <a:ext cx="4797000" cy="3596760"/>
+            <a:ext cx="4796640" cy="3596400"/>
           </a:xfrm>
           <a:prstGeom prst="rect">
             <a:avLst/>
@@ -775,7 +775,7 @@
         <p:spPr>
           <a:xfrm>
             <a:off x="756000" y="5145120"/>
-            <a:ext cx="6037200" cy="4199400"/>
+            <a:ext cx="6036840" cy="4199040"/>
           </a:xfrm>
           <a:prstGeom prst="rect">
             <a:avLst/>
@@ -805,7 +805,7 @@
         <p:spPr>
           <a:xfrm>
             <a:off x="0" y="10155240"/>
-            <a:ext cx="3265560" cy="525960"/>
+            <a:ext cx="3265200" cy="525600"/>
           </a:xfrm>
           <a:prstGeom prst="rect">
             <a:avLst/>
@@ -883,7 +883,7 @@
         <p:spPr>
           <a:xfrm>
             <a:off x="1376280" y="1336680"/>
-            <a:ext cx="4797000" cy="3596760"/>
+            <a:ext cx="4796640" cy="3596400"/>
           </a:xfrm>
           <a:prstGeom prst="rect">
             <a:avLst/>
@@ -906,7 +906,7 @@
         <p:spPr>
           <a:xfrm>
             <a:off x="756000" y="5145120"/>
-            <a:ext cx="6037200" cy="4199400"/>
+            <a:ext cx="6036840" cy="4199040"/>
           </a:xfrm>
           <a:prstGeom prst="rect">
             <a:avLst/>
@@ -936,7 +936,7 @@
         <p:spPr>
           <a:xfrm>
             <a:off x="0" y="10155240"/>
-            <a:ext cx="3265560" cy="525960"/>
+            <a:ext cx="3265200" cy="525600"/>
           </a:xfrm>
           <a:prstGeom prst="rect">
             <a:avLst/>
@@ -1014,7 +1014,7 @@
         <p:spPr>
           <a:xfrm>
             <a:off x="1376280" y="1336680"/>
-            <a:ext cx="4797000" cy="3596760"/>
+            <a:ext cx="4796640" cy="3596400"/>
           </a:xfrm>
           <a:prstGeom prst="rect">
             <a:avLst/>
@@ -1037,7 +1037,7 @@
         <p:spPr>
           <a:xfrm>
             <a:off x="756000" y="5145120"/>
-            <a:ext cx="6037200" cy="4199400"/>
+            <a:ext cx="6036840" cy="4199040"/>
           </a:xfrm>
           <a:prstGeom prst="rect">
             <a:avLst/>
@@ -1067,7 +1067,7 @@
         <p:spPr>
           <a:xfrm>
             <a:off x="0" y="10155240"/>
-            <a:ext cx="3265560" cy="525960"/>
+            <a:ext cx="3265200" cy="525600"/>
           </a:xfrm>
           <a:prstGeom prst="rect">
             <a:avLst/>
@@ -1145,7 +1145,7 @@
         <p:spPr>
           <a:xfrm>
             <a:off x="1376280" y="1336680"/>
-            <a:ext cx="4797000" cy="3596760"/>
+            <a:ext cx="4796640" cy="3596400"/>
           </a:xfrm>
           <a:prstGeom prst="rect">
             <a:avLst/>
@@ -1168,7 +1168,7 @@
         <p:spPr>
           <a:xfrm>
             <a:off x="756000" y="5145120"/>
-            <a:ext cx="6037200" cy="4199400"/>
+            <a:ext cx="6036840" cy="4199040"/>
           </a:xfrm>
           <a:prstGeom prst="rect">
             <a:avLst/>
@@ -1198,7 +1198,7 @@
         <p:spPr>
           <a:xfrm>
             <a:off x="0" y="10155240"/>
-            <a:ext cx="3265560" cy="525960"/>
+            <a:ext cx="3265200" cy="525600"/>
           </a:xfrm>
           <a:prstGeom prst="rect">
             <a:avLst/>
@@ -1276,7 +1276,7 @@
         <p:spPr>
           <a:xfrm>
             <a:off x="1376280" y="1336680"/>
-            <a:ext cx="4797000" cy="3596760"/>
+            <a:ext cx="4796640" cy="3596400"/>
           </a:xfrm>
           <a:prstGeom prst="rect">
             <a:avLst/>
@@ -1299,7 +1299,7 @@
         <p:spPr>
           <a:xfrm>
             <a:off x="756000" y="5145120"/>
-            <a:ext cx="6037200" cy="4199400"/>
+            <a:ext cx="6036840" cy="4199040"/>
           </a:xfrm>
           <a:prstGeom prst="rect">
             <a:avLst/>
@@ -1329,7 +1329,7 @@
         <p:spPr>
           <a:xfrm>
             <a:off x="0" y="10155240"/>
-            <a:ext cx="3265560" cy="525960"/>
+            <a:ext cx="3265200" cy="525600"/>
           </a:xfrm>
           <a:prstGeom prst="rect">
             <a:avLst/>
@@ -1407,7 +1407,7 @@
         <p:spPr>
           <a:xfrm>
             <a:off x="1376280" y="1336680"/>
-            <a:ext cx="4797000" cy="3596760"/>
+            <a:ext cx="4796640" cy="3596400"/>
           </a:xfrm>
           <a:prstGeom prst="rect">
             <a:avLst/>
@@ -1430,7 +1430,7 @@
         <p:spPr>
           <a:xfrm>
             <a:off x="756000" y="5145120"/>
-            <a:ext cx="6037200" cy="4199400"/>
+            <a:ext cx="6036840" cy="4199040"/>
           </a:xfrm>
           <a:prstGeom prst="rect">
             <a:avLst/>
@@ -1460,7 +1460,7 @@
         <p:spPr>
           <a:xfrm>
             <a:off x="0" y="10155240"/>
-            <a:ext cx="3265560" cy="525960"/>
+            <a:ext cx="3265200" cy="525600"/>
           </a:xfrm>
           <a:prstGeom prst="rect">
             <a:avLst/>
@@ -1538,7 +1538,7 @@
         <p:spPr>
           <a:xfrm>
             <a:off x="1376280" y="1336680"/>
-            <a:ext cx="4797000" cy="3596760"/>
+            <a:ext cx="4796640" cy="3596400"/>
           </a:xfrm>
           <a:prstGeom prst="rect">
             <a:avLst/>
@@ -1561,7 +1561,7 @@
         <p:spPr>
           <a:xfrm>
             <a:off x="756000" y="5145120"/>
-            <a:ext cx="6037200" cy="4199400"/>
+            <a:ext cx="6036840" cy="4199040"/>
           </a:xfrm>
           <a:prstGeom prst="rect">
             <a:avLst/>
@@ -1591,7 +1591,7 @@
         <p:spPr>
           <a:xfrm>
             <a:off x="0" y="10155240"/>
-            <a:ext cx="3265560" cy="525960"/>
+            <a:ext cx="3265200" cy="525600"/>
           </a:xfrm>
           <a:prstGeom prst="rect">
             <a:avLst/>
@@ -1669,7 +1669,7 @@
         <p:spPr>
           <a:xfrm>
             <a:off x="1376280" y="1336680"/>
-            <a:ext cx="4797000" cy="3596760"/>
+            <a:ext cx="4796640" cy="3596400"/>
           </a:xfrm>
           <a:prstGeom prst="rect">
             <a:avLst/>
@@ -1692,7 +1692,7 @@
         <p:spPr>
           <a:xfrm>
             <a:off x="756000" y="5145120"/>
-            <a:ext cx="6037200" cy="4199400"/>
+            <a:ext cx="6036840" cy="4199040"/>
           </a:xfrm>
           <a:prstGeom prst="rect">
             <a:avLst/>
@@ -1722,7 +1722,7 @@
         <p:spPr>
           <a:xfrm>
             <a:off x="0" y="10155240"/>
-            <a:ext cx="3265560" cy="525960"/>
+            <a:ext cx="3265200" cy="525600"/>
           </a:xfrm>
           <a:prstGeom prst="rect">
             <a:avLst/>
@@ -1800,7 +1800,7 @@
         <p:spPr>
           <a:xfrm>
             <a:off x="1376280" y="1336680"/>
-            <a:ext cx="4797000" cy="3596760"/>
+            <a:ext cx="4796640" cy="3596400"/>
           </a:xfrm>
           <a:prstGeom prst="rect">
             <a:avLst/>
@@ -1823,7 +1823,7 @@
         <p:spPr>
           <a:xfrm>
             <a:off x="756000" y="5145120"/>
-            <a:ext cx="6037200" cy="4199400"/>
+            <a:ext cx="6036840" cy="4199040"/>
           </a:xfrm>
           <a:prstGeom prst="rect">
             <a:avLst/>
@@ -1853,7 +1853,7 @@
         <p:spPr>
           <a:xfrm>
             <a:off x="0" y="10155240"/>
-            <a:ext cx="3265560" cy="525960"/>
+            <a:ext cx="3265200" cy="525600"/>
           </a:xfrm>
           <a:prstGeom prst="rect">
             <a:avLst/>
@@ -1931,7 +1931,7 @@
         <p:spPr>
           <a:xfrm>
             <a:off x="1376280" y="1336680"/>
-            <a:ext cx="4797000" cy="3596760"/>
+            <a:ext cx="4796640" cy="3596400"/>
           </a:xfrm>
           <a:prstGeom prst="rect">
             <a:avLst/>
@@ -1954,7 +1954,7 @@
         <p:spPr>
           <a:xfrm>
             <a:off x="756000" y="5145120"/>
-            <a:ext cx="6037200" cy="4199400"/>
+            <a:ext cx="6036840" cy="4199040"/>
           </a:xfrm>
           <a:prstGeom prst="rect">
             <a:avLst/>
@@ -1984,7 +1984,7 @@
         <p:spPr>
           <a:xfrm>
             <a:off x="0" y="10155240"/>
-            <a:ext cx="3265560" cy="525960"/>
+            <a:ext cx="3265200" cy="525600"/>
           </a:xfrm>
           <a:prstGeom prst="rect">
             <a:avLst/>
@@ -2062,7 +2062,7 @@
         <p:spPr>
           <a:xfrm>
             <a:off x="1376280" y="1336680"/>
-            <a:ext cx="4797000" cy="3596760"/>
+            <a:ext cx="4796640" cy="3596400"/>
           </a:xfrm>
           <a:prstGeom prst="rect">
             <a:avLst/>
@@ -2085,7 +2085,7 @@
         <p:spPr>
           <a:xfrm>
             <a:off x="756000" y="5145120"/>
-            <a:ext cx="6037200" cy="4199400"/>
+            <a:ext cx="6036840" cy="4199040"/>
           </a:xfrm>
           <a:prstGeom prst="rect">
             <a:avLst/>
@@ -2115,7 +2115,7 @@
         <p:spPr>
           <a:xfrm>
             <a:off x="0" y="10155240"/>
-            <a:ext cx="3265560" cy="525960"/>
+            <a:ext cx="3265200" cy="525600"/>
           </a:xfrm>
           <a:prstGeom prst="rect">
             <a:avLst/>
@@ -2193,7 +2193,7 @@
         <p:spPr>
           <a:xfrm>
             <a:off x="1376280" y="1336680"/>
-            <a:ext cx="4797000" cy="3596760"/>
+            <a:ext cx="4796640" cy="3596400"/>
           </a:xfrm>
           <a:prstGeom prst="rect">
             <a:avLst/>
@@ -2216,7 +2216,7 @@
         <p:spPr>
           <a:xfrm>
             <a:off x="756000" y="5145120"/>
-            <a:ext cx="6037200" cy="4199400"/>
+            <a:ext cx="6036840" cy="4199040"/>
           </a:xfrm>
           <a:prstGeom prst="rect">
             <a:avLst/>
@@ -2246,7 +2246,7 @@
         <p:spPr>
           <a:xfrm>
             <a:off x="0" y="10155240"/>
-            <a:ext cx="3265560" cy="525960"/>
+            <a:ext cx="3265200" cy="525600"/>
           </a:xfrm>
           <a:prstGeom prst="rect">
             <a:avLst/>
@@ -2324,7 +2324,7 @@
         <p:spPr>
           <a:xfrm>
             <a:off x="1376280" y="1336680"/>
-            <a:ext cx="4797000" cy="3596760"/>
+            <a:ext cx="4796640" cy="3596400"/>
           </a:xfrm>
           <a:prstGeom prst="rect">
             <a:avLst/>
@@ -2347,7 +2347,7 @@
         <p:spPr>
           <a:xfrm>
             <a:off x="756000" y="5145120"/>
-            <a:ext cx="6037200" cy="4199400"/>
+            <a:ext cx="6036840" cy="4199040"/>
           </a:xfrm>
           <a:prstGeom prst="rect">
             <a:avLst/>
@@ -2377,7 +2377,7 @@
         <p:spPr>
           <a:xfrm>
             <a:off x="0" y="10155240"/>
-            <a:ext cx="3265560" cy="525960"/>
+            <a:ext cx="3265200" cy="525600"/>
           </a:xfrm>
           <a:prstGeom prst="rect">
             <a:avLst/>
@@ -2455,7 +2455,7 @@
         <p:spPr>
           <a:xfrm>
             <a:off x="1376280" y="1336680"/>
-            <a:ext cx="4797000" cy="3596760"/>
+            <a:ext cx="4796640" cy="3596400"/>
           </a:xfrm>
           <a:prstGeom prst="rect">
             <a:avLst/>
@@ -2478,7 +2478,7 @@
         <p:spPr>
           <a:xfrm>
             <a:off x="756000" y="5145120"/>
-            <a:ext cx="6037200" cy="4199400"/>
+            <a:ext cx="6036840" cy="4199040"/>
           </a:xfrm>
           <a:prstGeom prst="rect">
             <a:avLst/>
@@ -2508,7 +2508,7 @@
         <p:spPr>
           <a:xfrm>
             <a:off x="0" y="10155240"/>
-            <a:ext cx="3265560" cy="525960"/>
+            <a:ext cx="3265200" cy="525600"/>
           </a:xfrm>
           <a:prstGeom prst="rect">
             <a:avLst/>
@@ -2586,7 +2586,7 @@
         <p:spPr>
           <a:xfrm>
             <a:off x="1376280" y="1336680"/>
-            <a:ext cx="4797000" cy="3596760"/>
+            <a:ext cx="4796640" cy="3596400"/>
           </a:xfrm>
           <a:prstGeom prst="rect">
             <a:avLst/>
@@ -2609,7 +2609,7 @@
         <p:spPr>
           <a:xfrm>
             <a:off x="756000" y="5145120"/>
-            <a:ext cx="6037200" cy="4199400"/>
+            <a:ext cx="6036840" cy="4199040"/>
           </a:xfrm>
           <a:prstGeom prst="rect">
             <a:avLst/>
@@ -2639,7 +2639,7 @@
         <p:spPr>
           <a:xfrm>
             <a:off x="0" y="10155240"/>
-            <a:ext cx="3265560" cy="525960"/>
+            <a:ext cx="3265200" cy="525600"/>
           </a:xfrm>
           <a:prstGeom prst="rect">
             <a:avLst/>
@@ -2717,7 +2717,7 @@
         <p:spPr>
           <a:xfrm>
             <a:off x="1376280" y="1336680"/>
-            <a:ext cx="4797000" cy="3596760"/>
+            <a:ext cx="4796640" cy="3596400"/>
           </a:xfrm>
           <a:prstGeom prst="rect">
             <a:avLst/>
@@ -2740,7 +2740,7 @@
         <p:spPr>
           <a:xfrm>
             <a:off x="756000" y="5145120"/>
-            <a:ext cx="6037200" cy="4199400"/>
+            <a:ext cx="6036840" cy="4199040"/>
           </a:xfrm>
           <a:prstGeom prst="rect">
             <a:avLst/>
@@ -2770,7 +2770,7 @@
         <p:spPr>
           <a:xfrm>
             <a:off x="0" y="10155240"/>
-            <a:ext cx="3265560" cy="525960"/>
+            <a:ext cx="3265200" cy="525600"/>
           </a:xfrm>
           <a:prstGeom prst="rect">
             <a:avLst/>
@@ -5899,7 +5899,7 @@
         <p:spPr>
           <a:xfrm>
             <a:off x="0" y="3150000"/>
-            <a:ext cx="9709560" cy="1249560"/>
+            <a:ext cx="9709200" cy="1249200"/>
           </a:xfrm>
           <a:prstGeom prst="rect">
             <a:avLst/>
@@ -6197,7 +6197,7 @@
         <p:spPr>
           <a:xfrm>
             <a:off x="0" y="180000"/>
-            <a:ext cx="9709560" cy="1249560"/>
+            <a:ext cx="9709200" cy="1249200"/>
           </a:xfrm>
           <a:prstGeom prst="rect">
             <a:avLst/>
@@ -6225,7 +6225,7 @@
         <p:spPr>
           <a:xfrm>
             <a:off x="7560000" y="6840000"/>
-            <a:ext cx="2509560" cy="529560"/>
+            <a:ext cx="2509200" cy="529200"/>
           </a:xfrm>
           <a:prstGeom prst="rect">
             <a:avLst/>
@@ -6253,7 +6253,7 @@
         <p:spPr>
           <a:xfrm>
             <a:off x="900000" y="6840000"/>
-            <a:ext cx="6469560" cy="529560"/>
+            <a:ext cx="6469200" cy="529200"/>
           </a:xfrm>
           <a:prstGeom prst="rect">
             <a:avLst/>
@@ -6281,7 +6281,7 @@
         <p:spPr>
           <a:xfrm>
             <a:off x="180000" y="6840000"/>
-            <a:ext cx="529560" cy="529560"/>
+            <a:ext cx="529200" cy="529200"/>
           </a:xfrm>
           <a:prstGeom prst="rect">
             <a:avLst/>
@@ -6570,7 +6570,7 @@
         <p:spPr>
           <a:xfrm>
             <a:off x="360000" y="3330000"/>
-            <a:ext cx="9349560" cy="889560"/>
+            <a:ext cx="9349200" cy="889200"/>
           </a:xfrm>
           <a:prstGeom prst="rect">
             <a:avLst/>
@@ -6622,7 +6622,7 @@
         <p:spPr>
           <a:xfrm>
             <a:off x="540000" y="4680000"/>
-            <a:ext cx="9169560" cy="2509560"/>
+            <a:ext cx="9169200" cy="2509200"/>
           </a:xfrm>
           <a:prstGeom prst="rect">
             <a:avLst/>
@@ -6865,7 +6865,7 @@
         <p:spPr>
           <a:xfrm>
             <a:off x="4662360" y="1623960"/>
-            <a:ext cx="4930920" cy="5064480"/>
+            <a:ext cx="4930560" cy="5064120"/>
           </a:xfrm>
           <a:prstGeom prst="rect">
             <a:avLst/>
@@ -6884,7 +6884,7 @@
         <p:spPr>
           <a:xfrm>
             <a:off x="360000" y="360000"/>
-            <a:ext cx="9349560" cy="889560"/>
+            <a:ext cx="9349200" cy="889200"/>
           </a:xfrm>
           <a:prstGeom prst="rect">
             <a:avLst/>
@@ -6936,7 +6936,7 @@
         <p:spPr>
           <a:xfrm>
             <a:off x="897120" y="6886080"/>
-            <a:ext cx="6436800" cy="354600"/>
+            <a:ext cx="6436440" cy="354240"/>
           </a:xfrm>
           <a:prstGeom prst="rect">
             <a:avLst/>
@@ -6988,7 +6988,7 @@
         <p:spPr>
           <a:xfrm>
             <a:off x="7608600" y="6886080"/>
-            <a:ext cx="2274840" cy="354600"/>
+            <a:ext cx="2274480" cy="354240"/>
           </a:xfrm>
           <a:prstGeom prst="rect">
             <a:avLst/>
@@ -7040,7 +7040,7 @@
         <p:spPr>
           <a:xfrm>
             <a:off x="342360" y="1529280"/>
-            <a:ext cx="6050520" cy="5359320"/>
+            <a:ext cx="6050160" cy="5358960"/>
           </a:xfrm>
           <a:prstGeom prst="rect">
             <a:avLst/>
@@ -7586,7 +7586,7 @@
         <p:spPr>
           <a:xfrm>
             <a:off x="2025720" y="4066920"/>
-            <a:ext cx="1131120" cy="1940040"/>
+            <a:ext cx="1130760" cy="1939680"/>
           </a:xfrm>
           <a:prstGeom prst="rect">
             <a:avLst/>
@@ -7635,7 +7635,7 @@
         <p:spPr>
           <a:xfrm>
             <a:off x="360000" y="360000"/>
-            <a:ext cx="9349560" cy="889560"/>
+            <a:ext cx="9349200" cy="889200"/>
           </a:xfrm>
           <a:prstGeom prst="rect">
             <a:avLst/>
@@ -7687,7 +7687,7 @@
         <p:spPr>
           <a:xfrm>
             <a:off x="360000" y="1980000"/>
-            <a:ext cx="9169560" cy="4669560"/>
+            <a:ext cx="9169200" cy="4669200"/>
           </a:xfrm>
           <a:prstGeom prst="rect">
             <a:avLst/>
@@ -7746,7 +7746,7 @@
         <p:spPr>
           <a:xfrm>
             <a:off x="897120" y="6886080"/>
-            <a:ext cx="6436800" cy="354600"/>
+            <a:ext cx="6436440" cy="354240"/>
           </a:xfrm>
           <a:prstGeom prst="rect">
             <a:avLst/>
@@ -7798,7 +7798,7 @@
         <p:spPr>
           <a:xfrm>
             <a:off x="7608600" y="6886080"/>
-            <a:ext cx="2274840" cy="354600"/>
+            <a:ext cx="2274480" cy="354240"/>
           </a:xfrm>
           <a:prstGeom prst="rect">
             <a:avLst/>
@@ -7850,7 +7850,7 @@
         <p:spPr>
           <a:xfrm>
             <a:off x="342360" y="1529280"/>
-            <a:ext cx="9247320" cy="5359320"/>
+            <a:ext cx="9246960" cy="5358960"/>
           </a:xfrm>
           <a:prstGeom prst="rect">
             <a:avLst/>
@@ -8322,7 +8322,7 @@
         <p:spPr>
           <a:xfrm>
             <a:off x="620640" y="3024000"/>
-            <a:ext cx="8708400" cy="1457280"/>
+            <a:ext cx="8708040" cy="1456920"/>
           </a:xfrm>
           <a:prstGeom prst="rect">
             <a:avLst/>
@@ -8371,7 +8371,7 @@
         <p:spPr>
           <a:xfrm>
             <a:off x="360000" y="360000"/>
-            <a:ext cx="9349560" cy="889560"/>
+            <a:ext cx="9349200" cy="889200"/>
           </a:xfrm>
           <a:prstGeom prst="rect">
             <a:avLst/>
@@ -8423,7 +8423,7 @@
         <p:spPr>
           <a:xfrm>
             <a:off x="360000" y="1980000"/>
-            <a:ext cx="9169560" cy="4669560"/>
+            <a:ext cx="9169200" cy="4669200"/>
           </a:xfrm>
           <a:prstGeom prst="rect">
             <a:avLst/>
@@ -8482,7 +8482,7 @@
         <p:spPr>
           <a:xfrm>
             <a:off x="897120" y="6886080"/>
-            <a:ext cx="6436800" cy="354600"/>
+            <a:ext cx="6436440" cy="354240"/>
           </a:xfrm>
           <a:prstGeom prst="rect">
             <a:avLst/>
@@ -8534,7 +8534,7 @@
         <p:spPr>
           <a:xfrm>
             <a:off x="7608600" y="6886080"/>
-            <a:ext cx="2274840" cy="354600"/>
+            <a:ext cx="2274480" cy="354240"/>
           </a:xfrm>
           <a:prstGeom prst="rect">
             <a:avLst/>
@@ -8586,7 +8586,7 @@
         <p:spPr>
           <a:xfrm>
             <a:off x="342360" y="1529280"/>
-            <a:ext cx="9247320" cy="5359320"/>
+            <a:ext cx="9246960" cy="5358960"/>
           </a:xfrm>
           <a:prstGeom prst="rect">
             <a:avLst/>
@@ -9058,7 +9058,7 @@
         <p:spPr>
           <a:xfrm>
             <a:off x="360000" y="360000"/>
-            <a:ext cx="9349560" cy="889560"/>
+            <a:ext cx="9349200" cy="889200"/>
           </a:xfrm>
           <a:prstGeom prst="rect">
             <a:avLst/>
@@ -9093,77 +9093,7 @@
                 <a:latin typeface="Source Sans Pro Black"/>
                 <a:ea typeface="DejaVu Sans"/>
               </a:rPr>
-              <a:t>B</a:t>
-            </a:r>
-            <a:r>
-              <a:rPr b="1" lang="pt-BR" sz="2600" spc="-1" strike="noStrike">
-                <a:solidFill>
-                  <a:srgbClr val="ffffff"/>
-                </a:solidFill>
-                <a:latin typeface="Source Sans Pro Black"/>
-                <a:ea typeface="DejaVu Sans"/>
-              </a:rPr>
-              <a:t>o</a:t>
-            </a:r>
-            <a:r>
-              <a:rPr b="1" lang="pt-BR" sz="2600" spc="-1" strike="noStrike">
-                <a:solidFill>
-                  <a:srgbClr val="ffffff"/>
-                </a:solidFill>
-                <a:latin typeface="Source Sans Pro Black"/>
-                <a:ea typeface="DejaVu Sans"/>
-              </a:rPr>
-              <a:t>o</a:t>
-            </a:r>
-            <a:r>
-              <a:rPr b="1" lang="pt-BR" sz="2600" spc="-1" strike="noStrike">
-                <a:solidFill>
-                  <a:srgbClr val="ffffff"/>
-                </a:solidFill>
-                <a:latin typeface="Source Sans Pro Black"/>
-                <a:ea typeface="DejaVu Sans"/>
-              </a:rPr>
-              <a:t>s</a:t>
-            </a:r>
-            <a:r>
-              <a:rPr b="1" lang="pt-BR" sz="2600" spc="-1" strike="noStrike">
-                <a:solidFill>
-                  <a:srgbClr val="ffffff"/>
-                </a:solidFill>
-                <a:latin typeface="Source Sans Pro Black"/>
-                <a:ea typeface="DejaVu Sans"/>
-              </a:rPr>
-              <a:t>t</a:t>
-            </a:r>
-            <a:r>
-              <a:rPr b="1" lang="pt-BR" sz="2600" spc="-1" strike="noStrike">
-                <a:solidFill>
-                  <a:srgbClr val="ffffff"/>
-                </a:solidFill>
-                <a:latin typeface="Source Sans Pro Black"/>
-                <a:ea typeface="DejaVu Sans"/>
-              </a:rPr>
-              <a:t>i</a:t>
-            </a:r>
-            <a:r>
-              <a:rPr b="1" lang="pt-BR" sz="2600" spc="-1" strike="noStrike">
-                <a:solidFill>
-                  <a:srgbClr val="ffffff"/>
-                </a:solidFill>
-                <a:latin typeface="Source Sans Pro Black"/>
-                <a:ea typeface="DejaVu Sans"/>
-              </a:rPr>
-              <a:t>n</a:t>
-            </a:r>
-            <a:r>
-              <a:rPr b="1" lang="pt-BR" sz="2600" spc="-1" strike="noStrike">
-                <a:solidFill>
-                  <a:srgbClr val="ffffff"/>
-                </a:solidFill>
-                <a:latin typeface="Source Sans Pro Black"/>
-                <a:ea typeface="DejaVu Sans"/>
-              </a:rPr>
-              <a:t>g</a:t>
+              <a:t>Boosting</a:t>
             </a:r>
             <a:endParaRPr b="0" lang="pt-BR" sz="2600" spc="-1" strike="noStrike">
               <a:latin typeface="Arial"/>
@@ -9180,7 +9110,7 @@
         <p:spPr>
           <a:xfrm>
             <a:off x="360000" y="1980000"/>
-            <a:ext cx="9169560" cy="4669560"/>
+            <a:ext cx="9169200" cy="4669200"/>
           </a:xfrm>
           <a:prstGeom prst="rect">
             <a:avLst/>
@@ -9239,7 +9169,7 @@
         <p:spPr>
           <a:xfrm>
             <a:off x="897120" y="6886080"/>
-            <a:ext cx="6436800" cy="354600"/>
+            <a:ext cx="6436440" cy="354240"/>
           </a:xfrm>
           <a:prstGeom prst="rect">
             <a:avLst/>
@@ -9291,7 +9221,7 @@
         <p:spPr>
           <a:xfrm>
             <a:off x="7608600" y="6886080"/>
-            <a:ext cx="2274840" cy="354600"/>
+            <a:ext cx="2274480" cy="354240"/>
           </a:xfrm>
           <a:prstGeom prst="rect">
             <a:avLst/>
@@ -9343,7 +9273,7 @@
         <p:spPr>
           <a:xfrm>
             <a:off x="342360" y="1529280"/>
-            <a:ext cx="9247320" cy="5359320"/>
+            <a:ext cx="9246960" cy="5358960"/>
           </a:xfrm>
           <a:prstGeom prst="rect">
             <a:avLst/>
@@ -9808,7 +9738,7 @@
         <p:spPr>
           <a:xfrm>
             <a:off x="2880000" y="3600000"/>
-            <a:ext cx="4284720" cy="2406600"/>
+            <a:ext cx="4284360" cy="2406240"/>
           </a:xfrm>
           <a:prstGeom prst="rect">
             <a:avLst/>
@@ -9857,7 +9787,7 @@
         <p:spPr>
           <a:xfrm>
             <a:off x="360000" y="360000"/>
-            <a:ext cx="9349560" cy="889560"/>
+            <a:ext cx="9349200" cy="889200"/>
           </a:xfrm>
           <a:prstGeom prst="rect">
             <a:avLst/>
@@ -9909,7 +9839,7 @@
         <p:spPr>
           <a:xfrm>
             <a:off x="360000" y="1980000"/>
-            <a:ext cx="9169560" cy="4669560"/>
+            <a:ext cx="9169200" cy="4669200"/>
           </a:xfrm>
           <a:prstGeom prst="rect">
             <a:avLst/>
@@ -9968,7 +9898,7 @@
         <p:spPr>
           <a:xfrm>
             <a:off x="897120" y="6886080"/>
-            <a:ext cx="6436800" cy="354600"/>
+            <a:ext cx="6436440" cy="354240"/>
           </a:xfrm>
           <a:prstGeom prst="rect">
             <a:avLst/>
@@ -10020,7 +9950,7 @@
         <p:spPr>
           <a:xfrm>
             <a:off x="7608600" y="6886080"/>
-            <a:ext cx="2274840" cy="354600"/>
+            <a:ext cx="2274480" cy="354240"/>
           </a:xfrm>
           <a:prstGeom prst="rect">
             <a:avLst/>
@@ -10072,7 +10002,7 @@
         <p:spPr>
           <a:xfrm>
             <a:off x="342360" y="1529280"/>
-            <a:ext cx="9247320" cy="5359320"/>
+            <a:ext cx="9246960" cy="5358960"/>
           </a:xfrm>
           <a:prstGeom prst="rect">
             <a:avLst/>
@@ -10260,16 +10190,11 @@
             </a:endParaRPr>
           </a:p>
           <a:p>
-            <a:pPr marL="216000" indent="-216000">
+            <a:pPr>
               <a:lnSpc>
                 <a:spcPct val="150000"/>
               </a:lnSpc>
-              <a:buClr>
-                <a:srgbClr val="000000"/>
-              </a:buClr>
-              <a:buSzPct val="45000"/>
-              <a:buFont typeface="Wingdings" charset="2"/>
-              <a:buChar char=""/>
+              <a:buNone/>
             </a:pPr>
             <a:endParaRPr b="0" lang="pt-BR" sz="1600" spc="-1" strike="noStrike">
               <a:latin typeface="Arial"/>
@@ -10632,7 +10557,7 @@
         <p:spPr>
           <a:xfrm>
             <a:off x="1620000" y="4068000"/>
-            <a:ext cx="7199640" cy="2699640"/>
+            <a:ext cx="7199280" cy="2699280"/>
           </a:xfrm>
           <a:prstGeom prst="rect">
             <a:avLst/>
@@ -10681,7 +10606,7 @@
         <p:spPr>
           <a:xfrm>
             <a:off x="360000" y="360000"/>
-            <a:ext cx="9349560" cy="889560"/>
+            <a:ext cx="9349200" cy="889200"/>
           </a:xfrm>
           <a:prstGeom prst="rect">
             <a:avLst/>
@@ -10733,7 +10658,7 @@
         <p:spPr>
           <a:xfrm>
             <a:off x="360000" y="1980000"/>
-            <a:ext cx="9169560" cy="4669560"/>
+            <a:ext cx="9169200" cy="4669200"/>
           </a:xfrm>
           <a:prstGeom prst="rect">
             <a:avLst/>
@@ -10792,7 +10717,7 @@
         <p:spPr>
           <a:xfrm>
             <a:off x="897120" y="6886080"/>
-            <a:ext cx="6436800" cy="354600"/>
+            <a:ext cx="6436440" cy="354240"/>
           </a:xfrm>
           <a:prstGeom prst="rect">
             <a:avLst/>
@@ -10844,7 +10769,7 @@
         <p:spPr>
           <a:xfrm>
             <a:off x="7608600" y="6886080"/>
-            <a:ext cx="2274840" cy="354600"/>
+            <a:ext cx="2274480" cy="354240"/>
           </a:xfrm>
           <a:prstGeom prst="rect">
             <a:avLst/>
@@ -10896,7 +10821,7 @@
         <p:spPr>
           <a:xfrm>
             <a:off x="342360" y="1529280"/>
-            <a:ext cx="9247320" cy="5359320"/>
+            <a:ext cx="9246960" cy="5358960"/>
           </a:xfrm>
           <a:prstGeom prst="rect">
             <a:avLst/>
@@ -11084,16 +11009,11 @@
             </a:endParaRPr>
           </a:p>
           <a:p>
-            <a:pPr marL="216000" indent="-216000">
+            <a:pPr>
               <a:lnSpc>
                 <a:spcPct val="150000"/>
               </a:lnSpc>
-              <a:buClr>
-                <a:srgbClr val="000000"/>
-              </a:buClr>
-              <a:buSzPct val="45000"/>
-              <a:buFont typeface="Wingdings" charset="2"/>
-              <a:buChar char=""/>
+              <a:buNone/>
             </a:pPr>
             <a:endParaRPr b="0" lang="pt-BR" sz="1600" spc="-1" strike="noStrike">
               <a:latin typeface="Arial"/>
@@ -11456,7 +11376,7 @@
         <p:spPr>
           <a:xfrm>
             <a:off x="1620000" y="4068000"/>
-            <a:ext cx="7199640" cy="2699640"/>
+            <a:ext cx="7199280" cy="2699280"/>
           </a:xfrm>
           <a:prstGeom prst="rect">
             <a:avLst/>
@@ -11505,7 +11425,7 @@
         <p:spPr>
           <a:xfrm>
             <a:off x="360000" y="360000"/>
-            <a:ext cx="9349560" cy="889560"/>
+            <a:ext cx="9349200" cy="889200"/>
           </a:xfrm>
           <a:prstGeom prst="rect">
             <a:avLst/>
@@ -11557,7 +11477,7 @@
         <p:spPr>
           <a:xfrm>
             <a:off x="360000" y="1980000"/>
-            <a:ext cx="9169560" cy="4669560"/>
+            <a:ext cx="9169200" cy="4669200"/>
           </a:xfrm>
           <a:prstGeom prst="rect">
             <a:avLst/>
@@ -11616,7 +11536,7 @@
         <p:spPr>
           <a:xfrm>
             <a:off x="897120" y="6886080"/>
-            <a:ext cx="6436800" cy="354600"/>
+            <a:ext cx="6436440" cy="354240"/>
           </a:xfrm>
           <a:prstGeom prst="rect">
             <a:avLst/>
@@ -11668,7 +11588,7 @@
         <p:spPr>
           <a:xfrm>
             <a:off x="7608600" y="6886080"/>
-            <a:ext cx="2274840" cy="354600"/>
+            <a:ext cx="2274480" cy="354240"/>
           </a:xfrm>
           <a:prstGeom prst="rect">
             <a:avLst/>
@@ -11720,7 +11640,7 @@
         <p:spPr>
           <a:xfrm>
             <a:off x="342360" y="1529280"/>
-            <a:ext cx="9247320" cy="5359320"/>
+            <a:ext cx="9246960" cy="5358960"/>
           </a:xfrm>
           <a:prstGeom prst="rect">
             <a:avLst/>
@@ -11778,16 +11698,11 @@
             </a:endParaRPr>
           </a:p>
           <a:p>
-            <a:pPr lvl="1" marL="432000" indent="-216000">
+            <a:pPr>
               <a:lnSpc>
                 <a:spcPct val="150000"/>
               </a:lnSpc>
-              <a:buClr>
-                <a:srgbClr val="000000"/>
-              </a:buClr>
-              <a:buSzPct val="45000"/>
-              <a:buFont typeface="Wingdings" charset="2"/>
-              <a:buChar char=""/>
+              <a:buNone/>
             </a:pPr>
             <a:endParaRPr b="0" lang="pt-BR" sz="1600" spc="-1" strike="noStrike">
               <a:latin typeface="Arial"/>
@@ -12149,7 +12064,7 @@
         <p:spPr>
           <a:xfrm>
             <a:off x="2700000" y="2520000"/>
-            <a:ext cx="4723920" cy="3885840"/>
+            <a:ext cx="4723560" cy="3885480"/>
           </a:xfrm>
           <a:prstGeom prst="rect">
             <a:avLst/>
@@ -12198,7 +12113,7 @@
         <p:spPr>
           <a:xfrm>
             <a:off x="360000" y="360000"/>
-            <a:ext cx="9349560" cy="889560"/>
+            <a:ext cx="9349200" cy="889200"/>
           </a:xfrm>
           <a:prstGeom prst="rect">
             <a:avLst/>
@@ -12250,7 +12165,7 @@
         <p:spPr>
           <a:xfrm>
             <a:off x="360000" y="1980000"/>
-            <a:ext cx="9169560" cy="4669560"/>
+            <a:ext cx="9169200" cy="4669200"/>
           </a:xfrm>
           <a:prstGeom prst="rect">
             <a:avLst/>
@@ -12309,7 +12224,7 @@
         <p:spPr>
           <a:xfrm>
             <a:off x="897120" y="6886080"/>
-            <a:ext cx="6436800" cy="354600"/>
+            <a:ext cx="6436440" cy="354240"/>
           </a:xfrm>
           <a:prstGeom prst="rect">
             <a:avLst/>
@@ -12361,7 +12276,7 @@
         <p:spPr>
           <a:xfrm>
             <a:off x="7608600" y="6886080"/>
-            <a:ext cx="2274840" cy="354600"/>
+            <a:ext cx="2274480" cy="354240"/>
           </a:xfrm>
           <a:prstGeom prst="rect">
             <a:avLst/>
@@ -12413,7 +12328,7 @@
         <p:spPr>
           <a:xfrm>
             <a:off x="342360" y="1529280"/>
-            <a:ext cx="9247320" cy="5359320"/>
+            <a:ext cx="9246960" cy="5358960"/>
           </a:xfrm>
           <a:prstGeom prst="rect">
             <a:avLst/>
@@ -12471,16 +12386,11 @@
             </a:endParaRPr>
           </a:p>
           <a:p>
-            <a:pPr lvl="1" marL="432000" indent="-216000">
+            <a:pPr>
               <a:lnSpc>
                 <a:spcPct val="150000"/>
               </a:lnSpc>
-              <a:buClr>
-                <a:srgbClr val="000000"/>
-              </a:buClr>
-              <a:buSzPct val="45000"/>
-              <a:buFont typeface="Wingdings" charset="2"/>
-              <a:buChar char=""/>
+              <a:buNone/>
             </a:pPr>
             <a:endParaRPr b="0" lang="pt-BR" sz="1600" spc="-1" strike="noStrike">
               <a:latin typeface="Arial"/>
@@ -12842,7 +12752,7 @@
         <p:spPr>
           <a:xfrm>
             <a:off x="900000" y="3240000"/>
-            <a:ext cx="8432280" cy="2160000"/>
+            <a:ext cx="8431920" cy="2159640"/>
           </a:xfrm>
           <a:prstGeom prst="rect">
             <a:avLst/>
@@ -12891,7 +12801,7 @@
         <p:spPr>
           <a:xfrm>
             <a:off x="360000" y="360000"/>
-            <a:ext cx="9349560" cy="889560"/>
+            <a:ext cx="9349200" cy="889200"/>
           </a:xfrm>
           <a:prstGeom prst="rect">
             <a:avLst/>
@@ -12943,7 +12853,7 @@
         <p:spPr>
           <a:xfrm>
             <a:off x="897120" y="6886080"/>
-            <a:ext cx="6436800" cy="354600"/>
+            <a:ext cx="6436440" cy="354240"/>
           </a:xfrm>
           <a:prstGeom prst="rect">
             <a:avLst/>
@@ -12995,7 +12905,7 @@
         <p:spPr>
           <a:xfrm>
             <a:off x="7608600" y="6886080"/>
-            <a:ext cx="2274840" cy="354600"/>
+            <a:ext cx="2274480" cy="354240"/>
           </a:xfrm>
           <a:prstGeom prst="rect">
             <a:avLst/>
@@ -13047,7 +12957,7 @@
         <p:spPr>
           <a:xfrm>
             <a:off x="342360" y="1529280"/>
-            <a:ext cx="9247320" cy="5359320"/>
+            <a:ext cx="9246960" cy="5358960"/>
           </a:xfrm>
           <a:prstGeom prst="rect">
             <a:avLst/>
@@ -13079,32 +12989,22 @@
             </a:endParaRPr>
           </a:p>
           <a:p>
-            <a:pPr marL="216000" indent="-216000">
+            <a:pPr>
               <a:lnSpc>
                 <a:spcPct val="150000"/>
               </a:lnSpc>
-              <a:buClr>
-                <a:srgbClr val="000000"/>
-              </a:buClr>
-              <a:buSzPct val="45000"/>
-              <a:buFont typeface="Wingdings" charset="2"/>
-              <a:buChar char=""/>
+              <a:buNone/>
             </a:pPr>
             <a:endParaRPr b="0" lang="pt-BR" sz="1600" spc="-1" strike="noStrike">
               <a:latin typeface="Arial"/>
             </a:endParaRPr>
           </a:p>
           <a:p>
-            <a:pPr marL="216000" indent="-216000">
+            <a:pPr>
               <a:lnSpc>
                 <a:spcPct val="150000"/>
               </a:lnSpc>
-              <a:buClr>
-                <a:srgbClr val="000000"/>
-              </a:buClr>
-              <a:buSzPct val="45000"/>
-              <a:buFont typeface="Wingdings" charset="2"/>
-              <a:buChar char=""/>
+              <a:buNone/>
             </a:pPr>
             <a:endParaRPr b="0" lang="pt-BR" sz="1600" spc="-1" strike="noStrike">
               <a:latin typeface="Arial"/>
@@ -13466,7 +13366,7 @@
         <p:spPr>
           <a:xfrm>
             <a:off x="1284480" y="1670760"/>
-            <a:ext cx="7590960" cy="4638240"/>
+            <a:ext cx="7590600" cy="4637880"/>
           </a:xfrm>
           <a:prstGeom prst="rect">
             <a:avLst/>
@@ -13515,7 +13415,7 @@
         <p:spPr>
           <a:xfrm>
             <a:off x="360000" y="360000"/>
-            <a:ext cx="9349560" cy="889560"/>
+            <a:ext cx="9349200" cy="889200"/>
           </a:xfrm>
           <a:prstGeom prst="rect">
             <a:avLst/>
@@ -13567,7 +13467,7 @@
         <p:spPr>
           <a:xfrm>
             <a:off x="360000" y="1980000"/>
-            <a:ext cx="9169560" cy="4669560"/>
+            <a:ext cx="9169200" cy="4669200"/>
           </a:xfrm>
           <a:prstGeom prst="rect">
             <a:avLst/>
@@ -13626,7 +13526,7 @@
         <p:spPr>
           <a:xfrm>
             <a:off x="897120" y="6886080"/>
-            <a:ext cx="6436800" cy="354600"/>
+            <a:ext cx="6436440" cy="354240"/>
           </a:xfrm>
           <a:prstGeom prst="rect">
             <a:avLst/>
@@ -13678,7 +13578,7 @@
         <p:spPr>
           <a:xfrm>
             <a:off x="7608600" y="6886080"/>
-            <a:ext cx="2274840" cy="354600"/>
+            <a:ext cx="2274480" cy="354240"/>
           </a:xfrm>
           <a:prstGeom prst="rect">
             <a:avLst/>
@@ -13730,7 +13630,7 @@
         <p:spPr>
           <a:xfrm>
             <a:off x="342360" y="1529280"/>
-            <a:ext cx="9247320" cy="5359320"/>
+            <a:ext cx="9246960" cy="5358960"/>
           </a:xfrm>
           <a:prstGeom prst="rect">
             <a:avLst/>
@@ -13788,16 +13688,11 @@
             </a:endParaRPr>
           </a:p>
           <a:p>
-            <a:pPr marL="216000" indent="-216000">
+            <a:pPr>
               <a:lnSpc>
                 <a:spcPct val="150000"/>
               </a:lnSpc>
-              <a:buClr>
-                <a:srgbClr val="000000"/>
-              </a:buClr>
-              <a:buSzPct val="45000"/>
-              <a:buFont typeface="Wingdings" charset="2"/>
-              <a:buChar char=""/>
+              <a:buNone/>
             </a:pPr>
             <a:endParaRPr b="0" lang="pt-BR" sz="1600" spc="-1" strike="noStrike">
               <a:latin typeface="Arial"/>
@@ -14222,7 +14117,7 @@
         <p:spPr>
           <a:xfrm>
             <a:off x="1602000" y="4112280"/>
-            <a:ext cx="7426440" cy="2216160"/>
+            <a:ext cx="7426080" cy="2215800"/>
           </a:xfrm>
           <a:prstGeom prst="rect">
             <a:avLst/>
@@ -14241,7 +14136,7 @@
         <p:spPr>
           <a:xfrm>
             <a:off x="360000" y="360000"/>
-            <a:ext cx="9349560" cy="889560"/>
+            <a:ext cx="9349200" cy="889200"/>
           </a:xfrm>
           <a:prstGeom prst="rect">
             <a:avLst/>
@@ -14293,7 +14188,7 @@
         <p:spPr>
           <a:xfrm>
             <a:off x="360000" y="1980000"/>
-            <a:ext cx="9169560" cy="4669560"/>
+            <a:ext cx="9169200" cy="4669200"/>
           </a:xfrm>
           <a:prstGeom prst="rect">
             <a:avLst/>
@@ -14541,7 +14436,7 @@
         <p:spPr>
           <a:xfrm>
             <a:off x="897120" y="6886080"/>
-            <a:ext cx="6436800" cy="354600"/>
+            <a:ext cx="6436440" cy="354240"/>
           </a:xfrm>
           <a:prstGeom prst="rect">
             <a:avLst/>
@@ -14593,7 +14488,7 @@
         <p:spPr>
           <a:xfrm>
             <a:off x="7608600" y="6886080"/>
-            <a:ext cx="2274840" cy="354600"/>
+            <a:ext cx="2274480" cy="354240"/>
           </a:xfrm>
           <a:prstGeom prst="rect">
             <a:avLst/>
@@ -14649,7 +14544,7 @@
         <p:spPr>
           <a:xfrm>
             <a:off x="3332880" y="5882760"/>
-            <a:ext cx="416880" cy="445680"/>
+            <a:ext cx="416520" cy="445320"/>
           </a:xfrm>
           <a:prstGeom prst="rect">
             <a:avLst/>
@@ -14672,7 +14567,7 @@
         <p:spPr>
           <a:xfrm>
             <a:off x="3837240" y="5883120"/>
-            <a:ext cx="416880" cy="445680"/>
+            <a:ext cx="416520" cy="445320"/>
           </a:xfrm>
           <a:prstGeom prst="rect">
             <a:avLst/>
@@ -14695,7 +14590,7 @@
         <p:spPr>
           <a:xfrm>
             <a:off x="4377600" y="5883480"/>
-            <a:ext cx="416880" cy="445680"/>
+            <a:ext cx="416520" cy="445320"/>
           </a:xfrm>
           <a:prstGeom prst="rect">
             <a:avLst/>
@@ -14718,7 +14613,7 @@
         <p:spPr>
           <a:xfrm>
             <a:off x="4917960" y="5883840"/>
-            <a:ext cx="416880" cy="445680"/>
+            <a:ext cx="416520" cy="445320"/>
           </a:xfrm>
           <a:prstGeom prst="rect">
             <a:avLst/>
@@ -14767,7 +14662,7 @@
         <p:spPr>
           <a:xfrm>
             <a:off x="360000" y="360000"/>
-            <a:ext cx="9349560" cy="889560"/>
+            <a:ext cx="9349200" cy="889200"/>
           </a:xfrm>
           <a:prstGeom prst="rect">
             <a:avLst/>
@@ -14819,7 +14714,7 @@
         <p:spPr>
           <a:xfrm>
             <a:off x="360000" y="1980000"/>
-            <a:ext cx="9169560" cy="4669560"/>
+            <a:ext cx="9169200" cy="4669200"/>
           </a:xfrm>
           <a:prstGeom prst="rect">
             <a:avLst/>
@@ -14878,7 +14773,7 @@
         <p:spPr>
           <a:xfrm>
             <a:off x="897120" y="6886080"/>
-            <a:ext cx="6436800" cy="354600"/>
+            <a:ext cx="6436440" cy="354240"/>
           </a:xfrm>
           <a:prstGeom prst="rect">
             <a:avLst/>
@@ -14930,7 +14825,7 @@
         <p:spPr>
           <a:xfrm>
             <a:off x="7608600" y="6886080"/>
-            <a:ext cx="2274840" cy="354600"/>
+            <a:ext cx="2274480" cy="354240"/>
           </a:xfrm>
           <a:prstGeom prst="rect">
             <a:avLst/>
@@ -14982,7 +14877,7 @@
         <p:spPr>
           <a:xfrm>
             <a:off x="342360" y="1529280"/>
-            <a:ext cx="9375840" cy="5359320"/>
+            <a:ext cx="9375480" cy="5358960"/>
           </a:xfrm>
           <a:prstGeom prst="rect">
             <a:avLst/>
@@ -15432,7 +15327,7 @@
         <p:spPr>
           <a:xfrm>
             <a:off x="1435320" y="3052080"/>
-            <a:ext cx="7635600" cy="2936160"/>
+            <a:ext cx="7635240" cy="2935800"/>
           </a:xfrm>
           <a:prstGeom prst="rect">
             <a:avLst/>
@@ -15481,7 +15376,7 @@
         <p:spPr>
           <a:xfrm>
             <a:off x="360000" y="360000"/>
-            <a:ext cx="9349560" cy="889560"/>
+            <a:ext cx="9349200" cy="889200"/>
           </a:xfrm>
           <a:prstGeom prst="rect">
             <a:avLst/>
@@ -15533,7 +15428,7 @@
         <p:spPr>
           <a:xfrm>
             <a:off x="360000" y="1980000"/>
-            <a:ext cx="9169560" cy="4669560"/>
+            <a:ext cx="9169200" cy="4669200"/>
           </a:xfrm>
           <a:prstGeom prst="rect">
             <a:avLst/>
@@ -15592,7 +15487,7 @@
         <p:spPr>
           <a:xfrm>
             <a:off x="897120" y="6886080"/>
-            <a:ext cx="6436800" cy="354600"/>
+            <a:ext cx="6436440" cy="354240"/>
           </a:xfrm>
           <a:prstGeom prst="rect">
             <a:avLst/>
@@ -15644,7 +15539,7 @@
         <p:spPr>
           <a:xfrm>
             <a:off x="7608600" y="6886080"/>
-            <a:ext cx="2274840" cy="354600"/>
+            <a:ext cx="2274480" cy="354240"/>
           </a:xfrm>
           <a:prstGeom prst="rect">
             <a:avLst/>
@@ -15696,7 +15591,7 @@
         <p:spPr>
           <a:xfrm>
             <a:off x="342360" y="1529280"/>
-            <a:ext cx="9375840" cy="5359320"/>
+            <a:ext cx="9375480" cy="5358960"/>
           </a:xfrm>
           <a:prstGeom prst="rect">
             <a:avLst/>
@@ -16146,7 +16041,7 @@
         <p:spPr>
           <a:xfrm>
             <a:off x="3046680" y="3056400"/>
-            <a:ext cx="4619160" cy="3721320"/>
+            <a:ext cx="4618800" cy="3720960"/>
           </a:xfrm>
           <a:prstGeom prst="rect">
             <a:avLst/>
@@ -16195,7 +16090,7 @@
         <p:spPr>
           <a:xfrm>
             <a:off x="360000" y="360000"/>
-            <a:ext cx="9349560" cy="889560"/>
+            <a:ext cx="9349200" cy="889200"/>
           </a:xfrm>
           <a:prstGeom prst="rect">
             <a:avLst/>
@@ -16247,7 +16142,7 @@
         <p:spPr>
           <a:xfrm>
             <a:off x="360000" y="1980000"/>
-            <a:ext cx="9169560" cy="4669560"/>
+            <a:ext cx="9169200" cy="4669200"/>
           </a:xfrm>
           <a:prstGeom prst="rect">
             <a:avLst/>
@@ -16306,7 +16201,7 @@
         <p:spPr>
           <a:xfrm>
             <a:off x="897120" y="6886080"/>
-            <a:ext cx="6436800" cy="354600"/>
+            <a:ext cx="6436440" cy="354240"/>
           </a:xfrm>
           <a:prstGeom prst="rect">
             <a:avLst/>
@@ -16358,7 +16253,7 @@
         <p:spPr>
           <a:xfrm>
             <a:off x="7608600" y="6886080"/>
-            <a:ext cx="2274840" cy="354600"/>
+            <a:ext cx="2274480" cy="354240"/>
           </a:xfrm>
           <a:prstGeom prst="rect">
             <a:avLst/>
@@ -16410,7 +16305,7 @@
         <p:spPr>
           <a:xfrm>
             <a:off x="342360" y="1529280"/>
-            <a:ext cx="9375840" cy="5359320"/>
+            <a:ext cx="9375480" cy="5358960"/>
           </a:xfrm>
           <a:prstGeom prst="rect">
             <a:avLst/>
@@ -16823,7 +16718,7 @@
         <p:spPr>
           <a:xfrm>
             <a:off x="2332440" y="2633040"/>
-            <a:ext cx="5420160" cy="4068000"/>
+            <a:ext cx="5419800" cy="4067640"/>
           </a:xfrm>
           <a:prstGeom prst="rect">
             <a:avLst/>
@@ -16872,7 +16767,7 @@
         <p:spPr>
           <a:xfrm>
             <a:off x="360000" y="360000"/>
-            <a:ext cx="9349560" cy="889560"/>
+            <a:ext cx="9349200" cy="889200"/>
           </a:xfrm>
           <a:prstGeom prst="rect">
             <a:avLst/>
@@ -16924,7 +16819,7 @@
         <p:spPr>
           <a:xfrm>
             <a:off x="360000" y="1980000"/>
-            <a:ext cx="9169560" cy="4669560"/>
+            <a:ext cx="9169200" cy="4669200"/>
           </a:xfrm>
           <a:prstGeom prst="rect">
             <a:avLst/>
@@ -16983,7 +16878,7 @@
         <p:spPr>
           <a:xfrm>
             <a:off x="897120" y="6886080"/>
-            <a:ext cx="6436800" cy="354600"/>
+            <a:ext cx="6436440" cy="354240"/>
           </a:xfrm>
           <a:prstGeom prst="rect">
             <a:avLst/>
@@ -17035,7 +16930,7 @@
         <p:spPr>
           <a:xfrm>
             <a:off x="7608600" y="6886080"/>
-            <a:ext cx="2274840" cy="354600"/>
+            <a:ext cx="2274480" cy="354240"/>
           </a:xfrm>
           <a:prstGeom prst="rect">
             <a:avLst/>
@@ -17087,7 +16982,7 @@
         <p:spPr>
           <a:xfrm>
             <a:off x="342360" y="1529280"/>
-            <a:ext cx="9375840" cy="5359320"/>
+            <a:ext cx="9375480" cy="5358960"/>
           </a:xfrm>
           <a:prstGeom prst="rect">
             <a:avLst/>
@@ -17495,7 +17390,7 @@
         <p:spPr>
           <a:xfrm>
             <a:off x="2286000" y="2409480"/>
-            <a:ext cx="5281200" cy="4254480"/>
+            <a:ext cx="5280840" cy="4254120"/>
           </a:xfrm>
           <a:prstGeom prst="rect">
             <a:avLst/>
@@ -17544,7 +17439,7 @@
         <p:spPr>
           <a:xfrm>
             <a:off x="360000" y="360000"/>
-            <a:ext cx="9349560" cy="889560"/>
+            <a:ext cx="9349200" cy="889200"/>
           </a:xfrm>
           <a:prstGeom prst="rect">
             <a:avLst/>
@@ -17596,7 +17491,7 @@
         <p:spPr>
           <a:xfrm>
             <a:off x="360000" y="1980000"/>
-            <a:ext cx="9169560" cy="4669560"/>
+            <a:ext cx="9169200" cy="4669200"/>
           </a:xfrm>
           <a:prstGeom prst="rect">
             <a:avLst/>
@@ -17655,7 +17550,7 @@
         <p:spPr>
           <a:xfrm>
             <a:off x="897120" y="6886080"/>
-            <a:ext cx="6436800" cy="354600"/>
+            <a:ext cx="6436440" cy="354240"/>
           </a:xfrm>
           <a:prstGeom prst="rect">
             <a:avLst/>
@@ -17707,7 +17602,7 @@
         <p:spPr>
           <a:xfrm>
             <a:off x="7608600" y="6886080"/>
-            <a:ext cx="2274840" cy="354600"/>
+            <a:ext cx="2274480" cy="354240"/>
           </a:xfrm>
           <a:prstGeom prst="rect">
             <a:avLst/>
@@ -17759,7 +17654,7 @@
         <p:spPr>
           <a:xfrm>
             <a:off x="342360" y="1529280"/>
-            <a:ext cx="9375840" cy="5359320"/>
+            <a:ext cx="9375480" cy="5358960"/>
           </a:xfrm>
           <a:prstGeom prst="rect">
             <a:avLst/>
@@ -18172,7 +18067,7 @@
         <p:spPr>
           <a:xfrm>
             <a:off x="2365200" y="2396520"/>
-            <a:ext cx="5286960" cy="4259160"/>
+            <a:ext cx="5286600" cy="4258800"/>
           </a:xfrm>
           <a:prstGeom prst="rect">
             <a:avLst/>
@@ -18221,7 +18116,7 @@
         <p:spPr>
           <a:xfrm>
             <a:off x="360000" y="360000"/>
-            <a:ext cx="9349560" cy="889560"/>
+            <a:ext cx="9349200" cy="889200"/>
           </a:xfrm>
           <a:prstGeom prst="rect">
             <a:avLst/>
@@ -18273,7 +18168,7 @@
         <p:spPr>
           <a:xfrm>
             <a:off x="360000" y="1980000"/>
-            <a:ext cx="9169560" cy="4669560"/>
+            <a:ext cx="9169200" cy="4669200"/>
           </a:xfrm>
           <a:prstGeom prst="rect">
             <a:avLst/>
@@ -18332,7 +18227,7 @@
         <p:spPr>
           <a:xfrm>
             <a:off x="897120" y="6886080"/>
-            <a:ext cx="6436800" cy="354600"/>
+            <a:ext cx="6436440" cy="354240"/>
           </a:xfrm>
           <a:prstGeom prst="rect">
             <a:avLst/>
@@ -18384,7 +18279,7 @@
         <p:spPr>
           <a:xfrm>
             <a:off x="7608600" y="6886080"/>
-            <a:ext cx="2274840" cy="354600"/>
+            <a:ext cx="2274480" cy="354240"/>
           </a:xfrm>
           <a:prstGeom prst="rect">
             <a:avLst/>
@@ -18436,7 +18331,7 @@
         <p:spPr>
           <a:xfrm>
             <a:off x="342360" y="1529280"/>
-            <a:ext cx="9375840" cy="5359320"/>
+            <a:ext cx="9375480" cy="5358960"/>
           </a:xfrm>
           <a:prstGeom prst="rect">
             <a:avLst/>
@@ -18849,7 +18744,7 @@
         <p:spPr>
           <a:xfrm>
             <a:off x="1397520" y="2413080"/>
-            <a:ext cx="6984000" cy="4113720"/>
+            <a:ext cx="6983640" cy="4113360"/>
           </a:xfrm>
           <a:prstGeom prst="rect">
             <a:avLst/>
@@ -18872,7 +18767,7 @@
         <p:spPr>
           <a:xfrm>
             <a:off x="1397520" y="2413440"/>
-            <a:ext cx="6984000" cy="4113720"/>
+            <a:ext cx="6983640" cy="4113360"/>
           </a:xfrm>
           <a:prstGeom prst="rect">
             <a:avLst/>
@@ -18921,7 +18816,7 @@
         <p:spPr>
           <a:xfrm>
             <a:off x="360000" y="360000"/>
-            <a:ext cx="9349560" cy="889560"/>
+            <a:ext cx="9349200" cy="889200"/>
           </a:xfrm>
           <a:prstGeom prst="rect">
             <a:avLst/>
@@ -18973,7 +18868,7 @@
         <p:spPr>
           <a:xfrm>
             <a:off x="360000" y="1980000"/>
-            <a:ext cx="9294840" cy="4669560"/>
+            <a:ext cx="9294480" cy="4669200"/>
           </a:xfrm>
           <a:prstGeom prst="rect">
             <a:avLst/>
@@ -19032,7 +18927,7 @@
         <p:spPr>
           <a:xfrm>
             <a:off x="897120" y="6886080"/>
-            <a:ext cx="6436800" cy="354600"/>
+            <a:ext cx="6436440" cy="354240"/>
           </a:xfrm>
           <a:prstGeom prst="rect">
             <a:avLst/>
@@ -19084,7 +18979,7 @@
         <p:spPr>
           <a:xfrm>
             <a:off x="7608600" y="6886080"/>
-            <a:ext cx="2274840" cy="354600"/>
+            <a:ext cx="2274480" cy="354240"/>
           </a:xfrm>
           <a:prstGeom prst="rect">
             <a:avLst/>
@@ -19136,7 +19031,7 @@
         <p:spPr>
           <a:xfrm>
             <a:off x="342360" y="1529280"/>
-            <a:ext cx="6520320" cy="5359320"/>
+            <a:ext cx="6519960" cy="5358960"/>
           </a:xfrm>
           <a:prstGeom prst="rect">
             <a:avLst/>
@@ -19704,7 +19599,7 @@
         <p:spPr>
           <a:xfrm>
             <a:off x="4653000" y="3444840"/>
-            <a:ext cx="4252680" cy="3169800"/>
+            <a:ext cx="4252320" cy="3169440"/>
           </a:xfrm>
           <a:prstGeom prst="rect">
             <a:avLst/>
@@ -19728,7 +19623,7 @@
         <p:spPr>
           <a:xfrm>
             <a:off x="1693080" y="3801600"/>
-            <a:ext cx="1607040" cy="2273040"/>
+            <a:ext cx="1606680" cy="2272680"/>
           </a:xfrm>
           <a:prstGeom prst="rect">
             <a:avLst/>

--- a/AprendizadoMaquina/Tópico 02 - Aprendizado Supervisionado/07 Ensembles/Tópico 02 - Aprendizado-Supervisionado - Ensembles.pptx
+++ b/AprendizadoMaquina/Tópico 02 - Aprendizado Supervisionado/07 Ensembles/Tópico 02 - Aprendizado-Supervisionado - Ensembles.pptx
@@ -311,7 +311,7 @@
             <a:pPr algn="r">
               <a:buNone/>
             </a:pPr>
-            <a:fld id="{B111F9ED-EF39-46FC-A014-541215C60090}" type="slidenum">
+            <a:fld id="{985542AF-8520-4654-AB26-E1B60C8A0068}" type="slidenum">
               <a:rPr b="0" lang="pt-BR" sz="1400" spc="-1" strike="noStrike">
                 <a:latin typeface="Times New Roman"/>
               </a:rPr>
@@ -348,7 +348,7 @@
       </p:grpSpPr>
       <p:sp>
         <p:nvSpPr>
-          <p:cNvPr id="199" name="PlaceHolder 1"/>
+          <p:cNvPr id="195" name="PlaceHolder 1"/>
           <p:cNvSpPr>
             <a:spLocks noGrp="1"/>
           </p:cNvSpPr>
@@ -359,19 +359,19 @@
         <p:spPr>
           <a:xfrm>
             <a:off x="1376280" y="1336680"/>
-            <a:ext cx="4797000" cy="3596760"/>
-          </a:xfrm>
-          <a:prstGeom prst="rect">
-            <a:avLst/>
-          </a:prstGeom>
-          <a:ln w="0">
-            <a:noFill/>
-          </a:ln>
-        </p:spPr>
-      </p:sp>
-      <p:sp>
-        <p:nvSpPr>
-          <p:cNvPr id="200" name="PlaceHolder 2"/>
+            <a:ext cx="4796640" cy="3596400"/>
+          </a:xfrm>
+          <a:prstGeom prst="rect">
+            <a:avLst/>
+          </a:prstGeom>
+          <a:ln w="0">
+            <a:noFill/>
+          </a:ln>
+        </p:spPr>
+      </p:sp>
+      <p:sp>
+        <p:nvSpPr>
+          <p:cNvPr id="196" name="PlaceHolder 2"/>
           <p:cNvSpPr>
             <a:spLocks noGrp="1"/>
           </p:cNvSpPr>
@@ -382,7 +382,7 @@
         <p:spPr>
           <a:xfrm>
             <a:off x="756000" y="5145120"/>
-            <a:ext cx="6037200" cy="4199400"/>
+            <a:ext cx="6036840" cy="4199040"/>
           </a:xfrm>
           <a:prstGeom prst="rect">
             <a:avLst/>
@@ -405,14 +405,14 @@
       </p:sp>
       <p:sp>
         <p:nvSpPr>
-          <p:cNvPr id="201" name="CustomShape 3"/>
+          <p:cNvPr id="197" name="CustomShape 3"/>
           <p:cNvSpPr/>
           <p:nvPr/>
         </p:nvSpPr>
         <p:spPr>
           <a:xfrm>
             <a:off x="0" y="10155240"/>
-            <a:ext cx="3265560" cy="525960"/>
+            <a:ext cx="3265200" cy="525600"/>
           </a:xfrm>
           <a:prstGeom prst="rect">
             <a:avLst/>
@@ -479,7 +479,7 @@
       </p:grpSpPr>
       <p:sp>
         <p:nvSpPr>
-          <p:cNvPr id="226" name="PlaceHolder 1"/>
+          <p:cNvPr id="222" name="PlaceHolder 1"/>
           <p:cNvSpPr>
             <a:spLocks noGrp="1"/>
           </p:cNvSpPr>
@@ -490,19 +490,19 @@
         <p:spPr>
           <a:xfrm>
             <a:off x="1376280" y="1336680"/>
-            <a:ext cx="4797000" cy="3596760"/>
-          </a:xfrm>
-          <a:prstGeom prst="rect">
-            <a:avLst/>
-          </a:prstGeom>
-          <a:ln w="0">
-            <a:noFill/>
-          </a:ln>
-        </p:spPr>
-      </p:sp>
-      <p:sp>
-        <p:nvSpPr>
-          <p:cNvPr id="227" name="PlaceHolder 2"/>
+            <a:ext cx="4796640" cy="3596400"/>
+          </a:xfrm>
+          <a:prstGeom prst="rect">
+            <a:avLst/>
+          </a:prstGeom>
+          <a:ln w="0">
+            <a:noFill/>
+          </a:ln>
+        </p:spPr>
+      </p:sp>
+      <p:sp>
+        <p:nvSpPr>
+          <p:cNvPr id="223" name="PlaceHolder 2"/>
           <p:cNvSpPr>
             <a:spLocks noGrp="1"/>
           </p:cNvSpPr>
@@ -513,7 +513,7 @@
         <p:spPr>
           <a:xfrm>
             <a:off x="756000" y="5145120"/>
-            <a:ext cx="6037200" cy="4199400"/>
+            <a:ext cx="6036840" cy="4199040"/>
           </a:xfrm>
           <a:prstGeom prst="rect">
             <a:avLst/>
@@ -536,14 +536,14 @@
       </p:sp>
       <p:sp>
         <p:nvSpPr>
-          <p:cNvPr id="228" name="CustomShape 44"/>
+          <p:cNvPr id="224" name="CustomShape 44"/>
           <p:cNvSpPr/>
           <p:nvPr/>
         </p:nvSpPr>
         <p:spPr>
           <a:xfrm>
             <a:off x="0" y="10155240"/>
-            <a:ext cx="3265560" cy="525960"/>
+            <a:ext cx="3265200" cy="525600"/>
           </a:xfrm>
           <a:prstGeom prst="rect">
             <a:avLst/>
@@ -610,7 +610,7 @@
       </p:grpSpPr>
       <p:sp>
         <p:nvSpPr>
-          <p:cNvPr id="229" name="PlaceHolder 1"/>
+          <p:cNvPr id="225" name="PlaceHolder 1"/>
           <p:cNvSpPr>
             <a:spLocks noGrp="1"/>
           </p:cNvSpPr>
@@ -621,19 +621,19 @@
         <p:spPr>
           <a:xfrm>
             <a:off x="1376280" y="1336680"/>
-            <a:ext cx="4797000" cy="3596760"/>
-          </a:xfrm>
-          <a:prstGeom prst="rect">
-            <a:avLst/>
-          </a:prstGeom>
-          <a:ln w="0">
-            <a:noFill/>
-          </a:ln>
-        </p:spPr>
-      </p:sp>
-      <p:sp>
-        <p:nvSpPr>
-          <p:cNvPr id="230" name="PlaceHolder 2"/>
+            <a:ext cx="4796640" cy="3596400"/>
+          </a:xfrm>
+          <a:prstGeom prst="rect">
+            <a:avLst/>
+          </a:prstGeom>
+          <a:ln w="0">
+            <a:noFill/>
+          </a:ln>
+        </p:spPr>
+      </p:sp>
+      <p:sp>
+        <p:nvSpPr>
+          <p:cNvPr id="226" name="PlaceHolder 2"/>
           <p:cNvSpPr>
             <a:spLocks noGrp="1"/>
           </p:cNvSpPr>
@@ -644,7 +644,7 @@
         <p:spPr>
           <a:xfrm>
             <a:off x="756000" y="5145120"/>
-            <a:ext cx="6037200" cy="4199400"/>
+            <a:ext cx="6036840" cy="4199040"/>
           </a:xfrm>
           <a:prstGeom prst="rect">
             <a:avLst/>
@@ -667,14 +667,14 @@
       </p:sp>
       <p:sp>
         <p:nvSpPr>
-          <p:cNvPr id="231" name="CustomShape 49"/>
+          <p:cNvPr id="227" name="CustomShape 49"/>
           <p:cNvSpPr/>
           <p:nvPr/>
         </p:nvSpPr>
         <p:spPr>
           <a:xfrm>
             <a:off x="0" y="10155240"/>
-            <a:ext cx="3265560" cy="525960"/>
+            <a:ext cx="3265200" cy="525600"/>
           </a:xfrm>
           <a:prstGeom prst="rect">
             <a:avLst/>
@@ -741,7 +741,7 @@
       </p:grpSpPr>
       <p:sp>
         <p:nvSpPr>
-          <p:cNvPr id="232" name="PlaceHolder 1"/>
+          <p:cNvPr id="228" name="PlaceHolder 1"/>
           <p:cNvSpPr>
             <a:spLocks noGrp="1"/>
           </p:cNvSpPr>
@@ -752,19 +752,19 @@
         <p:spPr>
           <a:xfrm>
             <a:off x="1376280" y="1336680"/>
-            <a:ext cx="4797000" cy="3596760"/>
-          </a:xfrm>
-          <a:prstGeom prst="rect">
-            <a:avLst/>
-          </a:prstGeom>
-          <a:ln w="0">
-            <a:noFill/>
-          </a:ln>
-        </p:spPr>
-      </p:sp>
-      <p:sp>
-        <p:nvSpPr>
-          <p:cNvPr id="233" name="PlaceHolder 2"/>
+            <a:ext cx="4796640" cy="3596400"/>
+          </a:xfrm>
+          <a:prstGeom prst="rect">
+            <a:avLst/>
+          </a:prstGeom>
+          <a:ln w="0">
+            <a:noFill/>
+          </a:ln>
+        </p:spPr>
+      </p:sp>
+      <p:sp>
+        <p:nvSpPr>
+          <p:cNvPr id="229" name="PlaceHolder 2"/>
           <p:cNvSpPr>
             <a:spLocks noGrp="1"/>
           </p:cNvSpPr>
@@ -775,7 +775,7 @@
         <p:spPr>
           <a:xfrm>
             <a:off x="756000" y="5145120"/>
-            <a:ext cx="6037200" cy="4199400"/>
+            <a:ext cx="6036840" cy="4199040"/>
           </a:xfrm>
           <a:prstGeom prst="rect">
             <a:avLst/>
@@ -798,14 +798,14 @@
       </p:sp>
       <p:sp>
         <p:nvSpPr>
-          <p:cNvPr id="234" name="CustomShape 53"/>
+          <p:cNvPr id="230" name="CustomShape 53"/>
           <p:cNvSpPr/>
           <p:nvPr/>
         </p:nvSpPr>
         <p:spPr>
           <a:xfrm>
             <a:off x="0" y="10155240"/>
-            <a:ext cx="3265560" cy="525960"/>
+            <a:ext cx="3265200" cy="525600"/>
           </a:xfrm>
           <a:prstGeom prst="rect">
             <a:avLst/>
@@ -872,7 +872,7 @@
       </p:grpSpPr>
       <p:sp>
         <p:nvSpPr>
-          <p:cNvPr id="235" name="PlaceHolder 1"/>
+          <p:cNvPr id="231" name="PlaceHolder 1"/>
           <p:cNvSpPr>
             <a:spLocks noGrp="1"/>
           </p:cNvSpPr>
@@ -883,19 +883,19 @@
         <p:spPr>
           <a:xfrm>
             <a:off x="1376280" y="1336680"/>
-            <a:ext cx="4797000" cy="3596760"/>
-          </a:xfrm>
-          <a:prstGeom prst="rect">
-            <a:avLst/>
-          </a:prstGeom>
-          <a:ln w="0">
-            <a:noFill/>
-          </a:ln>
-        </p:spPr>
-      </p:sp>
-      <p:sp>
-        <p:nvSpPr>
-          <p:cNvPr id="236" name="PlaceHolder 2"/>
+            <a:ext cx="4796640" cy="3596400"/>
+          </a:xfrm>
+          <a:prstGeom prst="rect">
+            <a:avLst/>
+          </a:prstGeom>
+          <a:ln w="0">
+            <a:noFill/>
+          </a:ln>
+        </p:spPr>
+      </p:sp>
+      <p:sp>
+        <p:nvSpPr>
+          <p:cNvPr id="232" name="PlaceHolder 2"/>
           <p:cNvSpPr>
             <a:spLocks noGrp="1"/>
           </p:cNvSpPr>
@@ -906,7 +906,7 @@
         <p:spPr>
           <a:xfrm>
             <a:off x="756000" y="5145120"/>
-            <a:ext cx="6037200" cy="4199400"/>
+            <a:ext cx="6036840" cy="4199040"/>
           </a:xfrm>
           <a:prstGeom prst="rect">
             <a:avLst/>
@@ -929,14 +929,14 @@
       </p:sp>
       <p:sp>
         <p:nvSpPr>
-          <p:cNvPr id="237" name="CustomShape 63"/>
+          <p:cNvPr id="233" name="CustomShape 63"/>
           <p:cNvSpPr/>
           <p:nvPr/>
         </p:nvSpPr>
         <p:spPr>
           <a:xfrm>
             <a:off x="0" y="10155240"/>
-            <a:ext cx="3265560" cy="525960"/>
+            <a:ext cx="3265200" cy="525600"/>
           </a:xfrm>
           <a:prstGeom prst="rect">
             <a:avLst/>
@@ -1003,7 +1003,7 @@
       </p:grpSpPr>
       <p:sp>
         <p:nvSpPr>
-          <p:cNvPr id="238" name="PlaceHolder 1"/>
+          <p:cNvPr id="234" name="PlaceHolder 1"/>
           <p:cNvSpPr>
             <a:spLocks noGrp="1"/>
           </p:cNvSpPr>
@@ -1014,19 +1014,19 @@
         <p:spPr>
           <a:xfrm>
             <a:off x="1376280" y="1336680"/>
-            <a:ext cx="4797000" cy="3596760"/>
-          </a:xfrm>
-          <a:prstGeom prst="rect">
-            <a:avLst/>
-          </a:prstGeom>
-          <a:ln w="0">
-            <a:noFill/>
-          </a:ln>
-        </p:spPr>
-      </p:sp>
-      <p:sp>
-        <p:nvSpPr>
-          <p:cNvPr id="239" name="PlaceHolder 2"/>
+            <a:ext cx="4796640" cy="3596400"/>
+          </a:xfrm>
+          <a:prstGeom prst="rect">
+            <a:avLst/>
+          </a:prstGeom>
+          <a:ln w="0">
+            <a:noFill/>
+          </a:ln>
+        </p:spPr>
+      </p:sp>
+      <p:sp>
+        <p:nvSpPr>
+          <p:cNvPr id="235" name="PlaceHolder 2"/>
           <p:cNvSpPr>
             <a:spLocks noGrp="1"/>
           </p:cNvSpPr>
@@ -1037,7 +1037,7 @@
         <p:spPr>
           <a:xfrm>
             <a:off x="756000" y="5145120"/>
-            <a:ext cx="6037200" cy="4199400"/>
+            <a:ext cx="6036840" cy="4199040"/>
           </a:xfrm>
           <a:prstGeom prst="rect">
             <a:avLst/>
@@ -1060,14 +1060,14 @@
       </p:sp>
       <p:sp>
         <p:nvSpPr>
-          <p:cNvPr id="240" name="CustomShape 58"/>
+          <p:cNvPr id="236" name="CustomShape 58"/>
           <p:cNvSpPr/>
           <p:nvPr/>
         </p:nvSpPr>
         <p:spPr>
           <a:xfrm>
             <a:off x="0" y="10155240"/>
-            <a:ext cx="3265560" cy="525960"/>
+            <a:ext cx="3265200" cy="525600"/>
           </a:xfrm>
           <a:prstGeom prst="rect">
             <a:avLst/>
@@ -1134,7 +1134,7 @@
       </p:grpSpPr>
       <p:sp>
         <p:nvSpPr>
-          <p:cNvPr id="241" name="PlaceHolder 1"/>
+          <p:cNvPr id="237" name="PlaceHolder 1"/>
           <p:cNvSpPr>
             <a:spLocks noGrp="1"/>
           </p:cNvSpPr>
@@ -1145,19 +1145,19 @@
         <p:spPr>
           <a:xfrm>
             <a:off x="1376280" y="1336680"/>
-            <a:ext cx="4797000" cy="3596760"/>
-          </a:xfrm>
-          <a:prstGeom prst="rect">
-            <a:avLst/>
-          </a:prstGeom>
-          <a:ln w="0">
-            <a:noFill/>
-          </a:ln>
-        </p:spPr>
-      </p:sp>
-      <p:sp>
-        <p:nvSpPr>
-          <p:cNvPr id="242" name="PlaceHolder 2"/>
+            <a:ext cx="4796640" cy="3596400"/>
+          </a:xfrm>
+          <a:prstGeom prst="rect">
+            <a:avLst/>
+          </a:prstGeom>
+          <a:ln w="0">
+            <a:noFill/>
+          </a:ln>
+        </p:spPr>
+      </p:sp>
+      <p:sp>
+        <p:nvSpPr>
+          <p:cNvPr id="238" name="PlaceHolder 2"/>
           <p:cNvSpPr>
             <a:spLocks noGrp="1"/>
           </p:cNvSpPr>
@@ -1168,7 +1168,7 @@
         <p:spPr>
           <a:xfrm>
             <a:off x="756000" y="5145120"/>
-            <a:ext cx="6037200" cy="4199400"/>
+            <a:ext cx="6036840" cy="4199040"/>
           </a:xfrm>
           <a:prstGeom prst="rect">
             <a:avLst/>
@@ -1191,14 +1191,14 @@
       </p:sp>
       <p:sp>
         <p:nvSpPr>
-          <p:cNvPr id="243" name="CustomShape 68"/>
+          <p:cNvPr id="239" name="CustomShape 68"/>
           <p:cNvSpPr/>
           <p:nvPr/>
         </p:nvSpPr>
         <p:spPr>
           <a:xfrm>
             <a:off x="0" y="10155240"/>
-            <a:ext cx="3265560" cy="525960"/>
+            <a:ext cx="3265200" cy="525600"/>
           </a:xfrm>
           <a:prstGeom prst="rect">
             <a:avLst/>
@@ -1265,7 +1265,7 @@
       </p:grpSpPr>
       <p:sp>
         <p:nvSpPr>
-          <p:cNvPr id="244" name="PlaceHolder 1"/>
+          <p:cNvPr id="240" name="PlaceHolder 1"/>
           <p:cNvSpPr>
             <a:spLocks noGrp="1"/>
           </p:cNvSpPr>
@@ -1276,19 +1276,19 @@
         <p:spPr>
           <a:xfrm>
             <a:off x="1376280" y="1336680"/>
-            <a:ext cx="4797000" cy="3596760"/>
-          </a:xfrm>
-          <a:prstGeom prst="rect">
-            <a:avLst/>
-          </a:prstGeom>
-          <a:ln w="0">
-            <a:noFill/>
-          </a:ln>
-        </p:spPr>
-      </p:sp>
-      <p:sp>
-        <p:nvSpPr>
-          <p:cNvPr id="245" name="PlaceHolder 2"/>
+            <a:ext cx="4796640" cy="3596400"/>
+          </a:xfrm>
+          <a:prstGeom prst="rect">
+            <a:avLst/>
+          </a:prstGeom>
+          <a:ln w="0">
+            <a:noFill/>
+          </a:ln>
+        </p:spPr>
+      </p:sp>
+      <p:sp>
+        <p:nvSpPr>
+          <p:cNvPr id="241" name="PlaceHolder 2"/>
           <p:cNvSpPr>
             <a:spLocks noGrp="1"/>
           </p:cNvSpPr>
@@ -1299,7 +1299,7 @@
         <p:spPr>
           <a:xfrm>
             <a:off x="756000" y="5145120"/>
-            <a:ext cx="6037200" cy="4199400"/>
+            <a:ext cx="6036840" cy="4199040"/>
           </a:xfrm>
           <a:prstGeom prst="rect">
             <a:avLst/>
@@ -1322,14 +1322,14 @@
       </p:sp>
       <p:sp>
         <p:nvSpPr>
-          <p:cNvPr id="246" name="CustomShape 77"/>
+          <p:cNvPr id="242" name="CustomShape 77"/>
           <p:cNvSpPr/>
           <p:nvPr/>
         </p:nvSpPr>
         <p:spPr>
           <a:xfrm>
             <a:off x="0" y="10155240"/>
-            <a:ext cx="3265560" cy="525960"/>
+            <a:ext cx="3265200" cy="525600"/>
           </a:xfrm>
           <a:prstGeom prst="rect">
             <a:avLst/>
@@ -1396,7 +1396,7 @@
       </p:grpSpPr>
       <p:sp>
         <p:nvSpPr>
-          <p:cNvPr id="247" name="PlaceHolder 1"/>
+          <p:cNvPr id="243" name="PlaceHolder 1"/>
           <p:cNvSpPr>
             <a:spLocks noGrp="1"/>
           </p:cNvSpPr>
@@ -1407,19 +1407,19 @@
         <p:spPr>
           <a:xfrm>
             <a:off x="1376280" y="1336680"/>
-            <a:ext cx="4797000" cy="3596760"/>
-          </a:xfrm>
-          <a:prstGeom prst="rect">
-            <a:avLst/>
-          </a:prstGeom>
-          <a:ln w="0">
-            <a:noFill/>
-          </a:ln>
-        </p:spPr>
-      </p:sp>
-      <p:sp>
-        <p:nvSpPr>
-          <p:cNvPr id="248" name="PlaceHolder 2"/>
+            <a:ext cx="4796640" cy="3596400"/>
+          </a:xfrm>
+          <a:prstGeom prst="rect">
+            <a:avLst/>
+          </a:prstGeom>
+          <a:ln w="0">
+            <a:noFill/>
+          </a:ln>
+        </p:spPr>
+      </p:sp>
+      <p:sp>
+        <p:nvSpPr>
+          <p:cNvPr id="244" name="PlaceHolder 2"/>
           <p:cNvSpPr>
             <a:spLocks noGrp="1"/>
           </p:cNvSpPr>
@@ -1430,7 +1430,7 @@
         <p:spPr>
           <a:xfrm>
             <a:off x="756000" y="5145120"/>
-            <a:ext cx="6037200" cy="4199400"/>
+            <a:ext cx="6036840" cy="4199040"/>
           </a:xfrm>
           <a:prstGeom prst="rect">
             <a:avLst/>
@@ -1453,14 +1453,14 @@
       </p:sp>
       <p:sp>
         <p:nvSpPr>
-          <p:cNvPr id="249" name="CustomShape 82"/>
+          <p:cNvPr id="245" name="CustomShape 82"/>
           <p:cNvSpPr/>
           <p:nvPr/>
         </p:nvSpPr>
         <p:spPr>
           <a:xfrm>
             <a:off x="0" y="10155240"/>
-            <a:ext cx="3265560" cy="525960"/>
+            <a:ext cx="3265200" cy="525600"/>
           </a:xfrm>
           <a:prstGeom prst="rect">
             <a:avLst/>
@@ -1527,7 +1527,7 @@
       </p:grpSpPr>
       <p:sp>
         <p:nvSpPr>
-          <p:cNvPr id="250" name="PlaceHolder 1"/>
+          <p:cNvPr id="246" name="PlaceHolder 1"/>
           <p:cNvSpPr>
             <a:spLocks noGrp="1"/>
           </p:cNvSpPr>
@@ -1538,19 +1538,19 @@
         <p:spPr>
           <a:xfrm>
             <a:off x="1376280" y="1336680"/>
-            <a:ext cx="4797000" cy="3596760"/>
-          </a:xfrm>
-          <a:prstGeom prst="rect">
-            <a:avLst/>
-          </a:prstGeom>
-          <a:ln w="0">
-            <a:noFill/>
-          </a:ln>
-        </p:spPr>
-      </p:sp>
-      <p:sp>
-        <p:nvSpPr>
-          <p:cNvPr id="251" name="PlaceHolder 2"/>
+            <a:ext cx="4796640" cy="3596400"/>
+          </a:xfrm>
+          <a:prstGeom prst="rect">
+            <a:avLst/>
+          </a:prstGeom>
+          <a:ln w="0">
+            <a:noFill/>
+          </a:ln>
+        </p:spPr>
+      </p:sp>
+      <p:sp>
+        <p:nvSpPr>
+          <p:cNvPr id="247" name="PlaceHolder 2"/>
           <p:cNvSpPr>
             <a:spLocks noGrp="1"/>
           </p:cNvSpPr>
@@ -1561,7 +1561,7 @@
         <p:spPr>
           <a:xfrm>
             <a:off x="756000" y="5145120"/>
-            <a:ext cx="6037200" cy="4199400"/>
+            <a:ext cx="6036840" cy="4199040"/>
           </a:xfrm>
           <a:prstGeom prst="rect">
             <a:avLst/>
@@ -1584,14 +1584,14 @@
       </p:sp>
       <p:sp>
         <p:nvSpPr>
-          <p:cNvPr id="252" name="CustomShape 73"/>
+          <p:cNvPr id="248" name="CustomShape 73"/>
           <p:cNvSpPr/>
           <p:nvPr/>
         </p:nvSpPr>
         <p:spPr>
           <a:xfrm>
             <a:off x="0" y="10155240"/>
-            <a:ext cx="3265560" cy="525960"/>
+            <a:ext cx="3265200" cy="525600"/>
           </a:xfrm>
           <a:prstGeom prst="rect">
             <a:avLst/>
@@ -1658,7 +1658,7 @@
       </p:grpSpPr>
       <p:sp>
         <p:nvSpPr>
-          <p:cNvPr id="253" name="PlaceHolder 1"/>
+          <p:cNvPr id="249" name="PlaceHolder 1"/>
           <p:cNvSpPr>
             <a:spLocks noGrp="1"/>
           </p:cNvSpPr>
@@ -1669,19 +1669,19 @@
         <p:spPr>
           <a:xfrm>
             <a:off x="1376280" y="1336680"/>
-            <a:ext cx="4797000" cy="3596760"/>
-          </a:xfrm>
-          <a:prstGeom prst="rect">
-            <a:avLst/>
-          </a:prstGeom>
-          <a:ln w="0">
-            <a:noFill/>
-          </a:ln>
-        </p:spPr>
-      </p:sp>
-      <p:sp>
-        <p:nvSpPr>
-          <p:cNvPr id="254" name="PlaceHolder 2"/>
+            <a:ext cx="4796640" cy="3596400"/>
+          </a:xfrm>
+          <a:prstGeom prst="rect">
+            <a:avLst/>
+          </a:prstGeom>
+          <a:ln w="0">
+            <a:noFill/>
+          </a:ln>
+        </p:spPr>
+      </p:sp>
+      <p:sp>
+        <p:nvSpPr>
+          <p:cNvPr id="250" name="PlaceHolder 2"/>
           <p:cNvSpPr>
             <a:spLocks noGrp="1"/>
           </p:cNvSpPr>
@@ -1692,7 +1692,7 @@
         <p:spPr>
           <a:xfrm>
             <a:off x="756000" y="5145120"/>
-            <a:ext cx="6037200" cy="4199400"/>
+            <a:ext cx="6036840" cy="4199040"/>
           </a:xfrm>
           <a:prstGeom prst="rect">
             <a:avLst/>
@@ -1715,14 +1715,14 @@
       </p:sp>
       <p:sp>
         <p:nvSpPr>
-          <p:cNvPr id="255" name="CustomShape 87"/>
+          <p:cNvPr id="251" name="CustomShape 87"/>
           <p:cNvSpPr/>
           <p:nvPr/>
         </p:nvSpPr>
         <p:spPr>
           <a:xfrm>
             <a:off x="0" y="10155240"/>
-            <a:ext cx="3265560" cy="525960"/>
+            <a:ext cx="3265200" cy="525600"/>
           </a:xfrm>
           <a:prstGeom prst="rect">
             <a:avLst/>
@@ -1789,7 +1789,7 @@
       </p:grpSpPr>
       <p:sp>
         <p:nvSpPr>
-          <p:cNvPr id="202" name="PlaceHolder 1"/>
+          <p:cNvPr id="198" name="PlaceHolder 1"/>
           <p:cNvSpPr>
             <a:spLocks noGrp="1"/>
           </p:cNvSpPr>
@@ -1800,19 +1800,19 @@
         <p:spPr>
           <a:xfrm>
             <a:off x="1376280" y="1336680"/>
-            <a:ext cx="4797000" cy="3596760"/>
-          </a:xfrm>
-          <a:prstGeom prst="rect">
-            <a:avLst/>
-          </a:prstGeom>
-          <a:ln w="0">
-            <a:noFill/>
-          </a:ln>
-        </p:spPr>
-      </p:sp>
-      <p:sp>
-        <p:nvSpPr>
-          <p:cNvPr id="203" name="PlaceHolder 2"/>
+            <a:ext cx="4796640" cy="3596400"/>
+          </a:xfrm>
+          <a:prstGeom prst="rect">
+            <a:avLst/>
+          </a:prstGeom>
+          <a:ln w="0">
+            <a:noFill/>
+          </a:ln>
+        </p:spPr>
+      </p:sp>
+      <p:sp>
+        <p:nvSpPr>
+          <p:cNvPr id="199" name="PlaceHolder 2"/>
           <p:cNvSpPr>
             <a:spLocks noGrp="1"/>
           </p:cNvSpPr>
@@ -1823,7 +1823,7 @@
         <p:spPr>
           <a:xfrm>
             <a:off x="756000" y="5145120"/>
-            <a:ext cx="6037200" cy="4199400"/>
+            <a:ext cx="6036840" cy="4199040"/>
           </a:xfrm>
           <a:prstGeom prst="rect">
             <a:avLst/>
@@ -1846,14 +1846,14 @@
       </p:sp>
       <p:sp>
         <p:nvSpPr>
-          <p:cNvPr id="204" name="CustomShape 3"/>
+          <p:cNvPr id="200" name="CustomShape 3"/>
           <p:cNvSpPr/>
           <p:nvPr/>
         </p:nvSpPr>
         <p:spPr>
           <a:xfrm>
             <a:off x="0" y="10155240"/>
-            <a:ext cx="3265560" cy="525960"/>
+            <a:ext cx="3265200" cy="525600"/>
           </a:xfrm>
           <a:prstGeom prst="rect">
             <a:avLst/>
@@ -1920,7 +1920,7 @@
       </p:grpSpPr>
       <p:sp>
         <p:nvSpPr>
-          <p:cNvPr id="205" name="PlaceHolder 1"/>
+          <p:cNvPr id="201" name="PlaceHolder 1"/>
           <p:cNvSpPr>
             <a:spLocks noGrp="1"/>
           </p:cNvSpPr>
@@ -1931,19 +1931,19 @@
         <p:spPr>
           <a:xfrm>
             <a:off x="1376280" y="1336680"/>
-            <a:ext cx="4797000" cy="3596760"/>
-          </a:xfrm>
-          <a:prstGeom prst="rect">
-            <a:avLst/>
-          </a:prstGeom>
-          <a:ln w="0">
-            <a:noFill/>
-          </a:ln>
-        </p:spPr>
-      </p:sp>
-      <p:sp>
-        <p:nvSpPr>
-          <p:cNvPr id="206" name="PlaceHolder 2"/>
+            <a:ext cx="4796640" cy="3596400"/>
+          </a:xfrm>
+          <a:prstGeom prst="rect">
+            <a:avLst/>
+          </a:prstGeom>
+          <a:ln w="0">
+            <a:noFill/>
+          </a:ln>
+        </p:spPr>
+      </p:sp>
+      <p:sp>
+        <p:nvSpPr>
+          <p:cNvPr id="202" name="PlaceHolder 2"/>
           <p:cNvSpPr>
             <a:spLocks noGrp="1"/>
           </p:cNvSpPr>
@@ -1954,7 +1954,7 @@
         <p:spPr>
           <a:xfrm>
             <a:off x="756000" y="5145120"/>
-            <a:ext cx="6037200" cy="4199400"/>
+            <a:ext cx="6036840" cy="4199040"/>
           </a:xfrm>
           <a:prstGeom prst="rect">
             <a:avLst/>
@@ -1977,14 +1977,14 @@
       </p:sp>
       <p:sp>
         <p:nvSpPr>
-          <p:cNvPr id="207" name="CustomShape 14"/>
+          <p:cNvPr id="203" name="CustomShape 14"/>
           <p:cNvSpPr/>
           <p:nvPr/>
         </p:nvSpPr>
         <p:spPr>
           <a:xfrm>
             <a:off x="0" y="10155240"/>
-            <a:ext cx="3265560" cy="525960"/>
+            <a:ext cx="3265200" cy="525600"/>
           </a:xfrm>
           <a:prstGeom prst="rect">
             <a:avLst/>
@@ -2051,7 +2051,7 @@
       </p:grpSpPr>
       <p:sp>
         <p:nvSpPr>
-          <p:cNvPr id="208" name="PlaceHolder 1"/>
+          <p:cNvPr id="204" name="PlaceHolder 1"/>
           <p:cNvSpPr>
             <a:spLocks noGrp="1"/>
           </p:cNvSpPr>
@@ -2062,19 +2062,19 @@
         <p:spPr>
           <a:xfrm>
             <a:off x="1376280" y="1336680"/>
-            <a:ext cx="4797000" cy="3596760"/>
-          </a:xfrm>
-          <a:prstGeom prst="rect">
-            <a:avLst/>
-          </a:prstGeom>
-          <a:ln w="0">
-            <a:noFill/>
-          </a:ln>
-        </p:spPr>
-      </p:sp>
-      <p:sp>
-        <p:nvSpPr>
-          <p:cNvPr id="209" name="PlaceHolder 2"/>
+            <a:ext cx="4796640" cy="3596400"/>
+          </a:xfrm>
+          <a:prstGeom prst="rect">
+            <a:avLst/>
+          </a:prstGeom>
+          <a:ln w="0">
+            <a:noFill/>
+          </a:ln>
+        </p:spPr>
+      </p:sp>
+      <p:sp>
+        <p:nvSpPr>
+          <p:cNvPr id="205" name="PlaceHolder 2"/>
           <p:cNvSpPr>
             <a:spLocks noGrp="1"/>
           </p:cNvSpPr>
@@ -2085,7 +2085,7 @@
         <p:spPr>
           <a:xfrm>
             <a:off x="756000" y="5145120"/>
-            <a:ext cx="6037200" cy="4199400"/>
+            <a:ext cx="6036840" cy="4199040"/>
           </a:xfrm>
           <a:prstGeom prst="rect">
             <a:avLst/>
@@ -2108,14 +2108,14 @@
       </p:sp>
       <p:sp>
         <p:nvSpPr>
-          <p:cNvPr id="210" name="CustomShape 11"/>
+          <p:cNvPr id="206" name="CustomShape 11"/>
           <p:cNvSpPr/>
           <p:nvPr/>
         </p:nvSpPr>
         <p:spPr>
           <a:xfrm>
             <a:off x="0" y="10155240"/>
-            <a:ext cx="3265560" cy="525960"/>
+            <a:ext cx="3265200" cy="525600"/>
           </a:xfrm>
           <a:prstGeom prst="rect">
             <a:avLst/>
@@ -2182,7 +2182,7 @@
       </p:grpSpPr>
       <p:sp>
         <p:nvSpPr>
-          <p:cNvPr id="211" name="PlaceHolder 1"/>
+          <p:cNvPr id="207" name="PlaceHolder 1"/>
           <p:cNvSpPr>
             <a:spLocks noGrp="1"/>
           </p:cNvSpPr>
@@ -2193,19 +2193,19 @@
         <p:spPr>
           <a:xfrm>
             <a:off x="1376280" y="1336680"/>
-            <a:ext cx="4797000" cy="3596760"/>
-          </a:xfrm>
-          <a:prstGeom prst="rect">
-            <a:avLst/>
-          </a:prstGeom>
-          <a:ln w="0">
-            <a:noFill/>
-          </a:ln>
-        </p:spPr>
-      </p:sp>
-      <p:sp>
-        <p:nvSpPr>
-          <p:cNvPr id="212" name="PlaceHolder 2"/>
+            <a:ext cx="4796640" cy="3596400"/>
+          </a:xfrm>
+          <a:prstGeom prst="rect">
+            <a:avLst/>
+          </a:prstGeom>
+          <a:ln w="0">
+            <a:noFill/>
+          </a:ln>
+        </p:spPr>
+      </p:sp>
+      <p:sp>
+        <p:nvSpPr>
+          <p:cNvPr id="208" name="PlaceHolder 2"/>
           <p:cNvSpPr>
             <a:spLocks noGrp="1"/>
           </p:cNvSpPr>
@@ -2216,7 +2216,7 @@
         <p:spPr>
           <a:xfrm>
             <a:off x="756000" y="5145120"/>
-            <a:ext cx="6037200" cy="4199400"/>
+            <a:ext cx="6036840" cy="4199040"/>
           </a:xfrm>
           <a:prstGeom prst="rect">
             <a:avLst/>
@@ -2239,14 +2239,14 @@
       </p:sp>
       <p:sp>
         <p:nvSpPr>
-          <p:cNvPr id="213" name="CustomShape 34"/>
+          <p:cNvPr id="209" name="CustomShape 34"/>
           <p:cNvSpPr/>
           <p:nvPr/>
         </p:nvSpPr>
         <p:spPr>
           <a:xfrm>
             <a:off x="0" y="10155240"/>
-            <a:ext cx="3265560" cy="525960"/>
+            <a:ext cx="3265200" cy="525600"/>
           </a:xfrm>
           <a:prstGeom prst="rect">
             <a:avLst/>
@@ -2313,7 +2313,7 @@
       </p:grpSpPr>
       <p:sp>
         <p:nvSpPr>
-          <p:cNvPr id="214" name="PlaceHolder 1"/>
+          <p:cNvPr id="210" name="PlaceHolder 1"/>
           <p:cNvSpPr>
             <a:spLocks noGrp="1"/>
           </p:cNvSpPr>
@@ -2324,19 +2324,19 @@
         <p:spPr>
           <a:xfrm>
             <a:off x="1376280" y="1336680"/>
-            <a:ext cx="4797000" cy="3596760"/>
-          </a:xfrm>
-          <a:prstGeom prst="rect">
-            <a:avLst/>
-          </a:prstGeom>
-          <a:ln w="0">
-            <a:noFill/>
-          </a:ln>
-        </p:spPr>
-      </p:sp>
-      <p:sp>
-        <p:nvSpPr>
-          <p:cNvPr id="215" name="PlaceHolder 2"/>
+            <a:ext cx="4796640" cy="3596400"/>
+          </a:xfrm>
+          <a:prstGeom prst="rect">
+            <a:avLst/>
+          </a:prstGeom>
+          <a:ln w="0">
+            <a:noFill/>
+          </a:ln>
+        </p:spPr>
+      </p:sp>
+      <p:sp>
+        <p:nvSpPr>
+          <p:cNvPr id="211" name="PlaceHolder 2"/>
           <p:cNvSpPr>
             <a:spLocks noGrp="1"/>
           </p:cNvSpPr>
@@ -2347,7 +2347,7 @@
         <p:spPr>
           <a:xfrm>
             <a:off x="756000" y="5145120"/>
-            <a:ext cx="6037200" cy="4199400"/>
+            <a:ext cx="6036840" cy="4199040"/>
           </a:xfrm>
           <a:prstGeom prst="rect">
             <a:avLst/>
@@ -2370,14 +2370,14 @@
       </p:sp>
       <p:sp>
         <p:nvSpPr>
-          <p:cNvPr id="216" name="CustomShape 39"/>
+          <p:cNvPr id="212" name="CustomShape 39"/>
           <p:cNvSpPr/>
           <p:nvPr/>
         </p:nvSpPr>
         <p:spPr>
           <a:xfrm>
             <a:off x="0" y="10155240"/>
-            <a:ext cx="3265560" cy="525960"/>
+            <a:ext cx="3265200" cy="525600"/>
           </a:xfrm>
           <a:prstGeom prst="rect">
             <a:avLst/>
@@ -2444,7 +2444,7 @@
       </p:grpSpPr>
       <p:sp>
         <p:nvSpPr>
-          <p:cNvPr id="217" name="PlaceHolder 1"/>
+          <p:cNvPr id="213" name="PlaceHolder 1"/>
           <p:cNvSpPr>
             <a:spLocks noGrp="1"/>
           </p:cNvSpPr>
@@ -2455,19 +2455,19 @@
         <p:spPr>
           <a:xfrm>
             <a:off x="1376280" y="1336680"/>
-            <a:ext cx="4797000" cy="3596760"/>
-          </a:xfrm>
-          <a:prstGeom prst="rect">
-            <a:avLst/>
-          </a:prstGeom>
-          <a:ln w="0">
-            <a:noFill/>
-          </a:ln>
-        </p:spPr>
-      </p:sp>
-      <p:sp>
-        <p:nvSpPr>
-          <p:cNvPr id="218" name="PlaceHolder 2"/>
+            <a:ext cx="4796640" cy="3596400"/>
+          </a:xfrm>
+          <a:prstGeom prst="rect">
+            <a:avLst/>
+          </a:prstGeom>
+          <a:ln w="0">
+            <a:noFill/>
+          </a:ln>
+        </p:spPr>
+      </p:sp>
+      <p:sp>
+        <p:nvSpPr>
+          <p:cNvPr id="214" name="PlaceHolder 2"/>
           <p:cNvSpPr>
             <a:spLocks noGrp="1"/>
           </p:cNvSpPr>
@@ -2478,7 +2478,7 @@
         <p:spPr>
           <a:xfrm>
             <a:off x="756000" y="5145120"/>
-            <a:ext cx="6037200" cy="4199400"/>
+            <a:ext cx="6036840" cy="4199040"/>
           </a:xfrm>
           <a:prstGeom prst="rect">
             <a:avLst/>
@@ -2501,14 +2501,14 @@
       </p:sp>
       <p:sp>
         <p:nvSpPr>
-          <p:cNvPr id="219" name="CustomShape 19"/>
+          <p:cNvPr id="215" name="CustomShape 19"/>
           <p:cNvSpPr/>
           <p:nvPr/>
         </p:nvSpPr>
         <p:spPr>
           <a:xfrm>
             <a:off x="0" y="10155240"/>
-            <a:ext cx="3265560" cy="525960"/>
+            <a:ext cx="3265200" cy="525600"/>
           </a:xfrm>
           <a:prstGeom prst="rect">
             <a:avLst/>
@@ -2575,7 +2575,7 @@
       </p:grpSpPr>
       <p:sp>
         <p:nvSpPr>
-          <p:cNvPr id="220" name="PlaceHolder 1"/>
+          <p:cNvPr id="216" name="PlaceHolder 1"/>
           <p:cNvSpPr>
             <a:spLocks noGrp="1"/>
           </p:cNvSpPr>
@@ -2586,19 +2586,19 @@
         <p:spPr>
           <a:xfrm>
             <a:off x="1376280" y="1336680"/>
-            <a:ext cx="4797000" cy="3596760"/>
-          </a:xfrm>
-          <a:prstGeom prst="rect">
-            <a:avLst/>
-          </a:prstGeom>
-          <a:ln w="0">
-            <a:noFill/>
-          </a:ln>
-        </p:spPr>
-      </p:sp>
-      <p:sp>
-        <p:nvSpPr>
-          <p:cNvPr id="221" name="PlaceHolder 2"/>
+            <a:ext cx="4796640" cy="3596400"/>
+          </a:xfrm>
+          <a:prstGeom prst="rect">
+            <a:avLst/>
+          </a:prstGeom>
+          <a:ln w="0">
+            <a:noFill/>
+          </a:ln>
+        </p:spPr>
+      </p:sp>
+      <p:sp>
+        <p:nvSpPr>
+          <p:cNvPr id="217" name="PlaceHolder 2"/>
           <p:cNvSpPr>
             <a:spLocks noGrp="1"/>
           </p:cNvSpPr>
@@ -2609,7 +2609,7 @@
         <p:spPr>
           <a:xfrm>
             <a:off x="756000" y="5145120"/>
-            <a:ext cx="6037200" cy="4199400"/>
+            <a:ext cx="6036840" cy="4199040"/>
           </a:xfrm>
           <a:prstGeom prst="rect">
             <a:avLst/>
@@ -2632,14 +2632,14 @@
       </p:sp>
       <p:sp>
         <p:nvSpPr>
-          <p:cNvPr id="222" name="CustomShape 24"/>
+          <p:cNvPr id="218" name="CustomShape 24"/>
           <p:cNvSpPr/>
           <p:nvPr/>
         </p:nvSpPr>
         <p:spPr>
           <a:xfrm>
             <a:off x="0" y="10155240"/>
-            <a:ext cx="3265560" cy="525960"/>
+            <a:ext cx="3265200" cy="525600"/>
           </a:xfrm>
           <a:prstGeom prst="rect">
             <a:avLst/>
@@ -2706,7 +2706,7 @@
       </p:grpSpPr>
       <p:sp>
         <p:nvSpPr>
-          <p:cNvPr id="223" name="PlaceHolder 1"/>
+          <p:cNvPr id="219" name="PlaceHolder 1"/>
           <p:cNvSpPr>
             <a:spLocks noGrp="1"/>
           </p:cNvSpPr>
@@ -2717,19 +2717,19 @@
         <p:spPr>
           <a:xfrm>
             <a:off x="1376280" y="1336680"/>
-            <a:ext cx="4797000" cy="3596760"/>
-          </a:xfrm>
-          <a:prstGeom prst="rect">
-            <a:avLst/>
-          </a:prstGeom>
-          <a:ln w="0">
-            <a:noFill/>
-          </a:ln>
-        </p:spPr>
-      </p:sp>
-      <p:sp>
-        <p:nvSpPr>
-          <p:cNvPr id="224" name="PlaceHolder 2"/>
+            <a:ext cx="4796640" cy="3596400"/>
+          </a:xfrm>
+          <a:prstGeom prst="rect">
+            <a:avLst/>
+          </a:prstGeom>
+          <a:ln w="0">
+            <a:noFill/>
+          </a:ln>
+        </p:spPr>
+      </p:sp>
+      <p:sp>
+        <p:nvSpPr>
+          <p:cNvPr id="220" name="PlaceHolder 2"/>
           <p:cNvSpPr>
             <a:spLocks noGrp="1"/>
           </p:cNvSpPr>
@@ -2740,7 +2740,7 @@
         <p:spPr>
           <a:xfrm>
             <a:off x="756000" y="5145120"/>
-            <a:ext cx="6037200" cy="4199400"/>
+            <a:ext cx="6036840" cy="4199040"/>
           </a:xfrm>
           <a:prstGeom prst="rect">
             <a:avLst/>
@@ -2763,14 +2763,14 @@
       </p:sp>
       <p:sp>
         <p:nvSpPr>
-          <p:cNvPr id="225" name="CustomShape 29"/>
+          <p:cNvPr id="221" name="CustomShape 29"/>
           <p:cNvSpPr/>
           <p:nvPr/>
         </p:nvSpPr>
         <p:spPr>
           <a:xfrm>
             <a:off x="0" y="10155240"/>
-            <a:ext cx="3265560" cy="525960"/>
+            <a:ext cx="3265200" cy="525600"/>
           </a:xfrm>
           <a:prstGeom prst="rect">
             <a:avLst/>
@@ -5899,7 +5899,7 @@
         <p:spPr>
           <a:xfrm>
             <a:off x="0" y="3150000"/>
-            <a:ext cx="9709560" cy="1249560"/>
+            <a:ext cx="9709200" cy="1249200"/>
           </a:xfrm>
           <a:prstGeom prst="rect">
             <a:avLst/>
@@ -6197,7 +6197,7 @@
         <p:spPr>
           <a:xfrm>
             <a:off x="0" y="180000"/>
-            <a:ext cx="9709560" cy="1249560"/>
+            <a:ext cx="9709200" cy="1249200"/>
           </a:xfrm>
           <a:prstGeom prst="rect">
             <a:avLst/>
@@ -6225,7 +6225,7 @@
         <p:spPr>
           <a:xfrm>
             <a:off x="7560000" y="6840000"/>
-            <a:ext cx="2509560" cy="529560"/>
+            <a:ext cx="2509200" cy="529200"/>
           </a:xfrm>
           <a:prstGeom prst="rect">
             <a:avLst/>
@@ -6253,7 +6253,7 @@
         <p:spPr>
           <a:xfrm>
             <a:off x="900000" y="6840000"/>
-            <a:ext cx="6469560" cy="529560"/>
+            <a:ext cx="6469200" cy="529200"/>
           </a:xfrm>
           <a:prstGeom prst="rect">
             <a:avLst/>
@@ -6281,7 +6281,7 @@
         <p:spPr>
           <a:xfrm>
             <a:off x="180000" y="6840000"/>
-            <a:ext cx="529560" cy="529560"/>
+            <a:ext cx="529200" cy="529200"/>
           </a:xfrm>
           <a:prstGeom prst="rect">
             <a:avLst/>
@@ -6570,7 +6570,7 @@
         <p:spPr>
           <a:xfrm>
             <a:off x="360000" y="3330000"/>
-            <a:ext cx="9349560" cy="889560"/>
+            <a:ext cx="9349200" cy="889200"/>
           </a:xfrm>
           <a:prstGeom prst="rect">
             <a:avLst/>
@@ -6622,7 +6622,7 @@
         <p:spPr>
           <a:xfrm>
             <a:off x="540000" y="4680000"/>
-            <a:ext cx="9169560" cy="2509560"/>
+            <a:ext cx="9169200" cy="2509200"/>
           </a:xfrm>
           <a:prstGeom prst="rect">
             <a:avLst/>
@@ -6854,7 +6854,7 @@
       </p:grpSpPr>
       <p:pic>
         <p:nvPicPr>
-          <p:cNvPr id="142" name="" descr=""/>
+          <p:cNvPr id="138" name="" descr=""/>
           <p:cNvPicPr/>
           <p:nvPr/>
         </p:nvPicPr>
@@ -6865,7 +6865,7 @@
         <p:spPr>
           <a:xfrm>
             <a:off x="4662360" y="1623960"/>
-            <a:ext cx="4930920" cy="5064480"/>
+            <a:ext cx="4930560" cy="5064120"/>
           </a:xfrm>
           <a:prstGeom prst="rect">
             <a:avLst/>
@@ -6877,14 +6877,14 @@
       </p:pic>
       <p:sp>
         <p:nvSpPr>
-          <p:cNvPr id="143" name="CustomShape 40"/>
+          <p:cNvPr id="139" name="CustomShape 40"/>
           <p:cNvSpPr/>
           <p:nvPr/>
         </p:nvSpPr>
         <p:spPr>
           <a:xfrm>
             <a:off x="360000" y="360000"/>
-            <a:ext cx="9349560" cy="889560"/>
+            <a:ext cx="9349200" cy="889200"/>
           </a:xfrm>
           <a:prstGeom prst="rect">
             <a:avLst/>
@@ -6929,14 +6929,14 @@
       </p:sp>
       <p:sp>
         <p:nvSpPr>
-          <p:cNvPr id="144" name="CustomShape 42"/>
+          <p:cNvPr id="140" name="CustomShape 42"/>
           <p:cNvSpPr/>
           <p:nvPr/>
         </p:nvSpPr>
         <p:spPr>
           <a:xfrm>
             <a:off x="897120" y="6886080"/>
-            <a:ext cx="6436800" cy="354600"/>
+            <a:ext cx="6436440" cy="354240"/>
           </a:xfrm>
           <a:prstGeom prst="rect">
             <a:avLst/>
@@ -6981,14 +6981,14 @@
       </p:sp>
       <p:sp>
         <p:nvSpPr>
-          <p:cNvPr id="145" name="CustomShape 43"/>
+          <p:cNvPr id="141" name="CustomShape 43"/>
           <p:cNvSpPr/>
           <p:nvPr/>
         </p:nvSpPr>
         <p:spPr>
           <a:xfrm>
             <a:off x="7608600" y="6886080"/>
-            <a:ext cx="2274840" cy="354600"/>
+            <a:ext cx="2274480" cy="354240"/>
           </a:xfrm>
           <a:prstGeom prst="rect">
             <a:avLst/>
@@ -7033,14 +7033,14 @@
       </p:sp>
       <p:sp>
         <p:nvSpPr>
-          <p:cNvPr id="146" name=""/>
+          <p:cNvPr id="142" name=""/>
           <p:cNvSpPr/>
           <p:nvPr/>
         </p:nvSpPr>
         <p:spPr>
           <a:xfrm>
             <a:off x="342360" y="1529280"/>
-            <a:ext cx="6050520" cy="5359320"/>
+            <a:ext cx="6050160" cy="5358960"/>
           </a:xfrm>
           <a:prstGeom prst="rect">
             <a:avLst/>
@@ -7575,7 +7575,7 @@
       </p:sp>
       <p:pic>
         <p:nvPicPr>
-          <p:cNvPr id="147" name="" descr=""/>
+          <p:cNvPr id="143" name="" descr=""/>
           <p:cNvPicPr/>
           <p:nvPr/>
         </p:nvPicPr>
@@ -7586,7 +7586,7 @@
         <p:spPr>
           <a:xfrm>
             <a:off x="2025720" y="4066920"/>
-            <a:ext cx="1131120" cy="1940040"/>
+            <a:ext cx="1130760" cy="1939680"/>
           </a:xfrm>
           <a:prstGeom prst="rect">
             <a:avLst/>
@@ -7628,14 +7628,14 @@
       </p:grpSpPr>
       <p:sp>
         <p:nvSpPr>
-          <p:cNvPr id="148" name="CustomShape 45"/>
+          <p:cNvPr id="144" name="CustomShape 45"/>
           <p:cNvSpPr/>
           <p:nvPr/>
         </p:nvSpPr>
         <p:spPr>
           <a:xfrm>
             <a:off x="360000" y="360000"/>
-            <a:ext cx="9349560" cy="889560"/>
+            <a:ext cx="9349200" cy="889200"/>
           </a:xfrm>
           <a:prstGeom prst="rect">
             <a:avLst/>
@@ -7680,14 +7680,14 @@
       </p:sp>
       <p:sp>
         <p:nvSpPr>
-          <p:cNvPr id="149" name="CustomShape 46"/>
+          <p:cNvPr id="145" name="CustomShape 46"/>
           <p:cNvSpPr/>
           <p:nvPr/>
         </p:nvSpPr>
         <p:spPr>
           <a:xfrm>
             <a:off x="360000" y="1980000"/>
-            <a:ext cx="9169560" cy="4669560"/>
+            <a:ext cx="9169200" cy="4669200"/>
           </a:xfrm>
           <a:prstGeom prst="rect">
             <a:avLst/>
@@ -7739,14 +7739,14 @@
       </p:sp>
       <p:sp>
         <p:nvSpPr>
-          <p:cNvPr id="150" name="CustomShape 47"/>
+          <p:cNvPr id="146" name="CustomShape 47"/>
           <p:cNvSpPr/>
           <p:nvPr/>
         </p:nvSpPr>
         <p:spPr>
           <a:xfrm>
             <a:off x="897120" y="6886080"/>
-            <a:ext cx="6436800" cy="354600"/>
+            <a:ext cx="6436440" cy="354240"/>
           </a:xfrm>
           <a:prstGeom prst="rect">
             <a:avLst/>
@@ -7791,14 +7791,14 @@
       </p:sp>
       <p:sp>
         <p:nvSpPr>
-          <p:cNvPr id="151" name="CustomShape 48"/>
+          <p:cNvPr id="147" name="CustomShape 48"/>
           <p:cNvSpPr/>
           <p:nvPr/>
         </p:nvSpPr>
         <p:spPr>
           <a:xfrm>
             <a:off x="7608600" y="6886080"/>
-            <a:ext cx="2274840" cy="354600"/>
+            <a:ext cx="2274480" cy="354240"/>
           </a:xfrm>
           <a:prstGeom prst="rect">
             <a:avLst/>
@@ -7843,14 +7843,14 @@
       </p:sp>
       <p:sp>
         <p:nvSpPr>
-          <p:cNvPr id="152" name=""/>
+          <p:cNvPr id="148" name=""/>
           <p:cNvSpPr/>
           <p:nvPr/>
         </p:nvSpPr>
         <p:spPr>
           <a:xfrm>
             <a:off x="342360" y="1529280"/>
-            <a:ext cx="9247320" cy="5359320"/>
+            <a:ext cx="9246960" cy="5358960"/>
           </a:xfrm>
           <a:prstGeom prst="rect">
             <a:avLst/>
@@ -8311,7 +8311,7 @@
       </p:sp>
       <p:pic>
         <p:nvPicPr>
-          <p:cNvPr id="153" name="" descr=""/>
+          <p:cNvPr id="149" name="" descr=""/>
           <p:cNvPicPr/>
           <p:nvPr/>
         </p:nvPicPr>
@@ -8322,7 +8322,7 @@
         <p:spPr>
           <a:xfrm>
             <a:off x="620640" y="3024000"/>
-            <a:ext cx="8708400" cy="1457280"/>
+            <a:ext cx="8708040" cy="1456920"/>
           </a:xfrm>
           <a:prstGeom prst="rect">
             <a:avLst/>
@@ -8364,14 +8364,14 @@
       </p:grpSpPr>
       <p:sp>
         <p:nvSpPr>
-          <p:cNvPr id="154" name="CustomShape 41"/>
+          <p:cNvPr id="150" name="CustomShape 41"/>
           <p:cNvSpPr/>
           <p:nvPr/>
         </p:nvSpPr>
         <p:spPr>
           <a:xfrm>
             <a:off x="360000" y="360000"/>
-            <a:ext cx="9349560" cy="889560"/>
+            <a:ext cx="9349200" cy="889200"/>
           </a:xfrm>
           <a:prstGeom prst="rect">
             <a:avLst/>
@@ -8416,14 +8416,14 @@
       </p:sp>
       <p:sp>
         <p:nvSpPr>
-          <p:cNvPr id="155" name="CustomShape 50"/>
+          <p:cNvPr id="151" name="CustomShape 50"/>
           <p:cNvSpPr/>
           <p:nvPr/>
         </p:nvSpPr>
         <p:spPr>
           <a:xfrm>
             <a:off x="360000" y="1980000"/>
-            <a:ext cx="9169560" cy="4669560"/>
+            <a:ext cx="9169200" cy="4669200"/>
           </a:xfrm>
           <a:prstGeom prst="rect">
             <a:avLst/>
@@ -8475,14 +8475,14 @@
       </p:sp>
       <p:sp>
         <p:nvSpPr>
-          <p:cNvPr id="156" name="CustomShape 51"/>
+          <p:cNvPr id="152" name="CustomShape 51"/>
           <p:cNvSpPr/>
           <p:nvPr/>
         </p:nvSpPr>
         <p:spPr>
           <a:xfrm>
             <a:off x="897120" y="6886080"/>
-            <a:ext cx="6436800" cy="354600"/>
+            <a:ext cx="6436440" cy="354240"/>
           </a:xfrm>
           <a:prstGeom prst="rect">
             <a:avLst/>
@@ -8527,14 +8527,14 @@
       </p:sp>
       <p:sp>
         <p:nvSpPr>
-          <p:cNvPr id="157" name="CustomShape 52"/>
+          <p:cNvPr id="153" name="CustomShape 52"/>
           <p:cNvSpPr/>
           <p:nvPr/>
         </p:nvSpPr>
         <p:spPr>
           <a:xfrm>
             <a:off x="7608600" y="6886080"/>
-            <a:ext cx="2274840" cy="354600"/>
+            <a:ext cx="2274480" cy="354240"/>
           </a:xfrm>
           <a:prstGeom prst="rect">
             <a:avLst/>
@@ -8579,14 +8579,14 @@
       </p:sp>
       <p:sp>
         <p:nvSpPr>
-          <p:cNvPr id="158" name=""/>
+          <p:cNvPr id="154" name=""/>
           <p:cNvSpPr/>
           <p:nvPr/>
         </p:nvSpPr>
         <p:spPr>
           <a:xfrm>
             <a:off x="342360" y="1529280"/>
-            <a:ext cx="9247320" cy="5359320"/>
+            <a:ext cx="9246960" cy="5358960"/>
           </a:xfrm>
           <a:prstGeom prst="rect">
             <a:avLst/>
@@ -9051,14 +9051,14 @@
       </p:grpSpPr>
       <p:sp>
         <p:nvSpPr>
-          <p:cNvPr id="159" name="CustomShape 59"/>
+          <p:cNvPr id="155" name="CustomShape 59"/>
           <p:cNvSpPr/>
           <p:nvPr/>
         </p:nvSpPr>
         <p:spPr>
           <a:xfrm>
             <a:off x="360000" y="360000"/>
-            <a:ext cx="9349560" cy="889560"/>
+            <a:ext cx="9349200" cy="889200"/>
           </a:xfrm>
           <a:prstGeom prst="rect">
             <a:avLst/>
@@ -9093,77 +9093,7 @@
                 <a:latin typeface="Source Sans Pro Black"/>
                 <a:ea typeface="DejaVu Sans"/>
               </a:rPr>
-              <a:t>B</a:t>
-            </a:r>
-            <a:r>
-              <a:rPr b="1" lang="pt-BR" sz="2600" spc="-1" strike="noStrike">
-                <a:solidFill>
-                  <a:srgbClr val="ffffff"/>
-                </a:solidFill>
-                <a:latin typeface="Source Sans Pro Black"/>
-                <a:ea typeface="DejaVu Sans"/>
-              </a:rPr>
-              <a:t>o</a:t>
-            </a:r>
-            <a:r>
-              <a:rPr b="1" lang="pt-BR" sz="2600" spc="-1" strike="noStrike">
-                <a:solidFill>
-                  <a:srgbClr val="ffffff"/>
-                </a:solidFill>
-                <a:latin typeface="Source Sans Pro Black"/>
-                <a:ea typeface="DejaVu Sans"/>
-              </a:rPr>
-              <a:t>o</a:t>
-            </a:r>
-            <a:r>
-              <a:rPr b="1" lang="pt-BR" sz="2600" spc="-1" strike="noStrike">
-                <a:solidFill>
-                  <a:srgbClr val="ffffff"/>
-                </a:solidFill>
-                <a:latin typeface="Source Sans Pro Black"/>
-                <a:ea typeface="DejaVu Sans"/>
-              </a:rPr>
-              <a:t>s</a:t>
-            </a:r>
-            <a:r>
-              <a:rPr b="1" lang="pt-BR" sz="2600" spc="-1" strike="noStrike">
-                <a:solidFill>
-                  <a:srgbClr val="ffffff"/>
-                </a:solidFill>
-                <a:latin typeface="Source Sans Pro Black"/>
-                <a:ea typeface="DejaVu Sans"/>
-              </a:rPr>
-              <a:t>t</a:t>
-            </a:r>
-            <a:r>
-              <a:rPr b="1" lang="pt-BR" sz="2600" spc="-1" strike="noStrike">
-                <a:solidFill>
-                  <a:srgbClr val="ffffff"/>
-                </a:solidFill>
-                <a:latin typeface="Source Sans Pro Black"/>
-                <a:ea typeface="DejaVu Sans"/>
-              </a:rPr>
-              <a:t>i</a:t>
-            </a:r>
-            <a:r>
-              <a:rPr b="1" lang="pt-BR" sz="2600" spc="-1" strike="noStrike">
-                <a:solidFill>
-                  <a:srgbClr val="ffffff"/>
-                </a:solidFill>
-                <a:latin typeface="Source Sans Pro Black"/>
-                <a:ea typeface="DejaVu Sans"/>
-              </a:rPr>
-              <a:t>n</a:t>
-            </a:r>
-            <a:r>
-              <a:rPr b="1" lang="pt-BR" sz="2600" spc="-1" strike="noStrike">
-                <a:solidFill>
-                  <a:srgbClr val="ffffff"/>
-                </a:solidFill>
-                <a:latin typeface="Source Sans Pro Black"/>
-                <a:ea typeface="DejaVu Sans"/>
-              </a:rPr>
-              <a:t>g</a:t>
+              <a:t>Boosting</a:t>
             </a:r>
             <a:endParaRPr b="0" lang="pt-BR" sz="2600" spc="-1" strike="noStrike">
               <a:latin typeface="Arial"/>
@@ -9173,14 +9103,14 @@
       </p:sp>
       <p:sp>
         <p:nvSpPr>
-          <p:cNvPr id="160" name="CustomShape 60"/>
+          <p:cNvPr id="156" name="CustomShape 60"/>
           <p:cNvSpPr/>
           <p:nvPr/>
         </p:nvSpPr>
         <p:spPr>
           <a:xfrm>
             <a:off x="360000" y="1980000"/>
-            <a:ext cx="9169560" cy="4669560"/>
+            <a:ext cx="9169200" cy="4669200"/>
           </a:xfrm>
           <a:prstGeom prst="rect">
             <a:avLst/>
@@ -9232,14 +9162,14 @@
       </p:sp>
       <p:sp>
         <p:nvSpPr>
-          <p:cNvPr id="161" name="CustomShape 61"/>
+          <p:cNvPr id="157" name="CustomShape 61"/>
           <p:cNvSpPr/>
           <p:nvPr/>
         </p:nvSpPr>
         <p:spPr>
           <a:xfrm>
             <a:off x="897120" y="6886080"/>
-            <a:ext cx="6436800" cy="354600"/>
+            <a:ext cx="6436440" cy="354240"/>
           </a:xfrm>
           <a:prstGeom prst="rect">
             <a:avLst/>
@@ -9284,14 +9214,14 @@
       </p:sp>
       <p:sp>
         <p:nvSpPr>
-          <p:cNvPr id="162" name="CustomShape 62"/>
+          <p:cNvPr id="158" name="CustomShape 62"/>
           <p:cNvSpPr/>
           <p:nvPr/>
         </p:nvSpPr>
         <p:spPr>
           <a:xfrm>
             <a:off x="7608600" y="6886080"/>
-            <a:ext cx="2274840" cy="354600"/>
+            <a:ext cx="2274480" cy="354240"/>
           </a:xfrm>
           <a:prstGeom prst="rect">
             <a:avLst/>
@@ -9336,14 +9266,14 @@
       </p:sp>
       <p:sp>
         <p:nvSpPr>
-          <p:cNvPr id="163" name=""/>
+          <p:cNvPr id="159" name=""/>
           <p:cNvSpPr/>
           <p:nvPr/>
         </p:nvSpPr>
         <p:spPr>
           <a:xfrm>
             <a:off x="342360" y="1529280"/>
-            <a:ext cx="9247320" cy="5359320"/>
+            <a:ext cx="9246960" cy="5358960"/>
           </a:xfrm>
           <a:prstGeom prst="rect">
             <a:avLst/>
@@ -9797,7 +9727,7 @@
       </p:sp>
       <p:pic>
         <p:nvPicPr>
-          <p:cNvPr id="164" name="" descr=""/>
+          <p:cNvPr id="160" name="" descr=""/>
           <p:cNvPicPr/>
           <p:nvPr/>
         </p:nvPicPr>
@@ -9808,7 +9738,7 @@
         <p:spPr>
           <a:xfrm>
             <a:off x="2880000" y="3600000"/>
-            <a:ext cx="4284720" cy="2406600"/>
+            <a:ext cx="4284360" cy="2406240"/>
           </a:xfrm>
           <a:prstGeom prst="rect">
             <a:avLst/>
@@ -9850,14 +9780,14 @@
       </p:grpSpPr>
       <p:sp>
         <p:nvSpPr>
-          <p:cNvPr id="165" name="CustomShape 54"/>
+          <p:cNvPr id="161" name="CustomShape 54"/>
           <p:cNvSpPr/>
           <p:nvPr/>
         </p:nvSpPr>
         <p:spPr>
           <a:xfrm>
             <a:off x="360000" y="360000"/>
-            <a:ext cx="9349560" cy="889560"/>
+            <a:ext cx="9349200" cy="889200"/>
           </a:xfrm>
           <a:prstGeom prst="rect">
             <a:avLst/>
@@ -9902,14 +9832,14 @@
       </p:sp>
       <p:sp>
         <p:nvSpPr>
-          <p:cNvPr id="166" name="CustomShape 55"/>
+          <p:cNvPr id="162" name="CustomShape 55"/>
           <p:cNvSpPr/>
           <p:nvPr/>
         </p:nvSpPr>
         <p:spPr>
           <a:xfrm>
             <a:off x="360000" y="1980000"/>
-            <a:ext cx="9169560" cy="4669560"/>
+            <a:ext cx="9169200" cy="4669200"/>
           </a:xfrm>
           <a:prstGeom prst="rect">
             <a:avLst/>
@@ -9961,14 +9891,14 @@
       </p:sp>
       <p:sp>
         <p:nvSpPr>
-          <p:cNvPr id="167" name="CustomShape 56"/>
+          <p:cNvPr id="163" name="CustomShape 56"/>
           <p:cNvSpPr/>
           <p:nvPr/>
         </p:nvSpPr>
         <p:spPr>
           <a:xfrm>
             <a:off x="897120" y="6886080"/>
-            <a:ext cx="6436800" cy="354600"/>
+            <a:ext cx="6436440" cy="354240"/>
           </a:xfrm>
           <a:prstGeom prst="rect">
             <a:avLst/>
@@ -10013,14 +9943,14 @@
       </p:sp>
       <p:sp>
         <p:nvSpPr>
-          <p:cNvPr id="168" name="CustomShape 57"/>
+          <p:cNvPr id="164" name="CustomShape 57"/>
           <p:cNvSpPr/>
           <p:nvPr/>
         </p:nvSpPr>
         <p:spPr>
           <a:xfrm>
             <a:off x="7608600" y="6886080"/>
-            <a:ext cx="2274840" cy="354600"/>
+            <a:ext cx="2274480" cy="354240"/>
           </a:xfrm>
           <a:prstGeom prst="rect">
             <a:avLst/>
@@ -10065,14 +9995,14 @@
       </p:sp>
       <p:sp>
         <p:nvSpPr>
-          <p:cNvPr id="169" name=""/>
+          <p:cNvPr id="165" name=""/>
           <p:cNvSpPr/>
           <p:nvPr/>
         </p:nvSpPr>
         <p:spPr>
           <a:xfrm>
             <a:off x="342360" y="1529280"/>
-            <a:ext cx="9247320" cy="5359320"/>
+            <a:ext cx="9246960" cy="5358960"/>
           </a:xfrm>
           <a:prstGeom prst="rect">
             <a:avLst/>
@@ -10260,16 +10190,11 @@
             </a:endParaRPr>
           </a:p>
           <a:p>
-            <a:pPr marL="216000" indent="-216000">
+            <a:pPr>
               <a:lnSpc>
                 <a:spcPct val="150000"/>
               </a:lnSpc>
-              <a:buClr>
-                <a:srgbClr val="000000"/>
-              </a:buClr>
-              <a:buSzPct val="45000"/>
-              <a:buFont typeface="Wingdings" charset="2"/>
-              <a:buChar char=""/>
+              <a:buNone/>
             </a:pPr>
             <a:endParaRPr b="0" lang="pt-BR" sz="1600" spc="-1" strike="noStrike">
               <a:latin typeface="Arial"/>
@@ -10620,7 +10545,7 @@
       </p:sp>
       <p:pic>
         <p:nvPicPr>
-          <p:cNvPr id="170" name="" descr=""/>
+          <p:cNvPr id="166" name="" descr=""/>
           <p:cNvPicPr/>
           <p:nvPr/>
         </p:nvPicPr>
@@ -10632,7 +10557,7 @@
         <p:spPr>
           <a:xfrm>
             <a:off x="1620000" y="4068000"/>
-            <a:ext cx="7199640" cy="2699640"/>
+            <a:ext cx="7199280" cy="2699280"/>
           </a:xfrm>
           <a:prstGeom prst="rect">
             <a:avLst/>
@@ -10674,14 +10599,14 @@
       </p:grpSpPr>
       <p:sp>
         <p:nvSpPr>
-          <p:cNvPr id="171" name="CustomShape 64"/>
+          <p:cNvPr id="167" name="CustomShape 64"/>
           <p:cNvSpPr/>
           <p:nvPr/>
         </p:nvSpPr>
         <p:spPr>
           <a:xfrm>
             <a:off x="360000" y="360000"/>
-            <a:ext cx="9349560" cy="889560"/>
+            <a:ext cx="9349200" cy="889200"/>
           </a:xfrm>
           <a:prstGeom prst="rect">
             <a:avLst/>
@@ -10726,14 +10651,14 @@
       </p:sp>
       <p:sp>
         <p:nvSpPr>
-          <p:cNvPr id="172" name="CustomShape 65"/>
+          <p:cNvPr id="168" name="CustomShape 65"/>
           <p:cNvSpPr/>
           <p:nvPr/>
         </p:nvSpPr>
         <p:spPr>
           <a:xfrm>
             <a:off x="360000" y="1980000"/>
-            <a:ext cx="9169560" cy="4669560"/>
+            <a:ext cx="9169200" cy="4669200"/>
           </a:xfrm>
           <a:prstGeom prst="rect">
             <a:avLst/>
@@ -10785,14 +10710,14 @@
       </p:sp>
       <p:sp>
         <p:nvSpPr>
-          <p:cNvPr id="173" name="CustomShape 66"/>
+          <p:cNvPr id="169" name="CustomShape 66"/>
           <p:cNvSpPr/>
           <p:nvPr/>
         </p:nvSpPr>
         <p:spPr>
           <a:xfrm>
             <a:off x="897120" y="6886080"/>
-            <a:ext cx="6436800" cy="354600"/>
+            <a:ext cx="6436440" cy="354240"/>
           </a:xfrm>
           <a:prstGeom prst="rect">
             <a:avLst/>
@@ -10837,14 +10762,14 @@
       </p:sp>
       <p:sp>
         <p:nvSpPr>
-          <p:cNvPr id="174" name="CustomShape 67"/>
+          <p:cNvPr id="170" name="CustomShape 67"/>
           <p:cNvSpPr/>
           <p:nvPr/>
         </p:nvSpPr>
         <p:spPr>
           <a:xfrm>
             <a:off x="7608600" y="6886080"/>
-            <a:ext cx="2274840" cy="354600"/>
+            <a:ext cx="2274480" cy="354240"/>
           </a:xfrm>
           <a:prstGeom prst="rect">
             <a:avLst/>
@@ -10889,14 +10814,14 @@
       </p:sp>
       <p:sp>
         <p:nvSpPr>
-          <p:cNvPr id="175" name=""/>
+          <p:cNvPr id="171" name=""/>
           <p:cNvSpPr/>
           <p:nvPr/>
         </p:nvSpPr>
         <p:spPr>
           <a:xfrm>
             <a:off x="342360" y="1529280"/>
-            <a:ext cx="9247320" cy="5359320"/>
+            <a:ext cx="9246960" cy="5358960"/>
           </a:xfrm>
           <a:prstGeom prst="rect">
             <a:avLst/>
@@ -11084,16 +11009,11 @@
             </a:endParaRPr>
           </a:p>
           <a:p>
-            <a:pPr marL="216000" indent="-216000">
+            <a:pPr>
               <a:lnSpc>
                 <a:spcPct val="150000"/>
               </a:lnSpc>
-              <a:buClr>
-                <a:srgbClr val="000000"/>
-              </a:buClr>
-              <a:buSzPct val="45000"/>
-              <a:buFont typeface="Wingdings" charset="2"/>
-              <a:buChar char=""/>
+              <a:buNone/>
             </a:pPr>
             <a:endParaRPr b="0" lang="pt-BR" sz="1600" spc="-1" strike="noStrike">
               <a:latin typeface="Arial"/>
@@ -11444,7 +11364,7 @@
       </p:sp>
       <p:pic>
         <p:nvPicPr>
-          <p:cNvPr id="176" name="" descr=""/>
+          <p:cNvPr id="172" name="" descr=""/>
           <p:cNvPicPr/>
           <p:nvPr/>
         </p:nvPicPr>
@@ -11456,7 +11376,7 @@
         <p:spPr>
           <a:xfrm>
             <a:off x="1620000" y="4068000"/>
-            <a:ext cx="7199640" cy="2699640"/>
+            <a:ext cx="7199280" cy="2699280"/>
           </a:xfrm>
           <a:prstGeom prst="rect">
             <a:avLst/>
@@ -11498,14 +11418,14 @@
       </p:grpSpPr>
       <p:sp>
         <p:nvSpPr>
-          <p:cNvPr id="177" name="CustomShape 70"/>
+          <p:cNvPr id="173" name="CustomShape 70"/>
           <p:cNvSpPr/>
           <p:nvPr/>
         </p:nvSpPr>
         <p:spPr>
           <a:xfrm>
             <a:off x="360000" y="360000"/>
-            <a:ext cx="9349560" cy="889560"/>
+            <a:ext cx="9349200" cy="889200"/>
           </a:xfrm>
           <a:prstGeom prst="rect">
             <a:avLst/>
@@ -11550,14 +11470,14 @@
       </p:sp>
       <p:sp>
         <p:nvSpPr>
-          <p:cNvPr id="178" name="CustomShape 74"/>
+          <p:cNvPr id="174" name="CustomShape 74"/>
           <p:cNvSpPr/>
           <p:nvPr/>
         </p:nvSpPr>
         <p:spPr>
           <a:xfrm>
             <a:off x="360000" y="1980000"/>
-            <a:ext cx="9169560" cy="4669560"/>
+            <a:ext cx="9169200" cy="4669200"/>
           </a:xfrm>
           <a:prstGeom prst="rect">
             <a:avLst/>
@@ -11609,14 +11529,14 @@
       </p:sp>
       <p:sp>
         <p:nvSpPr>
-          <p:cNvPr id="179" name="CustomShape 75"/>
+          <p:cNvPr id="175" name="CustomShape 75"/>
           <p:cNvSpPr/>
           <p:nvPr/>
         </p:nvSpPr>
         <p:spPr>
           <a:xfrm>
             <a:off x="897120" y="6886080"/>
-            <a:ext cx="6436800" cy="354600"/>
+            <a:ext cx="6436440" cy="354240"/>
           </a:xfrm>
           <a:prstGeom prst="rect">
             <a:avLst/>
@@ -11661,14 +11581,14 @@
       </p:sp>
       <p:sp>
         <p:nvSpPr>
-          <p:cNvPr id="180" name="CustomShape 76"/>
+          <p:cNvPr id="176" name="CustomShape 76"/>
           <p:cNvSpPr/>
           <p:nvPr/>
         </p:nvSpPr>
         <p:spPr>
           <a:xfrm>
             <a:off x="7608600" y="6886080"/>
-            <a:ext cx="2274840" cy="354600"/>
+            <a:ext cx="2274480" cy="354240"/>
           </a:xfrm>
           <a:prstGeom prst="rect">
             <a:avLst/>
@@ -11713,14 +11633,14 @@
       </p:sp>
       <p:sp>
         <p:nvSpPr>
-          <p:cNvPr id="181" name=""/>
+          <p:cNvPr id="177" name=""/>
           <p:cNvSpPr/>
           <p:nvPr/>
         </p:nvSpPr>
         <p:spPr>
           <a:xfrm>
             <a:off x="342360" y="1529280"/>
-            <a:ext cx="9247320" cy="5359320"/>
+            <a:ext cx="9246960" cy="5358960"/>
           </a:xfrm>
           <a:prstGeom prst="rect">
             <a:avLst/>
@@ -11778,16 +11698,11 @@
             </a:endParaRPr>
           </a:p>
           <a:p>
-            <a:pPr lvl="1" marL="432000" indent="-216000">
+            <a:pPr>
               <a:lnSpc>
                 <a:spcPct val="150000"/>
               </a:lnSpc>
-              <a:buClr>
-                <a:srgbClr val="000000"/>
-              </a:buClr>
-              <a:buSzPct val="45000"/>
-              <a:buFont typeface="Wingdings" charset="2"/>
-              <a:buChar char=""/>
+              <a:buNone/>
             </a:pPr>
             <a:endParaRPr b="0" lang="pt-BR" sz="1600" spc="-1" strike="noStrike">
               <a:latin typeface="Arial"/>
@@ -12138,7 +12053,7 @@
       </p:sp>
       <p:pic>
         <p:nvPicPr>
-          <p:cNvPr id="182" name="" descr=""/>
+          <p:cNvPr id="178" name="" descr=""/>
           <p:cNvPicPr/>
           <p:nvPr/>
         </p:nvPicPr>
@@ -12149,7 +12064,7 @@
         <p:spPr>
           <a:xfrm>
             <a:off x="2700000" y="2520000"/>
-            <a:ext cx="4723920" cy="3885840"/>
+            <a:ext cx="4723560" cy="3885480"/>
           </a:xfrm>
           <a:prstGeom prst="rect">
             <a:avLst/>
@@ -12191,14 +12106,14 @@
       </p:grpSpPr>
       <p:sp>
         <p:nvSpPr>
-          <p:cNvPr id="183" name="CustomShape 78"/>
+          <p:cNvPr id="179" name="CustomShape 78"/>
           <p:cNvSpPr/>
           <p:nvPr/>
         </p:nvSpPr>
         <p:spPr>
           <a:xfrm>
             <a:off x="360000" y="360000"/>
-            <a:ext cx="9349560" cy="889560"/>
+            <a:ext cx="9349200" cy="889200"/>
           </a:xfrm>
           <a:prstGeom prst="rect">
             <a:avLst/>
@@ -12243,14 +12158,14 @@
       </p:sp>
       <p:sp>
         <p:nvSpPr>
-          <p:cNvPr id="184" name="CustomShape 79"/>
+          <p:cNvPr id="180" name="CustomShape 79"/>
           <p:cNvSpPr/>
           <p:nvPr/>
         </p:nvSpPr>
         <p:spPr>
           <a:xfrm>
             <a:off x="360000" y="1980000"/>
-            <a:ext cx="9169560" cy="4669560"/>
+            <a:ext cx="9169200" cy="4669200"/>
           </a:xfrm>
           <a:prstGeom prst="rect">
             <a:avLst/>
@@ -12302,14 +12217,14 @@
       </p:sp>
       <p:sp>
         <p:nvSpPr>
-          <p:cNvPr id="185" name="CustomShape 80"/>
+          <p:cNvPr id="181" name="CustomShape 80"/>
           <p:cNvSpPr/>
           <p:nvPr/>
         </p:nvSpPr>
         <p:spPr>
           <a:xfrm>
             <a:off x="897120" y="6886080"/>
-            <a:ext cx="6436800" cy="354600"/>
+            <a:ext cx="6436440" cy="354240"/>
           </a:xfrm>
           <a:prstGeom prst="rect">
             <a:avLst/>
@@ -12354,14 +12269,14 @@
       </p:sp>
       <p:sp>
         <p:nvSpPr>
-          <p:cNvPr id="186" name="CustomShape 81"/>
+          <p:cNvPr id="182" name="CustomShape 81"/>
           <p:cNvSpPr/>
           <p:nvPr/>
         </p:nvSpPr>
         <p:spPr>
           <a:xfrm>
             <a:off x="7608600" y="6886080"/>
-            <a:ext cx="2274840" cy="354600"/>
+            <a:ext cx="2274480" cy="354240"/>
           </a:xfrm>
           <a:prstGeom prst="rect">
             <a:avLst/>
@@ -12406,14 +12321,14 @@
       </p:sp>
       <p:sp>
         <p:nvSpPr>
-          <p:cNvPr id="187" name=""/>
+          <p:cNvPr id="183" name=""/>
           <p:cNvSpPr/>
           <p:nvPr/>
         </p:nvSpPr>
         <p:spPr>
           <a:xfrm>
             <a:off x="342360" y="1529280"/>
-            <a:ext cx="9247320" cy="5359320"/>
+            <a:ext cx="9246960" cy="5358960"/>
           </a:xfrm>
           <a:prstGeom prst="rect">
             <a:avLst/>
@@ -12471,16 +12386,11 @@
             </a:endParaRPr>
           </a:p>
           <a:p>
-            <a:pPr lvl="1" marL="432000" indent="-216000">
+            <a:pPr>
               <a:lnSpc>
                 <a:spcPct val="150000"/>
               </a:lnSpc>
-              <a:buClr>
-                <a:srgbClr val="000000"/>
-              </a:buClr>
-              <a:buSzPct val="45000"/>
-              <a:buFont typeface="Wingdings" charset="2"/>
-              <a:buChar char=""/>
+              <a:buNone/>
             </a:pPr>
             <a:endParaRPr b="0" lang="pt-BR" sz="1600" spc="-1" strike="noStrike">
               <a:latin typeface="Arial"/>
@@ -12831,7 +12741,7 @@
       </p:sp>
       <p:pic>
         <p:nvPicPr>
-          <p:cNvPr id="188" name="" descr=""/>
+          <p:cNvPr id="184" name="" descr=""/>
           <p:cNvPicPr/>
           <p:nvPr/>
         </p:nvPicPr>
@@ -12842,7 +12752,7 @@
         <p:spPr>
           <a:xfrm>
             <a:off x="900000" y="3240000"/>
-            <a:ext cx="8432280" cy="2160000"/>
+            <a:ext cx="8431920" cy="2159640"/>
           </a:xfrm>
           <a:prstGeom prst="rect">
             <a:avLst/>
@@ -12884,14 +12794,14 @@
       </p:grpSpPr>
       <p:sp>
         <p:nvSpPr>
-          <p:cNvPr id="189" name="CustomShape 69"/>
+          <p:cNvPr id="185" name="CustomShape 69"/>
           <p:cNvSpPr/>
           <p:nvPr/>
         </p:nvSpPr>
         <p:spPr>
           <a:xfrm>
             <a:off x="360000" y="360000"/>
-            <a:ext cx="9349560" cy="889560"/>
+            <a:ext cx="9349200" cy="889200"/>
           </a:xfrm>
           <a:prstGeom prst="rect">
             <a:avLst/>
@@ -12936,14 +12846,14 @@
       </p:sp>
       <p:sp>
         <p:nvSpPr>
-          <p:cNvPr id="190" name="CustomShape 71"/>
+          <p:cNvPr id="186" name="CustomShape 71"/>
           <p:cNvSpPr/>
           <p:nvPr/>
         </p:nvSpPr>
         <p:spPr>
           <a:xfrm>
             <a:off x="897120" y="6886080"/>
-            <a:ext cx="6436800" cy="354600"/>
+            <a:ext cx="6436440" cy="354240"/>
           </a:xfrm>
           <a:prstGeom prst="rect">
             <a:avLst/>
@@ -12988,14 +12898,14 @@
       </p:sp>
       <p:sp>
         <p:nvSpPr>
-          <p:cNvPr id="191" name="CustomShape 72"/>
+          <p:cNvPr id="187" name="CustomShape 72"/>
           <p:cNvSpPr/>
           <p:nvPr/>
         </p:nvSpPr>
         <p:spPr>
           <a:xfrm>
             <a:off x="7608600" y="6886080"/>
-            <a:ext cx="2274840" cy="354600"/>
+            <a:ext cx="2274480" cy="354240"/>
           </a:xfrm>
           <a:prstGeom prst="rect">
             <a:avLst/>
@@ -13040,14 +12950,14 @@
       </p:sp>
       <p:sp>
         <p:nvSpPr>
-          <p:cNvPr id="192" name=""/>
+          <p:cNvPr id="188" name=""/>
           <p:cNvSpPr/>
           <p:nvPr/>
         </p:nvSpPr>
         <p:spPr>
           <a:xfrm>
             <a:off x="342360" y="1529280"/>
-            <a:ext cx="9247320" cy="5359320"/>
+            <a:ext cx="9246960" cy="5358960"/>
           </a:xfrm>
           <a:prstGeom prst="rect">
             <a:avLst/>
@@ -13079,32 +12989,22 @@
             </a:endParaRPr>
           </a:p>
           <a:p>
-            <a:pPr marL="216000" indent="-216000">
+            <a:pPr>
               <a:lnSpc>
                 <a:spcPct val="150000"/>
               </a:lnSpc>
-              <a:buClr>
-                <a:srgbClr val="000000"/>
-              </a:buClr>
-              <a:buSzPct val="45000"/>
-              <a:buFont typeface="Wingdings" charset="2"/>
-              <a:buChar char=""/>
+              <a:buNone/>
             </a:pPr>
             <a:endParaRPr b="0" lang="pt-BR" sz="1600" spc="-1" strike="noStrike">
               <a:latin typeface="Arial"/>
             </a:endParaRPr>
           </a:p>
           <a:p>
-            <a:pPr marL="216000" indent="-216000">
+            <a:pPr>
               <a:lnSpc>
                 <a:spcPct val="150000"/>
               </a:lnSpc>
-              <a:buClr>
-                <a:srgbClr val="000000"/>
-              </a:buClr>
-              <a:buSzPct val="45000"/>
-              <a:buFont typeface="Wingdings" charset="2"/>
-              <a:buChar char=""/>
+              <a:buNone/>
             </a:pPr>
             <a:endParaRPr b="0" lang="pt-BR" sz="1600" spc="-1" strike="noStrike">
               <a:latin typeface="Arial"/>
@@ -13455,7 +13355,7 @@
       </p:sp>
       <p:pic>
         <p:nvPicPr>
-          <p:cNvPr id="193" name="" descr=""/>
+          <p:cNvPr id="189" name="" descr=""/>
           <p:cNvPicPr/>
           <p:nvPr/>
         </p:nvPicPr>
@@ -13466,7 +13366,7 @@
         <p:spPr>
           <a:xfrm>
             <a:off x="1284480" y="1670760"/>
-            <a:ext cx="7590960" cy="4638240"/>
+            <a:ext cx="7590600" cy="4637880"/>
           </a:xfrm>
           <a:prstGeom prst="rect">
             <a:avLst/>
@@ -13508,14 +13408,14 @@
       </p:grpSpPr>
       <p:sp>
         <p:nvSpPr>
-          <p:cNvPr id="194" name="CustomShape 83"/>
+          <p:cNvPr id="190" name="CustomShape 83"/>
           <p:cNvSpPr/>
           <p:nvPr/>
         </p:nvSpPr>
         <p:spPr>
           <a:xfrm>
             <a:off x="360000" y="360000"/>
-            <a:ext cx="9349560" cy="889560"/>
+            <a:ext cx="9349200" cy="889200"/>
           </a:xfrm>
           <a:prstGeom prst="rect">
             <a:avLst/>
@@ -13560,14 +13460,14 @@
       </p:sp>
       <p:sp>
         <p:nvSpPr>
-          <p:cNvPr id="195" name="CustomShape 84"/>
+          <p:cNvPr id="191" name="CustomShape 84"/>
           <p:cNvSpPr/>
           <p:nvPr/>
         </p:nvSpPr>
         <p:spPr>
           <a:xfrm>
             <a:off x="360000" y="1980000"/>
-            <a:ext cx="9169560" cy="4669560"/>
+            <a:ext cx="9169200" cy="4669200"/>
           </a:xfrm>
           <a:prstGeom prst="rect">
             <a:avLst/>
@@ -13619,14 +13519,14 @@
       </p:sp>
       <p:sp>
         <p:nvSpPr>
-          <p:cNvPr id="196" name="CustomShape 85"/>
+          <p:cNvPr id="192" name="CustomShape 85"/>
           <p:cNvSpPr/>
           <p:nvPr/>
         </p:nvSpPr>
         <p:spPr>
           <a:xfrm>
             <a:off x="897120" y="6886080"/>
-            <a:ext cx="6436800" cy="354600"/>
+            <a:ext cx="6436440" cy="354240"/>
           </a:xfrm>
           <a:prstGeom prst="rect">
             <a:avLst/>
@@ -13671,14 +13571,14 @@
       </p:sp>
       <p:sp>
         <p:nvSpPr>
-          <p:cNvPr id="197" name="CustomShape 86"/>
+          <p:cNvPr id="193" name="CustomShape 86"/>
           <p:cNvSpPr/>
           <p:nvPr/>
         </p:nvSpPr>
         <p:spPr>
           <a:xfrm>
             <a:off x="7608600" y="6886080"/>
-            <a:ext cx="2274840" cy="354600"/>
+            <a:ext cx="2274480" cy="354240"/>
           </a:xfrm>
           <a:prstGeom prst="rect">
             <a:avLst/>
@@ -13723,14 +13623,14 @@
       </p:sp>
       <p:sp>
         <p:nvSpPr>
-          <p:cNvPr id="198" name=""/>
+          <p:cNvPr id="194" name=""/>
           <p:cNvSpPr/>
           <p:nvPr/>
         </p:nvSpPr>
         <p:spPr>
           <a:xfrm>
             <a:off x="342360" y="1529280"/>
-            <a:ext cx="9247320" cy="5359320"/>
+            <a:ext cx="9246960" cy="5358960"/>
           </a:xfrm>
           <a:prstGeom prst="rect">
             <a:avLst/>
@@ -13788,16 +13688,11 @@
             </a:endParaRPr>
           </a:p>
           <a:p>
-            <a:pPr marL="216000" indent="-216000">
+            <a:pPr>
               <a:lnSpc>
                 <a:spcPct val="150000"/>
               </a:lnSpc>
-              <a:buClr>
-                <a:srgbClr val="000000"/>
-              </a:buClr>
-              <a:buSzPct val="45000"/>
-              <a:buFont typeface="Wingdings" charset="2"/>
-              <a:buChar char=""/>
+              <a:buNone/>
             </a:pPr>
             <a:endParaRPr b="0" lang="pt-BR" sz="1600" spc="-1" strike="noStrike">
               <a:latin typeface="Arial"/>
@@ -14209,39 +14104,16 @@
           <a:chExt cx="0" cy="0"/>
         </a:xfrm>
       </p:grpSpPr>
-      <p:pic>
-        <p:nvPicPr>
-          <p:cNvPr id="89" name="" descr=""/>
-          <p:cNvPicPr/>
-          <p:nvPr/>
-        </p:nvPicPr>
-        <p:blipFill>
-          <a:blip r:embed="rId1"/>
-          <a:stretch/>
-        </p:blipFill>
-        <p:spPr>
-          <a:xfrm>
-            <a:off x="1602000" y="4112280"/>
-            <a:ext cx="7426440" cy="2216160"/>
-          </a:xfrm>
-          <a:prstGeom prst="rect">
-            <a:avLst/>
-          </a:prstGeom>
-          <a:ln w="0">
-            <a:noFill/>
-          </a:ln>
-        </p:spPr>
-      </p:pic>
-      <p:sp>
-        <p:nvSpPr>
-          <p:cNvPr id="90" name="CustomShape 1"/>
+      <p:sp>
+        <p:nvSpPr>
+          <p:cNvPr id="89" name="CustomShape 1"/>
           <p:cNvSpPr/>
           <p:nvPr/>
         </p:nvSpPr>
         <p:spPr>
           <a:xfrm>
             <a:off x="360000" y="360000"/>
-            <a:ext cx="9349560" cy="889560"/>
+            <a:ext cx="9349200" cy="889200"/>
           </a:xfrm>
           <a:prstGeom prst="rect">
             <a:avLst/>
@@ -14286,14 +14158,14 @@
       </p:sp>
       <p:sp>
         <p:nvSpPr>
-          <p:cNvPr id="91" name="CustomShape 4"/>
+          <p:cNvPr id="90" name="CustomShape 4"/>
           <p:cNvSpPr/>
           <p:nvPr/>
         </p:nvSpPr>
         <p:spPr>
           <a:xfrm>
             <a:off x="360000" y="1980000"/>
-            <a:ext cx="9169560" cy="4669560"/>
+            <a:ext cx="9169200" cy="4669200"/>
           </a:xfrm>
           <a:prstGeom prst="rect">
             <a:avLst/>
@@ -14534,14 +14406,14 @@
       </p:sp>
       <p:sp>
         <p:nvSpPr>
-          <p:cNvPr id="92" name="CustomShape 2"/>
+          <p:cNvPr id="91" name="CustomShape 2"/>
           <p:cNvSpPr/>
           <p:nvPr/>
         </p:nvSpPr>
         <p:spPr>
           <a:xfrm>
             <a:off x="897120" y="6886080"/>
-            <a:ext cx="6436800" cy="354600"/>
+            <a:ext cx="6436440" cy="354240"/>
           </a:xfrm>
           <a:prstGeom prst="rect">
             <a:avLst/>
@@ -14586,14 +14458,14 @@
       </p:sp>
       <p:sp>
         <p:nvSpPr>
-          <p:cNvPr id="93" name="CustomShape 3"/>
+          <p:cNvPr id="92" name="CustomShape 3"/>
           <p:cNvSpPr/>
           <p:nvPr/>
         </p:nvSpPr>
         <p:spPr>
           <a:xfrm>
             <a:off x="7608600" y="6886080"/>
-            <a:ext cx="2274840" cy="354600"/>
+            <a:ext cx="2274480" cy="354240"/>
           </a:xfrm>
           <a:prstGeom prst="rect">
             <a:avLst/>
@@ -14638,87 +14510,18 @@
       </p:sp>
       <p:pic>
         <p:nvPicPr>
-          <p:cNvPr id="94" name="" descr=""/>
+          <p:cNvPr id="93" name="" descr=""/>
           <p:cNvPicPr/>
           <p:nvPr/>
         </p:nvPicPr>
         <p:blipFill>
-          <a:blip r:embed="rId2"/>
+          <a:blip r:embed="rId1"/>
           <a:stretch/>
         </p:blipFill>
         <p:spPr>
           <a:xfrm>
-            <a:off x="3332880" y="5882760"/>
-            <a:ext cx="416880" cy="445680"/>
-          </a:xfrm>
-          <a:prstGeom prst="rect">
-            <a:avLst/>
-          </a:prstGeom>
-          <a:ln w="0">
-            <a:noFill/>
-          </a:ln>
-        </p:spPr>
-      </p:pic>
-      <p:pic>
-        <p:nvPicPr>
-          <p:cNvPr id="95" name="" descr=""/>
-          <p:cNvPicPr/>
-          <p:nvPr/>
-        </p:nvPicPr>
-        <p:blipFill>
-          <a:blip r:embed="rId3"/>
-          <a:stretch/>
-        </p:blipFill>
-        <p:spPr>
-          <a:xfrm>
-            <a:off x="3837240" y="5883120"/>
-            <a:ext cx="416880" cy="445680"/>
-          </a:xfrm>
-          <a:prstGeom prst="rect">
-            <a:avLst/>
-          </a:prstGeom>
-          <a:ln w="0">
-            <a:noFill/>
-          </a:ln>
-        </p:spPr>
-      </p:pic>
-      <p:pic>
-        <p:nvPicPr>
-          <p:cNvPr id="96" name="" descr=""/>
-          <p:cNvPicPr/>
-          <p:nvPr/>
-        </p:nvPicPr>
-        <p:blipFill>
-          <a:blip r:embed="rId4"/>
-          <a:stretch/>
-        </p:blipFill>
-        <p:spPr>
-          <a:xfrm>
-            <a:off x="4377600" y="5883480"/>
-            <a:ext cx="416880" cy="445680"/>
-          </a:xfrm>
-          <a:prstGeom prst="rect">
-            <a:avLst/>
-          </a:prstGeom>
-          <a:ln w="0">
-            <a:noFill/>
-          </a:ln>
-        </p:spPr>
-      </p:pic>
-      <p:pic>
-        <p:nvPicPr>
-          <p:cNvPr id="97" name="" descr=""/>
-          <p:cNvPicPr/>
-          <p:nvPr/>
-        </p:nvPicPr>
-        <p:blipFill>
-          <a:blip r:embed="rId5"/>
-          <a:stretch/>
-        </p:blipFill>
-        <p:spPr>
-          <a:xfrm>
-            <a:off x="4917960" y="5883840"/>
-            <a:ext cx="416880" cy="445680"/>
+            <a:off x="1816200" y="4496760"/>
+            <a:ext cx="7183800" cy="2152440"/>
           </a:xfrm>
           <a:prstGeom prst="rect">
             <a:avLst/>
@@ -14760,14 +14563,14 @@
       </p:grpSpPr>
       <p:sp>
         <p:nvSpPr>
-          <p:cNvPr id="98" name="CustomShape 6"/>
+          <p:cNvPr id="94" name="CustomShape 6"/>
           <p:cNvSpPr/>
           <p:nvPr/>
         </p:nvSpPr>
         <p:spPr>
           <a:xfrm>
             <a:off x="360000" y="360000"/>
-            <a:ext cx="9349560" cy="889560"/>
+            <a:ext cx="9349200" cy="889200"/>
           </a:xfrm>
           <a:prstGeom prst="rect">
             <a:avLst/>
@@ -14812,14 +14615,14 @@
       </p:sp>
       <p:sp>
         <p:nvSpPr>
-          <p:cNvPr id="99" name="CustomShape 7"/>
+          <p:cNvPr id="95" name="CustomShape 7"/>
           <p:cNvSpPr/>
           <p:nvPr/>
         </p:nvSpPr>
         <p:spPr>
           <a:xfrm>
             <a:off x="360000" y="1980000"/>
-            <a:ext cx="9169560" cy="4669560"/>
+            <a:ext cx="9169200" cy="4669200"/>
           </a:xfrm>
           <a:prstGeom prst="rect">
             <a:avLst/>
@@ -14871,14 +14674,14 @@
       </p:sp>
       <p:sp>
         <p:nvSpPr>
-          <p:cNvPr id="100" name="CustomShape 12"/>
+          <p:cNvPr id="96" name="CustomShape 12"/>
           <p:cNvSpPr/>
           <p:nvPr/>
         </p:nvSpPr>
         <p:spPr>
           <a:xfrm>
             <a:off x="897120" y="6886080"/>
-            <a:ext cx="6436800" cy="354600"/>
+            <a:ext cx="6436440" cy="354240"/>
           </a:xfrm>
           <a:prstGeom prst="rect">
             <a:avLst/>
@@ -14923,14 +14726,14 @@
       </p:sp>
       <p:sp>
         <p:nvSpPr>
-          <p:cNvPr id="101" name="CustomShape 13"/>
+          <p:cNvPr id="97" name="CustomShape 13"/>
           <p:cNvSpPr/>
           <p:nvPr/>
         </p:nvSpPr>
         <p:spPr>
           <a:xfrm>
             <a:off x="7608600" y="6886080"/>
-            <a:ext cx="2274840" cy="354600"/>
+            <a:ext cx="2274480" cy="354240"/>
           </a:xfrm>
           <a:prstGeom prst="rect">
             <a:avLst/>
@@ -14975,14 +14778,14 @@
       </p:sp>
       <p:sp>
         <p:nvSpPr>
-          <p:cNvPr id="102" name=""/>
+          <p:cNvPr id="98" name=""/>
           <p:cNvSpPr/>
           <p:nvPr/>
         </p:nvSpPr>
         <p:spPr>
           <a:xfrm>
             <a:off x="342360" y="1529280"/>
-            <a:ext cx="9375840" cy="5359320"/>
+            <a:ext cx="9375480" cy="5358960"/>
           </a:xfrm>
           <a:prstGeom prst="rect">
             <a:avLst/>
@@ -15421,7 +15224,7 @@
       </p:sp>
       <p:pic>
         <p:nvPicPr>
-          <p:cNvPr id="103" name="" descr=""/>
+          <p:cNvPr id="99" name="" descr=""/>
           <p:cNvPicPr/>
           <p:nvPr/>
         </p:nvPicPr>
@@ -15432,7 +15235,7 @@
         <p:spPr>
           <a:xfrm>
             <a:off x="1435320" y="3052080"/>
-            <a:ext cx="7635600" cy="2936160"/>
+            <a:ext cx="7635240" cy="2935800"/>
           </a:xfrm>
           <a:prstGeom prst="rect">
             <a:avLst/>
@@ -15474,14 +15277,14 @@
       </p:grpSpPr>
       <p:sp>
         <p:nvSpPr>
-          <p:cNvPr id="104" name="CustomShape 5"/>
+          <p:cNvPr id="100" name="CustomShape 5"/>
           <p:cNvSpPr/>
           <p:nvPr/>
         </p:nvSpPr>
         <p:spPr>
           <a:xfrm>
             <a:off x="360000" y="360000"/>
-            <a:ext cx="9349560" cy="889560"/>
+            <a:ext cx="9349200" cy="889200"/>
           </a:xfrm>
           <a:prstGeom prst="rect">
             <a:avLst/>
@@ -15526,14 +15329,14 @@
       </p:sp>
       <p:sp>
         <p:nvSpPr>
-          <p:cNvPr id="105" name="CustomShape 8"/>
+          <p:cNvPr id="101" name="CustomShape 8"/>
           <p:cNvSpPr/>
           <p:nvPr/>
         </p:nvSpPr>
         <p:spPr>
           <a:xfrm>
             <a:off x="360000" y="1980000"/>
-            <a:ext cx="9169560" cy="4669560"/>
+            <a:ext cx="9169200" cy="4669200"/>
           </a:xfrm>
           <a:prstGeom prst="rect">
             <a:avLst/>
@@ -15585,14 +15388,14 @@
       </p:sp>
       <p:sp>
         <p:nvSpPr>
-          <p:cNvPr id="106" name="CustomShape 9"/>
+          <p:cNvPr id="102" name="CustomShape 9"/>
           <p:cNvSpPr/>
           <p:nvPr/>
         </p:nvSpPr>
         <p:spPr>
           <a:xfrm>
             <a:off x="897120" y="6886080"/>
-            <a:ext cx="6436800" cy="354600"/>
+            <a:ext cx="6436440" cy="354240"/>
           </a:xfrm>
           <a:prstGeom prst="rect">
             <a:avLst/>
@@ -15637,14 +15440,14 @@
       </p:sp>
       <p:sp>
         <p:nvSpPr>
-          <p:cNvPr id="107" name="CustomShape 10"/>
+          <p:cNvPr id="103" name="CustomShape 10"/>
           <p:cNvSpPr/>
           <p:nvPr/>
         </p:nvSpPr>
         <p:spPr>
           <a:xfrm>
             <a:off x="7608600" y="6886080"/>
-            <a:ext cx="2274840" cy="354600"/>
+            <a:ext cx="2274480" cy="354240"/>
           </a:xfrm>
           <a:prstGeom prst="rect">
             <a:avLst/>
@@ -15689,14 +15492,14 @@
       </p:sp>
       <p:sp>
         <p:nvSpPr>
-          <p:cNvPr id="108" name=""/>
+          <p:cNvPr id="104" name=""/>
           <p:cNvSpPr/>
           <p:nvPr/>
         </p:nvSpPr>
         <p:spPr>
           <a:xfrm>
             <a:off x="342360" y="1529280"/>
-            <a:ext cx="9375840" cy="5359320"/>
+            <a:ext cx="9375480" cy="5358960"/>
           </a:xfrm>
           <a:prstGeom prst="rect">
             <a:avLst/>
@@ -16135,7 +15938,7 @@
       </p:sp>
       <p:pic>
         <p:nvPicPr>
-          <p:cNvPr id="109" name="" descr=""/>
+          <p:cNvPr id="105" name="" descr=""/>
           <p:cNvPicPr/>
           <p:nvPr/>
         </p:nvPicPr>
@@ -16146,7 +15949,7 @@
         <p:spPr>
           <a:xfrm>
             <a:off x="3046680" y="3056400"/>
-            <a:ext cx="4619160" cy="3721320"/>
+            <a:ext cx="4618800" cy="3720960"/>
           </a:xfrm>
           <a:prstGeom prst="rect">
             <a:avLst/>
@@ -16188,14 +15991,14 @@
       </p:grpSpPr>
       <p:sp>
         <p:nvSpPr>
-          <p:cNvPr id="110" name="CustomShape 30"/>
+          <p:cNvPr id="106" name="CustomShape 30"/>
           <p:cNvSpPr/>
           <p:nvPr/>
         </p:nvSpPr>
         <p:spPr>
           <a:xfrm>
             <a:off x="360000" y="360000"/>
-            <a:ext cx="9349560" cy="889560"/>
+            <a:ext cx="9349200" cy="889200"/>
           </a:xfrm>
           <a:prstGeom prst="rect">
             <a:avLst/>
@@ -16240,14 +16043,14 @@
       </p:sp>
       <p:sp>
         <p:nvSpPr>
-          <p:cNvPr id="111" name="CustomShape 31"/>
+          <p:cNvPr id="107" name="CustomShape 31"/>
           <p:cNvSpPr/>
           <p:nvPr/>
         </p:nvSpPr>
         <p:spPr>
           <a:xfrm>
             <a:off x="360000" y="1980000"/>
-            <a:ext cx="9169560" cy="4669560"/>
+            <a:ext cx="9169200" cy="4669200"/>
           </a:xfrm>
           <a:prstGeom prst="rect">
             <a:avLst/>
@@ -16299,14 +16102,14 @@
       </p:sp>
       <p:sp>
         <p:nvSpPr>
-          <p:cNvPr id="112" name="CustomShape 32"/>
+          <p:cNvPr id="108" name="CustomShape 32"/>
           <p:cNvSpPr/>
           <p:nvPr/>
         </p:nvSpPr>
         <p:spPr>
           <a:xfrm>
             <a:off x="897120" y="6886080"/>
-            <a:ext cx="6436800" cy="354600"/>
+            <a:ext cx="6436440" cy="354240"/>
           </a:xfrm>
           <a:prstGeom prst="rect">
             <a:avLst/>
@@ -16351,14 +16154,14 @@
       </p:sp>
       <p:sp>
         <p:nvSpPr>
-          <p:cNvPr id="113" name="CustomShape 33"/>
+          <p:cNvPr id="109" name="CustomShape 33"/>
           <p:cNvSpPr/>
           <p:nvPr/>
         </p:nvSpPr>
         <p:spPr>
           <a:xfrm>
             <a:off x="7608600" y="6886080"/>
-            <a:ext cx="2274840" cy="354600"/>
+            <a:ext cx="2274480" cy="354240"/>
           </a:xfrm>
           <a:prstGeom prst="rect">
             <a:avLst/>
@@ -16403,14 +16206,14 @@
       </p:sp>
       <p:sp>
         <p:nvSpPr>
-          <p:cNvPr id="114" name=""/>
+          <p:cNvPr id="110" name=""/>
           <p:cNvSpPr/>
           <p:nvPr/>
         </p:nvSpPr>
         <p:spPr>
           <a:xfrm>
             <a:off x="342360" y="1529280"/>
-            <a:ext cx="9375840" cy="5359320"/>
+            <a:ext cx="9375480" cy="5358960"/>
           </a:xfrm>
           <a:prstGeom prst="rect">
             <a:avLst/>
@@ -16812,7 +16615,7 @@
       </p:sp>
       <p:pic>
         <p:nvPicPr>
-          <p:cNvPr id="115" name="" descr=""/>
+          <p:cNvPr id="111" name="" descr=""/>
           <p:cNvPicPr/>
           <p:nvPr/>
         </p:nvPicPr>
@@ -16823,7 +16626,7 @@
         <p:spPr>
           <a:xfrm>
             <a:off x="2332440" y="2633040"/>
-            <a:ext cx="5420160" cy="4068000"/>
+            <a:ext cx="5419800" cy="4067640"/>
           </a:xfrm>
           <a:prstGeom prst="rect">
             <a:avLst/>
@@ -16865,14 +16668,14 @@
       </p:grpSpPr>
       <p:sp>
         <p:nvSpPr>
-          <p:cNvPr id="116" name="CustomShape 35"/>
+          <p:cNvPr id="112" name="CustomShape 35"/>
           <p:cNvSpPr/>
           <p:nvPr/>
         </p:nvSpPr>
         <p:spPr>
           <a:xfrm>
             <a:off x="360000" y="360000"/>
-            <a:ext cx="9349560" cy="889560"/>
+            <a:ext cx="9349200" cy="889200"/>
           </a:xfrm>
           <a:prstGeom prst="rect">
             <a:avLst/>
@@ -16917,14 +16720,14 @@
       </p:sp>
       <p:sp>
         <p:nvSpPr>
-          <p:cNvPr id="117" name="CustomShape 36"/>
+          <p:cNvPr id="113" name="CustomShape 36"/>
           <p:cNvSpPr/>
           <p:nvPr/>
         </p:nvSpPr>
         <p:spPr>
           <a:xfrm>
             <a:off x="360000" y="1980000"/>
-            <a:ext cx="9169560" cy="4669560"/>
+            <a:ext cx="9169200" cy="4669200"/>
           </a:xfrm>
           <a:prstGeom prst="rect">
             <a:avLst/>
@@ -16976,14 +16779,14 @@
       </p:sp>
       <p:sp>
         <p:nvSpPr>
-          <p:cNvPr id="118" name="CustomShape 37"/>
+          <p:cNvPr id="114" name="CustomShape 37"/>
           <p:cNvSpPr/>
           <p:nvPr/>
         </p:nvSpPr>
         <p:spPr>
           <a:xfrm>
             <a:off x="897120" y="6886080"/>
-            <a:ext cx="6436800" cy="354600"/>
+            <a:ext cx="6436440" cy="354240"/>
           </a:xfrm>
           <a:prstGeom prst="rect">
             <a:avLst/>
@@ -17028,14 +16831,14 @@
       </p:sp>
       <p:sp>
         <p:nvSpPr>
-          <p:cNvPr id="119" name="CustomShape 38"/>
+          <p:cNvPr id="115" name="CustomShape 38"/>
           <p:cNvSpPr/>
           <p:nvPr/>
         </p:nvSpPr>
         <p:spPr>
           <a:xfrm>
             <a:off x="7608600" y="6886080"/>
-            <a:ext cx="2274840" cy="354600"/>
+            <a:ext cx="2274480" cy="354240"/>
           </a:xfrm>
           <a:prstGeom prst="rect">
             <a:avLst/>
@@ -17080,14 +16883,14 @@
       </p:sp>
       <p:sp>
         <p:nvSpPr>
-          <p:cNvPr id="120" name=""/>
+          <p:cNvPr id="116" name=""/>
           <p:cNvSpPr/>
           <p:nvPr/>
         </p:nvSpPr>
         <p:spPr>
           <a:xfrm>
             <a:off x="342360" y="1529280"/>
-            <a:ext cx="9375840" cy="5359320"/>
+            <a:ext cx="9375480" cy="5358960"/>
           </a:xfrm>
           <a:prstGeom prst="rect">
             <a:avLst/>
@@ -17484,7 +17287,7 @@
       </p:sp>
       <p:pic>
         <p:nvPicPr>
-          <p:cNvPr id="121" name="" descr=""/>
+          <p:cNvPr id="117" name="" descr=""/>
           <p:cNvPicPr/>
           <p:nvPr/>
         </p:nvPicPr>
@@ -17495,7 +17298,7 @@
         <p:spPr>
           <a:xfrm>
             <a:off x="2286000" y="2409480"/>
-            <a:ext cx="5281200" cy="4254480"/>
+            <a:ext cx="5280840" cy="4254120"/>
           </a:xfrm>
           <a:prstGeom prst="rect">
             <a:avLst/>
@@ -17537,14 +17340,14 @@
       </p:grpSpPr>
       <p:sp>
         <p:nvSpPr>
-          <p:cNvPr id="122" name="CustomShape 15"/>
+          <p:cNvPr id="118" name="CustomShape 15"/>
           <p:cNvSpPr/>
           <p:nvPr/>
         </p:nvSpPr>
         <p:spPr>
           <a:xfrm>
             <a:off x="360000" y="360000"/>
-            <a:ext cx="9349560" cy="889560"/>
+            <a:ext cx="9349200" cy="889200"/>
           </a:xfrm>
           <a:prstGeom prst="rect">
             <a:avLst/>
@@ -17589,14 +17392,14 @@
       </p:sp>
       <p:sp>
         <p:nvSpPr>
-          <p:cNvPr id="123" name="CustomShape 16"/>
+          <p:cNvPr id="119" name="CustomShape 16"/>
           <p:cNvSpPr/>
           <p:nvPr/>
         </p:nvSpPr>
         <p:spPr>
           <a:xfrm>
             <a:off x="360000" y="1980000"/>
-            <a:ext cx="9169560" cy="4669560"/>
+            <a:ext cx="9169200" cy="4669200"/>
           </a:xfrm>
           <a:prstGeom prst="rect">
             <a:avLst/>
@@ -17648,14 +17451,14 @@
       </p:sp>
       <p:sp>
         <p:nvSpPr>
-          <p:cNvPr id="124" name="CustomShape 17"/>
+          <p:cNvPr id="120" name="CustomShape 17"/>
           <p:cNvSpPr/>
           <p:nvPr/>
         </p:nvSpPr>
         <p:spPr>
           <a:xfrm>
             <a:off x="897120" y="6886080"/>
-            <a:ext cx="6436800" cy="354600"/>
+            <a:ext cx="6436440" cy="354240"/>
           </a:xfrm>
           <a:prstGeom prst="rect">
             <a:avLst/>
@@ -17700,14 +17503,14 @@
       </p:sp>
       <p:sp>
         <p:nvSpPr>
-          <p:cNvPr id="125" name="CustomShape 18"/>
+          <p:cNvPr id="121" name="CustomShape 18"/>
           <p:cNvSpPr/>
           <p:nvPr/>
         </p:nvSpPr>
         <p:spPr>
           <a:xfrm>
             <a:off x="7608600" y="6886080"/>
-            <a:ext cx="2274840" cy="354600"/>
+            <a:ext cx="2274480" cy="354240"/>
           </a:xfrm>
           <a:prstGeom prst="rect">
             <a:avLst/>
@@ -17752,14 +17555,14 @@
       </p:sp>
       <p:sp>
         <p:nvSpPr>
-          <p:cNvPr id="126" name=""/>
+          <p:cNvPr id="122" name=""/>
           <p:cNvSpPr/>
           <p:nvPr/>
         </p:nvSpPr>
         <p:spPr>
           <a:xfrm>
             <a:off x="342360" y="1529280"/>
-            <a:ext cx="9375840" cy="5359320"/>
+            <a:ext cx="9375480" cy="5358960"/>
           </a:xfrm>
           <a:prstGeom prst="rect">
             <a:avLst/>
@@ -18161,7 +17964,7 @@
       </p:sp>
       <p:pic>
         <p:nvPicPr>
-          <p:cNvPr id="127" name="" descr=""/>
+          <p:cNvPr id="123" name="" descr=""/>
           <p:cNvPicPr/>
           <p:nvPr/>
         </p:nvPicPr>
@@ -18172,7 +17975,7 @@
         <p:spPr>
           <a:xfrm>
             <a:off x="2365200" y="2396520"/>
-            <a:ext cx="5286960" cy="4259160"/>
+            <a:ext cx="5286600" cy="4258800"/>
           </a:xfrm>
           <a:prstGeom prst="rect">
             <a:avLst/>
@@ -18214,14 +18017,14 @@
       </p:grpSpPr>
       <p:sp>
         <p:nvSpPr>
-          <p:cNvPr id="128" name="CustomShape 20"/>
+          <p:cNvPr id="124" name="CustomShape 20"/>
           <p:cNvSpPr/>
           <p:nvPr/>
         </p:nvSpPr>
         <p:spPr>
           <a:xfrm>
             <a:off x="360000" y="360000"/>
-            <a:ext cx="9349560" cy="889560"/>
+            <a:ext cx="9349200" cy="889200"/>
           </a:xfrm>
           <a:prstGeom prst="rect">
             <a:avLst/>
@@ -18266,14 +18069,14 @@
       </p:sp>
       <p:sp>
         <p:nvSpPr>
-          <p:cNvPr id="129" name="CustomShape 21"/>
+          <p:cNvPr id="125" name="CustomShape 21"/>
           <p:cNvSpPr/>
           <p:nvPr/>
         </p:nvSpPr>
         <p:spPr>
           <a:xfrm>
             <a:off x="360000" y="1980000"/>
-            <a:ext cx="9169560" cy="4669560"/>
+            <a:ext cx="9169200" cy="4669200"/>
           </a:xfrm>
           <a:prstGeom prst="rect">
             <a:avLst/>
@@ -18325,14 +18128,14 @@
       </p:sp>
       <p:sp>
         <p:nvSpPr>
-          <p:cNvPr id="130" name="CustomShape 22"/>
+          <p:cNvPr id="126" name="CustomShape 22"/>
           <p:cNvSpPr/>
           <p:nvPr/>
         </p:nvSpPr>
         <p:spPr>
           <a:xfrm>
             <a:off x="897120" y="6886080"/>
-            <a:ext cx="6436800" cy="354600"/>
+            <a:ext cx="6436440" cy="354240"/>
           </a:xfrm>
           <a:prstGeom prst="rect">
             <a:avLst/>
@@ -18377,14 +18180,14 @@
       </p:sp>
       <p:sp>
         <p:nvSpPr>
-          <p:cNvPr id="131" name="CustomShape 23"/>
+          <p:cNvPr id="127" name="CustomShape 23"/>
           <p:cNvSpPr/>
           <p:nvPr/>
         </p:nvSpPr>
         <p:spPr>
           <a:xfrm>
             <a:off x="7608600" y="6886080"/>
-            <a:ext cx="2274840" cy="354600"/>
+            <a:ext cx="2274480" cy="354240"/>
           </a:xfrm>
           <a:prstGeom prst="rect">
             <a:avLst/>
@@ -18429,14 +18232,14 @@
       </p:sp>
       <p:sp>
         <p:nvSpPr>
-          <p:cNvPr id="132" name=""/>
+          <p:cNvPr id="128" name=""/>
           <p:cNvSpPr/>
           <p:nvPr/>
         </p:nvSpPr>
         <p:spPr>
           <a:xfrm>
             <a:off x="342360" y="1529280"/>
-            <a:ext cx="9375840" cy="5359320"/>
+            <a:ext cx="9375480" cy="5358960"/>
           </a:xfrm>
           <a:prstGeom prst="rect">
             <a:avLst/>
@@ -18838,7 +18641,7 @@
       </p:sp>
       <p:pic>
         <p:nvPicPr>
-          <p:cNvPr id="133" name="" descr=""/>
+          <p:cNvPr id="129" name="" descr=""/>
           <p:cNvPicPr/>
           <p:nvPr/>
         </p:nvPicPr>
@@ -18849,7 +18652,7 @@
         <p:spPr>
           <a:xfrm>
             <a:off x="1397520" y="2413080"/>
-            <a:ext cx="6984000" cy="4113720"/>
+            <a:ext cx="6983640" cy="4113360"/>
           </a:xfrm>
           <a:prstGeom prst="rect">
             <a:avLst/>
@@ -18861,7 +18664,7 @@
       </p:pic>
       <p:pic>
         <p:nvPicPr>
-          <p:cNvPr id="134" name="" descr=""/>
+          <p:cNvPr id="130" name="" descr=""/>
           <p:cNvPicPr/>
           <p:nvPr/>
         </p:nvPicPr>
@@ -18872,7 +18675,7 @@
         <p:spPr>
           <a:xfrm>
             <a:off x="1397520" y="2413440"/>
-            <a:ext cx="6984000" cy="4113720"/>
+            <a:ext cx="6983640" cy="4113360"/>
           </a:xfrm>
           <a:prstGeom prst="rect">
             <a:avLst/>
@@ -18914,14 +18717,14 @@
       </p:grpSpPr>
       <p:sp>
         <p:nvSpPr>
-          <p:cNvPr id="135" name="CustomShape 25"/>
+          <p:cNvPr id="131" name="CustomShape 25"/>
           <p:cNvSpPr/>
           <p:nvPr/>
         </p:nvSpPr>
         <p:spPr>
           <a:xfrm>
             <a:off x="360000" y="360000"/>
-            <a:ext cx="9349560" cy="889560"/>
+            <a:ext cx="9349200" cy="889200"/>
           </a:xfrm>
           <a:prstGeom prst="rect">
             <a:avLst/>
@@ -18966,14 +18769,14 @@
       </p:sp>
       <p:sp>
         <p:nvSpPr>
-          <p:cNvPr id="136" name="CustomShape 26"/>
+          <p:cNvPr id="132" name="CustomShape 26"/>
           <p:cNvSpPr/>
           <p:nvPr/>
         </p:nvSpPr>
         <p:spPr>
           <a:xfrm>
             <a:off x="360000" y="1980000"/>
-            <a:ext cx="9294840" cy="4669560"/>
+            <a:ext cx="9294480" cy="4669200"/>
           </a:xfrm>
           <a:prstGeom prst="rect">
             <a:avLst/>
@@ -19025,14 +18828,14 @@
       </p:sp>
       <p:sp>
         <p:nvSpPr>
-          <p:cNvPr id="137" name="CustomShape 27"/>
+          <p:cNvPr id="133" name="CustomShape 27"/>
           <p:cNvSpPr/>
           <p:nvPr/>
         </p:nvSpPr>
         <p:spPr>
           <a:xfrm>
             <a:off x="897120" y="6886080"/>
-            <a:ext cx="6436800" cy="354600"/>
+            <a:ext cx="6436440" cy="354240"/>
           </a:xfrm>
           <a:prstGeom prst="rect">
             <a:avLst/>
@@ -19077,14 +18880,14 @@
       </p:sp>
       <p:sp>
         <p:nvSpPr>
-          <p:cNvPr id="138" name="CustomShape 28"/>
+          <p:cNvPr id="134" name="CustomShape 28"/>
           <p:cNvSpPr/>
           <p:nvPr/>
         </p:nvSpPr>
         <p:spPr>
           <a:xfrm>
             <a:off x="7608600" y="6886080"/>
-            <a:ext cx="2274840" cy="354600"/>
+            <a:ext cx="2274480" cy="354240"/>
           </a:xfrm>
           <a:prstGeom prst="rect">
             <a:avLst/>
@@ -19129,14 +18932,14 @@
       </p:sp>
       <p:sp>
         <p:nvSpPr>
-          <p:cNvPr id="139" name=""/>
+          <p:cNvPr id="135" name=""/>
           <p:cNvSpPr/>
           <p:nvPr/>
         </p:nvSpPr>
         <p:spPr>
           <a:xfrm>
             <a:off x="342360" y="1529280"/>
-            <a:ext cx="6520320" cy="5359320"/>
+            <a:ext cx="6519960" cy="5358960"/>
           </a:xfrm>
           <a:prstGeom prst="rect">
             <a:avLst/>
@@ -19693,7 +19496,7 @@
       </p:sp>
       <p:pic>
         <p:nvPicPr>
-          <p:cNvPr id="140" name="" descr=""/>
+          <p:cNvPr id="136" name="" descr=""/>
           <p:cNvPicPr/>
           <p:nvPr/>
         </p:nvPicPr>
@@ -19704,7 +19507,7 @@
         <p:spPr>
           <a:xfrm>
             <a:off x="4653000" y="3444840"/>
-            <a:ext cx="4252680" cy="3169800"/>
+            <a:ext cx="4252320" cy="3169440"/>
           </a:xfrm>
           <a:prstGeom prst="rect">
             <a:avLst/>
@@ -19716,7 +19519,7 @@
       </p:pic>
       <p:pic>
         <p:nvPicPr>
-          <p:cNvPr id="141" name="" descr=""/>
+          <p:cNvPr id="137" name="" descr=""/>
           <p:cNvPicPr/>
           <p:nvPr/>
         </p:nvPicPr>
@@ -19728,7 +19531,7 @@
         <p:spPr>
           <a:xfrm>
             <a:off x="1693080" y="3801600"/>
-            <a:ext cx="1607040" cy="2273040"/>
+            <a:ext cx="1606680" cy="2272680"/>
           </a:xfrm>
           <a:prstGeom prst="rect">
             <a:avLst/>

--- a/AprendizadoMaquina/Tópico 02 - Aprendizado Supervisionado/07 Ensembles/Tópico 02 - Aprendizado-Supervisionado - Ensembles.pptx
+++ b/AprendizadoMaquina/Tópico 02 - Aprendizado Supervisionado/07 Ensembles/Tópico 02 - Aprendizado-Supervisionado - Ensembles.pptx
@@ -311,7 +311,7 @@
             <a:pPr algn="r">
               <a:buNone/>
             </a:pPr>
-            <a:fld id="{985542AF-8520-4654-AB26-E1B60C8A0068}" type="slidenum">
+            <a:fld id="{B8AA6A5D-B576-4CA1-BABB-C542E76B5184}" type="slidenum">
               <a:rPr b="0" lang="pt-BR" sz="1400" spc="-1" strike="noStrike">
                 <a:latin typeface="Times New Roman"/>
               </a:rPr>
@@ -359,7 +359,7 @@
         <p:spPr>
           <a:xfrm>
             <a:off x="1376280" y="1336680"/>
-            <a:ext cx="4796640" cy="3596400"/>
+            <a:ext cx="4796280" cy="3596040"/>
           </a:xfrm>
           <a:prstGeom prst="rect">
             <a:avLst/>
@@ -382,7 +382,7 @@
         <p:spPr>
           <a:xfrm>
             <a:off x="756000" y="5145120"/>
-            <a:ext cx="6036840" cy="4199040"/>
+            <a:ext cx="6036480" cy="4198680"/>
           </a:xfrm>
           <a:prstGeom prst="rect">
             <a:avLst/>
@@ -412,7 +412,7 @@
         <p:spPr>
           <a:xfrm>
             <a:off x="0" y="10155240"/>
-            <a:ext cx="3265200" cy="525600"/>
+            <a:ext cx="3264840" cy="525240"/>
           </a:xfrm>
           <a:prstGeom prst="rect">
             <a:avLst/>
@@ -490,7 +490,7 @@
         <p:spPr>
           <a:xfrm>
             <a:off x="1376280" y="1336680"/>
-            <a:ext cx="4796640" cy="3596400"/>
+            <a:ext cx="4796280" cy="3596040"/>
           </a:xfrm>
           <a:prstGeom prst="rect">
             <a:avLst/>
@@ -513,7 +513,7 @@
         <p:spPr>
           <a:xfrm>
             <a:off x="756000" y="5145120"/>
-            <a:ext cx="6036840" cy="4199040"/>
+            <a:ext cx="6036480" cy="4198680"/>
           </a:xfrm>
           <a:prstGeom prst="rect">
             <a:avLst/>
@@ -543,7 +543,7 @@
         <p:spPr>
           <a:xfrm>
             <a:off x="0" y="10155240"/>
-            <a:ext cx="3265200" cy="525600"/>
+            <a:ext cx="3264840" cy="525240"/>
           </a:xfrm>
           <a:prstGeom prst="rect">
             <a:avLst/>
@@ -621,7 +621,7 @@
         <p:spPr>
           <a:xfrm>
             <a:off x="1376280" y="1336680"/>
-            <a:ext cx="4796640" cy="3596400"/>
+            <a:ext cx="4796280" cy="3596040"/>
           </a:xfrm>
           <a:prstGeom prst="rect">
             <a:avLst/>
@@ -644,7 +644,7 @@
         <p:spPr>
           <a:xfrm>
             <a:off x="756000" y="5145120"/>
-            <a:ext cx="6036840" cy="4199040"/>
+            <a:ext cx="6036480" cy="4198680"/>
           </a:xfrm>
           <a:prstGeom prst="rect">
             <a:avLst/>
@@ -674,7 +674,7 @@
         <p:spPr>
           <a:xfrm>
             <a:off x="0" y="10155240"/>
-            <a:ext cx="3265200" cy="525600"/>
+            <a:ext cx="3264840" cy="525240"/>
           </a:xfrm>
           <a:prstGeom prst="rect">
             <a:avLst/>
@@ -752,7 +752,7 @@
         <p:spPr>
           <a:xfrm>
             <a:off x="1376280" y="1336680"/>
-            <a:ext cx="4796640" cy="3596400"/>
+            <a:ext cx="4796280" cy="3596040"/>
           </a:xfrm>
           <a:prstGeom prst="rect">
             <a:avLst/>
@@ -775,7 +775,7 @@
         <p:spPr>
           <a:xfrm>
             <a:off x="756000" y="5145120"/>
-            <a:ext cx="6036840" cy="4199040"/>
+            <a:ext cx="6036480" cy="4198680"/>
           </a:xfrm>
           <a:prstGeom prst="rect">
             <a:avLst/>
@@ -805,7 +805,7 @@
         <p:spPr>
           <a:xfrm>
             <a:off x="0" y="10155240"/>
-            <a:ext cx="3265200" cy="525600"/>
+            <a:ext cx="3264840" cy="525240"/>
           </a:xfrm>
           <a:prstGeom prst="rect">
             <a:avLst/>
@@ -883,7 +883,7 @@
         <p:spPr>
           <a:xfrm>
             <a:off x="1376280" y="1336680"/>
-            <a:ext cx="4796640" cy="3596400"/>
+            <a:ext cx="4796280" cy="3596040"/>
           </a:xfrm>
           <a:prstGeom prst="rect">
             <a:avLst/>
@@ -906,7 +906,7 @@
         <p:spPr>
           <a:xfrm>
             <a:off x="756000" y="5145120"/>
-            <a:ext cx="6036840" cy="4199040"/>
+            <a:ext cx="6036480" cy="4198680"/>
           </a:xfrm>
           <a:prstGeom prst="rect">
             <a:avLst/>
@@ -936,7 +936,7 @@
         <p:spPr>
           <a:xfrm>
             <a:off x="0" y="10155240"/>
-            <a:ext cx="3265200" cy="525600"/>
+            <a:ext cx="3264840" cy="525240"/>
           </a:xfrm>
           <a:prstGeom prst="rect">
             <a:avLst/>
@@ -1014,7 +1014,7 @@
         <p:spPr>
           <a:xfrm>
             <a:off x="1376280" y="1336680"/>
-            <a:ext cx="4796640" cy="3596400"/>
+            <a:ext cx="4796280" cy="3596040"/>
           </a:xfrm>
           <a:prstGeom prst="rect">
             <a:avLst/>
@@ -1037,7 +1037,7 @@
         <p:spPr>
           <a:xfrm>
             <a:off x="756000" y="5145120"/>
-            <a:ext cx="6036840" cy="4199040"/>
+            <a:ext cx="6036480" cy="4198680"/>
           </a:xfrm>
           <a:prstGeom prst="rect">
             <a:avLst/>
@@ -1067,7 +1067,7 @@
         <p:spPr>
           <a:xfrm>
             <a:off x="0" y="10155240"/>
-            <a:ext cx="3265200" cy="525600"/>
+            <a:ext cx="3264840" cy="525240"/>
           </a:xfrm>
           <a:prstGeom prst="rect">
             <a:avLst/>
@@ -1145,7 +1145,7 @@
         <p:spPr>
           <a:xfrm>
             <a:off x="1376280" y="1336680"/>
-            <a:ext cx="4796640" cy="3596400"/>
+            <a:ext cx="4796280" cy="3596040"/>
           </a:xfrm>
           <a:prstGeom prst="rect">
             <a:avLst/>
@@ -1168,7 +1168,7 @@
         <p:spPr>
           <a:xfrm>
             <a:off x="756000" y="5145120"/>
-            <a:ext cx="6036840" cy="4199040"/>
+            <a:ext cx="6036480" cy="4198680"/>
           </a:xfrm>
           <a:prstGeom prst="rect">
             <a:avLst/>
@@ -1198,7 +1198,7 @@
         <p:spPr>
           <a:xfrm>
             <a:off x="0" y="10155240"/>
-            <a:ext cx="3265200" cy="525600"/>
+            <a:ext cx="3264840" cy="525240"/>
           </a:xfrm>
           <a:prstGeom prst="rect">
             <a:avLst/>
@@ -1276,7 +1276,7 @@
         <p:spPr>
           <a:xfrm>
             <a:off x="1376280" y="1336680"/>
-            <a:ext cx="4796640" cy="3596400"/>
+            <a:ext cx="4796280" cy="3596040"/>
           </a:xfrm>
           <a:prstGeom prst="rect">
             <a:avLst/>
@@ -1299,7 +1299,7 @@
         <p:spPr>
           <a:xfrm>
             <a:off x="756000" y="5145120"/>
-            <a:ext cx="6036840" cy="4199040"/>
+            <a:ext cx="6036480" cy="4198680"/>
           </a:xfrm>
           <a:prstGeom prst="rect">
             <a:avLst/>
@@ -1329,7 +1329,7 @@
         <p:spPr>
           <a:xfrm>
             <a:off x="0" y="10155240"/>
-            <a:ext cx="3265200" cy="525600"/>
+            <a:ext cx="3264840" cy="525240"/>
           </a:xfrm>
           <a:prstGeom prst="rect">
             <a:avLst/>
@@ -1407,7 +1407,7 @@
         <p:spPr>
           <a:xfrm>
             <a:off x="1376280" y="1336680"/>
-            <a:ext cx="4796640" cy="3596400"/>
+            <a:ext cx="4796280" cy="3596040"/>
           </a:xfrm>
           <a:prstGeom prst="rect">
             <a:avLst/>
@@ -1430,7 +1430,7 @@
         <p:spPr>
           <a:xfrm>
             <a:off x="756000" y="5145120"/>
-            <a:ext cx="6036840" cy="4199040"/>
+            <a:ext cx="6036480" cy="4198680"/>
           </a:xfrm>
           <a:prstGeom prst="rect">
             <a:avLst/>
@@ -1460,7 +1460,7 @@
         <p:spPr>
           <a:xfrm>
             <a:off x="0" y="10155240"/>
-            <a:ext cx="3265200" cy="525600"/>
+            <a:ext cx="3264840" cy="525240"/>
           </a:xfrm>
           <a:prstGeom prst="rect">
             <a:avLst/>
@@ -1538,7 +1538,7 @@
         <p:spPr>
           <a:xfrm>
             <a:off x="1376280" y="1336680"/>
-            <a:ext cx="4796640" cy="3596400"/>
+            <a:ext cx="4796280" cy="3596040"/>
           </a:xfrm>
           <a:prstGeom prst="rect">
             <a:avLst/>
@@ -1561,7 +1561,7 @@
         <p:spPr>
           <a:xfrm>
             <a:off x="756000" y="5145120"/>
-            <a:ext cx="6036840" cy="4199040"/>
+            <a:ext cx="6036480" cy="4198680"/>
           </a:xfrm>
           <a:prstGeom prst="rect">
             <a:avLst/>
@@ -1591,7 +1591,7 @@
         <p:spPr>
           <a:xfrm>
             <a:off x="0" y="10155240"/>
-            <a:ext cx="3265200" cy="525600"/>
+            <a:ext cx="3264840" cy="525240"/>
           </a:xfrm>
           <a:prstGeom prst="rect">
             <a:avLst/>
@@ -1669,7 +1669,7 @@
         <p:spPr>
           <a:xfrm>
             <a:off x="1376280" y="1336680"/>
-            <a:ext cx="4796640" cy="3596400"/>
+            <a:ext cx="4796280" cy="3596040"/>
           </a:xfrm>
           <a:prstGeom prst="rect">
             <a:avLst/>
@@ -1692,7 +1692,7 @@
         <p:spPr>
           <a:xfrm>
             <a:off x="756000" y="5145120"/>
-            <a:ext cx="6036840" cy="4199040"/>
+            <a:ext cx="6036480" cy="4198680"/>
           </a:xfrm>
           <a:prstGeom prst="rect">
             <a:avLst/>
@@ -1722,7 +1722,7 @@
         <p:spPr>
           <a:xfrm>
             <a:off x="0" y="10155240"/>
-            <a:ext cx="3265200" cy="525600"/>
+            <a:ext cx="3264840" cy="525240"/>
           </a:xfrm>
           <a:prstGeom prst="rect">
             <a:avLst/>
@@ -1800,7 +1800,7 @@
         <p:spPr>
           <a:xfrm>
             <a:off x="1376280" y="1336680"/>
-            <a:ext cx="4796640" cy="3596400"/>
+            <a:ext cx="4796280" cy="3596040"/>
           </a:xfrm>
           <a:prstGeom prst="rect">
             <a:avLst/>
@@ -1823,7 +1823,7 @@
         <p:spPr>
           <a:xfrm>
             <a:off x="756000" y="5145120"/>
-            <a:ext cx="6036840" cy="4199040"/>
+            <a:ext cx="6036480" cy="4198680"/>
           </a:xfrm>
           <a:prstGeom prst="rect">
             <a:avLst/>
@@ -1853,7 +1853,7 @@
         <p:spPr>
           <a:xfrm>
             <a:off x="0" y="10155240"/>
-            <a:ext cx="3265200" cy="525600"/>
+            <a:ext cx="3264840" cy="525240"/>
           </a:xfrm>
           <a:prstGeom prst="rect">
             <a:avLst/>
@@ -1931,7 +1931,7 @@
         <p:spPr>
           <a:xfrm>
             <a:off x="1376280" y="1336680"/>
-            <a:ext cx="4796640" cy="3596400"/>
+            <a:ext cx="4796280" cy="3596040"/>
           </a:xfrm>
           <a:prstGeom prst="rect">
             <a:avLst/>
@@ -1954,7 +1954,7 @@
         <p:spPr>
           <a:xfrm>
             <a:off x="756000" y="5145120"/>
-            <a:ext cx="6036840" cy="4199040"/>
+            <a:ext cx="6036480" cy="4198680"/>
           </a:xfrm>
           <a:prstGeom prst="rect">
             <a:avLst/>
@@ -1984,7 +1984,7 @@
         <p:spPr>
           <a:xfrm>
             <a:off x="0" y="10155240"/>
-            <a:ext cx="3265200" cy="525600"/>
+            <a:ext cx="3264840" cy="525240"/>
           </a:xfrm>
           <a:prstGeom prst="rect">
             <a:avLst/>
@@ -2062,7 +2062,7 @@
         <p:spPr>
           <a:xfrm>
             <a:off x="1376280" y="1336680"/>
-            <a:ext cx="4796640" cy="3596400"/>
+            <a:ext cx="4796280" cy="3596040"/>
           </a:xfrm>
           <a:prstGeom prst="rect">
             <a:avLst/>
@@ -2085,7 +2085,7 @@
         <p:spPr>
           <a:xfrm>
             <a:off x="756000" y="5145120"/>
-            <a:ext cx="6036840" cy="4199040"/>
+            <a:ext cx="6036480" cy="4198680"/>
           </a:xfrm>
           <a:prstGeom prst="rect">
             <a:avLst/>
@@ -2115,7 +2115,7 @@
         <p:spPr>
           <a:xfrm>
             <a:off x="0" y="10155240"/>
-            <a:ext cx="3265200" cy="525600"/>
+            <a:ext cx="3264840" cy="525240"/>
           </a:xfrm>
           <a:prstGeom prst="rect">
             <a:avLst/>
@@ -2193,7 +2193,7 @@
         <p:spPr>
           <a:xfrm>
             <a:off x="1376280" y="1336680"/>
-            <a:ext cx="4796640" cy="3596400"/>
+            <a:ext cx="4796280" cy="3596040"/>
           </a:xfrm>
           <a:prstGeom prst="rect">
             <a:avLst/>
@@ -2216,7 +2216,7 @@
         <p:spPr>
           <a:xfrm>
             <a:off x="756000" y="5145120"/>
-            <a:ext cx="6036840" cy="4199040"/>
+            <a:ext cx="6036480" cy="4198680"/>
           </a:xfrm>
           <a:prstGeom prst="rect">
             <a:avLst/>
@@ -2246,7 +2246,7 @@
         <p:spPr>
           <a:xfrm>
             <a:off x="0" y="10155240"/>
-            <a:ext cx="3265200" cy="525600"/>
+            <a:ext cx="3264840" cy="525240"/>
           </a:xfrm>
           <a:prstGeom prst="rect">
             <a:avLst/>
@@ -2324,7 +2324,7 @@
         <p:spPr>
           <a:xfrm>
             <a:off x="1376280" y="1336680"/>
-            <a:ext cx="4796640" cy="3596400"/>
+            <a:ext cx="4796280" cy="3596040"/>
           </a:xfrm>
           <a:prstGeom prst="rect">
             <a:avLst/>
@@ -2347,7 +2347,7 @@
         <p:spPr>
           <a:xfrm>
             <a:off x="756000" y="5145120"/>
-            <a:ext cx="6036840" cy="4199040"/>
+            <a:ext cx="6036480" cy="4198680"/>
           </a:xfrm>
           <a:prstGeom prst="rect">
             <a:avLst/>
@@ -2377,7 +2377,7 @@
         <p:spPr>
           <a:xfrm>
             <a:off x="0" y="10155240"/>
-            <a:ext cx="3265200" cy="525600"/>
+            <a:ext cx="3264840" cy="525240"/>
           </a:xfrm>
           <a:prstGeom prst="rect">
             <a:avLst/>
@@ -2455,7 +2455,7 @@
         <p:spPr>
           <a:xfrm>
             <a:off x="1376280" y="1336680"/>
-            <a:ext cx="4796640" cy="3596400"/>
+            <a:ext cx="4796280" cy="3596040"/>
           </a:xfrm>
           <a:prstGeom prst="rect">
             <a:avLst/>
@@ -2478,7 +2478,7 @@
         <p:spPr>
           <a:xfrm>
             <a:off x="756000" y="5145120"/>
-            <a:ext cx="6036840" cy="4199040"/>
+            <a:ext cx="6036480" cy="4198680"/>
           </a:xfrm>
           <a:prstGeom prst="rect">
             <a:avLst/>
@@ -2508,7 +2508,7 @@
         <p:spPr>
           <a:xfrm>
             <a:off x="0" y="10155240"/>
-            <a:ext cx="3265200" cy="525600"/>
+            <a:ext cx="3264840" cy="525240"/>
           </a:xfrm>
           <a:prstGeom prst="rect">
             <a:avLst/>
@@ -2586,7 +2586,7 @@
         <p:spPr>
           <a:xfrm>
             <a:off x="1376280" y="1336680"/>
-            <a:ext cx="4796640" cy="3596400"/>
+            <a:ext cx="4796280" cy="3596040"/>
           </a:xfrm>
           <a:prstGeom prst="rect">
             <a:avLst/>
@@ -2609,7 +2609,7 @@
         <p:spPr>
           <a:xfrm>
             <a:off x="756000" y="5145120"/>
-            <a:ext cx="6036840" cy="4199040"/>
+            <a:ext cx="6036480" cy="4198680"/>
           </a:xfrm>
           <a:prstGeom prst="rect">
             <a:avLst/>
@@ -2639,7 +2639,7 @@
         <p:spPr>
           <a:xfrm>
             <a:off x="0" y="10155240"/>
-            <a:ext cx="3265200" cy="525600"/>
+            <a:ext cx="3264840" cy="525240"/>
           </a:xfrm>
           <a:prstGeom prst="rect">
             <a:avLst/>
@@ -2717,7 +2717,7 @@
         <p:spPr>
           <a:xfrm>
             <a:off x="1376280" y="1336680"/>
-            <a:ext cx="4796640" cy="3596400"/>
+            <a:ext cx="4796280" cy="3596040"/>
           </a:xfrm>
           <a:prstGeom prst="rect">
             <a:avLst/>
@@ -2740,7 +2740,7 @@
         <p:spPr>
           <a:xfrm>
             <a:off x="756000" y="5145120"/>
-            <a:ext cx="6036840" cy="4199040"/>
+            <a:ext cx="6036480" cy="4198680"/>
           </a:xfrm>
           <a:prstGeom prst="rect">
             <a:avLst/>
@@ -2770,7 +2770,7 @@
         <p:spPr>
           <a:xfrm>
             <a:off x="0" y="10155240"/>
-            <a:ext cx="3265200" cy="525600"/>
+            <a:ext cx="3264840" cy="525240"/>
           </a:xfrm>
           <a:prstGeom prst="rect">
             <a:avLst/>
@@ -5899,7 +5899,7 @@
         <p:spPr>
           <a:xfrm>
             <a:off x="0" y="3150000"/>
-            <a:ext cx="9709200" cy="1249200"/>
+            <a:ext cx="9708840" cy="1248840"/>
           </a:xfrm>
           <a:prstGeom prst="rect">
             <a:avLst/>
@@ -6197,7 +6197,7 @@
         <p:spPr>
           <a:xfrm>
             <a:off x="0" y="180000"/>
-            <a:ext cx="9709200" cy="1249200"/>
+            <a:ext cx="9708840" cy="1248840"/>
           </a:xfrm>
           <a:prstGeom prst="rect">
             <a:avLst/>
@@ -6225,7 +6225,7 @@
         <p:spPr>
           <a:xfrm>
             <a:off x="7560000" y="6840000"/>
-            <a:ext cx="2509200" cy="529200"/>
+            <a:ext cx="2508840" cy="528840"/>
           </a:xfrm>
           <a:prstGeom prst="rect">
             <a:avLst/>
@@ -6253,7 +6253,7 @@
         <p:spPr>
           <a:xfrm>
             <a:off x="900000" y="6840000"/>
-            <a:ext cx="6469200" cy="529200"/>
+            <a:ext cx="6468840" cy="528840"/>
           </a:xfrm>
           <a:prstGeom prst="rect">
             <a:avLst/>
@@ -6281,7 +6281,7 @@
         <p:spPr>
           <a:xfrm>
             <a:off x="180000" y="6840000"/>
-            <a:ext cx="529200" cy="529200"/>
+            <a:ext cx="528840" cy="528840"/>
           </a:xfrm>
           <a:prstGeom prst="rect">
             <a:avLst/>
@@ -6570,7 +6570,7 @@
         <p:spPr>
           <a:xfrm>
             <a:off x="360000" y="3330000"/>
-            <a:ext cx="9349200" cy="889200"/>
+            <a:ext cx="9348840" cy="888840"/>
           </a:xfrm>
           <a:prstGeom prst="rect">
             <a:avLst/>
@@ -6622,7 +6622,7 @@
         <p:spPr>
           <a:xfrm>
             <a:off x="540000" y="4680000"/>
-            <a:ext cx="9169200" cy="2509200"/>
+            <a:ext cx="9168840" cy="2508840"/>
           </a:xfrm>
           <a:prstGeom prst="rect">
             <a:avLst/>
@@ -6865,7 +6865,7 @@
         <p:spPr>
           <a:xfrm>
             <a:off x="4662360" y="1623960"/>
-            <a:ext cx="4930560" cy="5064120"/>
+            <a:ext cx="4930200" cy="5063760"/>
           </a:xfrm>
           <a:prstGeom prst="rect">
             <a:avLst/>
@@ -6884,7 +6884,7 @@
         <p:spPr>
           <a:xfrm>
             <a:off x="360000" y="360000"/>
-            <a:ext cx="9349200" cy="889200"/>
+            <a:ext cx="9348840" cy="888840"/>
           </a:xfrm>
           <a:prstGeom prst="rect">
             <a:avLst/>
@@ -6936,7 +6936,7 @@
         <p:spPr>
           <a:xfrm>
             <a:off x="897120" y="6886080"/>
-            <a:ext cx="6436440" cy="354240"/>
+            <a:ext cx="6436080" cy="353880"/>
           </a:xfrm>
           <a:prstGeom prst="rect">
             <a:avLst/>
@@ -6988,7 +6988,7 @@
         <p:spPr>
           <a:xfrm>
             <a:off x="7608600" y="6886080"/>
-            <a:ext cx="2274480" cy="354240"/>
+            <a:ext cx="2274120" cy="353880"/>
           </a:xfrm>
           <a:prstGeom prst="rect">
             <a:avLst/>
@@ -7040,7 +7040,7 @@
         <p:spPr>
           <a:xfrm>
             <a:off x="342360" y="1529280"/>
-            <a:ext cx="6050160" cy="5358960"/>
+            <a:ext cx="6049800" cy="5358600"/>
           </a:xfrm>
           <a:prstGeom prst="rect">
             <a:avLst/>
@@ -7586,7 +7586,7 @@
         <p:spPr>
           <a:xfrm>
             <a:off x="2025720" y="4066920"/>
-            <a:ext cx="1130760" cy="1939680"/>
+            <a:ext cx="1130400" cy="1939320"/>
           </a:xfrm>
           <a:prstGeom prst="rect">
             <a:avLst/>
@@ -7635,7 +7635,7 @@
         <p:spPr>
           <a:xfrm>
             <a:off x="360000" y="360000"/>
-            <a:ext cx="9349200" cy="889200"/>
+            <a:ext cx="9348840" cy="888840"/>
           </a:xfrm>
           <a:prstGeom prst="rect">
             <a:avLst/>
@@ -7687,7 +7687,7 @@
         <p:spPr>
           <a:xfrm>
             <a:off x="360000" y="1980000"/>
-            <a:ext cx="9169200" cy="4669200"/>
+            <a:ext cx="9168840" cy="4668840"/>
           </a:xfrm>
           <a:prstGeom prst="rect">
             <a:avLst/>
@@ -7746,7 +7746,7 @@
         <p:spPr>
           <a:xfrm>
             <a:off x="897120" y="6886080"/>
-            <a:ext cx="6436440" cy="354240"/>
+            <a:ext cx="6436080" cy="353880"/>
           </a:xfrm>
           <a:prstGeom prst="rect">
             <a:avLst/>
@@ -7798,7 +7798,7 @@
         <p:spPr>
           <a:xfrm>
             <a:off x="7608600" y="6886080"/>
-            <a:ext cx="2274480" cy="354240"/>
+            <a:ext cx="2274120" cy="353880"/>
           </a:xfrm>
           <a:prstGeom prst="rect">
             <a:avLst/>
@@ -7850,7 +7850,7 @@
         <p:spPr>
           <a:xfrm>
             <a:off x="342360" y="1529280"/>
-            <a:ext cx="9246960" cy="5358960"/>
+            <a:ext cx="9246600" cy="5358600"/>
           </a:xfrm>
           <a:prstGeom prst="rect">
             <a:avLst/>
@@ -8322,7 +8322,7 @@
         <p:spPr>
           <a:xfrm>
             <a:off x="620640" y="3024000"/>
-            <a:ext cx="8708040" cy="1456920"/>
+            <a:ext cx="8707680" cy="1456560"/>
           </a:xfrm>
           <a:prstGeom prst="rect">
             <a:avLst/>
@@ -8371,7 +8371,7 @@
         <p:spPr>
           <a:xfrm>
             <a:off x="360000" y="360000"/>
-            <a:ext cx="9349200" cy="889200"/>
+            <a:ext cx="9348840" cy="888840"/>
           </a:xfrm>
           <a:prstGeom prst="rect">
             <a:avLst/>
@@ -8423,7 +8423,7 @@
         <p:spPr>
           <a:xfrm>
             <a:off x="360000" y="1980000"/>
-            <a:ext cx="9169200" cy="4669200"/>
+            <a:ext cx="9168840" cy="4668840"/>
           </a:xfrm>
           <a:prstGeom prst="rect">
             <a:avLst/>
@@ -8482,7 +8482,7 @@
         <p:spPr>
           <a:xfrm>
             <a:off x="897120" y="6886080"/>
-            <a:ext cx="6436440" cy="354240"/>
+            <a:ext cx="6436080" cy="353880"/>
           </a:xfrm>
           <a:prstGeom prst="rect">
             <a:avLst/>
@@ -8534,7 +8534,7 @@
         <p:spPr>
           <a:xfrm>
             <a:off x="7608600" y="6886080"/>
-            <a:ext cx="2274480" cy="354240"/>
+            <a:ext cx="2274120" cy="353880"/>
           </a:xfrm>
           <a:prstGeom prst="rect">
             <a:avLst/>
@@ -8586,7 +8586,7 @@
         <p:spPr>
           <a:xfrm>
             <a:off x="342360" y="1529280"/>
-            <a:ext cx="9246960" cy="5358960"/>
+            <a:ext cx="9246600" cy="5358600"/>
           </a:xfrm>
           <a:prstGeom prst="rect">
             <a:avLst/>
@@ -9058,7 +9058,7 @@
         <p:spPr>
           <a:xfrm>
             <a:off x="360000" y="360000"/>
-            <a:ext cx="9349200" cy="889200"/>
+            <a:ext cx="9348840" cy="888840"/>
           </a:xfrm>
           <a:prstGeom prst="rect">
             <a:avLst/>
@@ -9110,7 +9110,7 @@
         <p:spPr>
           <a:xfrm>
             <a:off x="360000" y="1980000"/>
-            <a:ext cx="9169200" cy="4669200"/>
+            <a:ext cx="9168840" cy="4668840"/>
           </a:xfrm>
           <a:prstGeom prst="rect">
             <a:avLst/>
@@ -9169,7 +9169,7 @@
         <p:spPr>
           <a:xfrm>
             <a:off x="897120" y="6886080"/>
-            <a:ext cx="6436440" cy="354240"/>
+            <a:ext cx="6436080" cy="353880"/>
           </a:xfrm>
           <a:prstGeom prst="rect">
             <a:avLst/>
@@ -9221,7 +9221,7 @@
         <p:spPr>
           <a:xfrm>
             <a:off x="7608600" y="6886080"/>
-            <a:ext cx="2274480" cy="354240"/>
+            <a:ext cx="2274120" cy="353880"/>
           </a:xfrm>
           <a:prstGeom prst="rect">
             <a:avLst/>
@@ -9273,7 +9273,7 @@
         <p:spPr>
           <a:xfrm>
             <a:off x="342360" y="1529280"/>
-            <a:ext cx="9246960" cy="5358960"/>
+            <a:ext cx="9246600" cy="5358600"/>
           </a:xfrm>
           <a:prstGeom prst="rect">
             <a:avLst/>
@@ -9738,7 +9738,7 @@
         <p:spPr>
           <a:xfrm>
             <a:off x="2880000" y="3600000"/>
-            <a:ext cx="4284360" cy="2406240"/>
+            <a:ext cx="4284000" cy="2405880"/>
           </a:xfrm>
           <a:prstGeom prst="rect">
             <a:avLst/>
@@ -9787,7 +9787,7 @@
         <p:spPr>
           <a:xfrm>
             <a:off x="360000" y="360000"/>
-            <a:ext cx="9349200" cy="889200"/>
+            <a:ext cx="9348840" cy="888840"/>
           </a:xfrm>
           <a:prstGeom prst="rect">
             <a:avLst/>
@@ -9839,7 +9839,7 @@
         <p:spPr>
           <a:xfrm>
             <a:off x="360000" y="1980000"/>
-            <a:ext cx="9169200" cy="4669200"/>
+            <a:ext cx="9168840" cy="4668840"/>
           </a:xfrm>
           <a:prstGeom prst="rect">
             <a:avLst/>
@@ -9898,7 +9898,7 @@
         <p:spPr>
           <a:xfrm>
             <a:off x="897120" y="6886080"/>
-            <a:ext cx="6436440" cy="354240"/>
+            <a:ext cx="6436080" cy="353880"/>
           </a:xfrm>
           <a:prstGeom prst="rect">
             <a:avLst/>
@@ -9950,7 +9950,7 @@
         <p:spPr>
           <a:xfrm>
             <a:off x="7608600" y="6886080"/>
-            <a:ext cx="2274480" cy="354240"/>
+            <a:ext cx="2274120" cy="353880"/>
           </a:xfrm>
           <a:prstGeom prst="rect">
             <a:avLst/>
@@ -10002,7 +10002,7 @@
         <p:spPr>
           <a:xfrm>
             <a:off x="342360" y="1529280"/>
-            <a:ext cx="9246960" cy="5358960"/>
+            <a:ext cx="9246600" cy="5358600"/>
           </a:xfrm>
           <a:prstGeom prst="rect">
             <a:avLst/>
@@ -10557,7 +10557,7 @@
         <p:spPr>
           <a:xfrm>
             <a:off x="1620000" y="4068000"/>
-            <a:ext cx="7199280" cy="2699280"/>
+            <a:ext cx="7198920" cy="2698920"/>
           </a:xfrm>
           <a:prstGeom prst="rect">
             <a:avLst/>
@@ -10606,7 +10606,7 @@
         <p:spPr>
           <a:xfrm>
             <a:off x="360000" y="360000"/>
-            <a:ext cx="9349200" cy="889200"/>
+            <a:ext cx="9348840" cy="888840"/>
           </a:xfrm>
           <a:prstGeom prst="rect">
             <a:avLst/>
@@ -10658,7 +10658,7 @@
         <p:spPr>
           <a:xfrm>
             <a:off x="360000" y="1980000"/>
-            <a:ext cx="9169200" cy="4669200"/>
+            <a:ext cx="9168840" cy="4668840"/>
           </a:xfrm>
           <a:prstGeom prst="rect">
             <a:avLst/>
@@ -10717,7 +10717,7 @@
         <p:spPr>
           <a:xfrm>
             <a:off x="897120" y="6886080"/>
-            <a:ext cx="6436440" cy="354240"/>
+            <a:ext cx="6436080" cy="353880"/>
           </a:xfrm>
           <a:prstGeom prst="rect">
             <a:avLst/>
@@ -10769,7 +10769,7 @@
         <p:spPr>
           <a:xfrm>
             <a:off x="7608600" y="6886080"/>
-            <a:ext cx="2274480" cy="354240"/>
+            <a:ext cx="2274120" cy="353880"/>
           </a:xfrm>
           <a:prstGeom prst="rect">
             <a:avLst/>
@@ -10821,7 +10821,7 @@
         <p:spPr>
           <a:xfrm>
             <a:off x="342360" y="1529280"/>
-            <a:ext cx="9246960" cy="5358960"/>
+            <a:ext cx="9246600" cy="5358600"/>
           </a:xfrm>
           <a:prstGeom prst="rect">
             <a:avLst/>
@@ -11376,7 +11376,7 @@
         <p:spPr>
           <a:xfrm>
             <a:off x="1620000" y="4068000"/>
-            <a:ext cx="7199280" cy="2699280"/>
+            <a:ext cx="7198920" cy="2698920"/>
           </a:xfrm>
           <a:prstGeom prst="rect">
             <a:avLst/>
@@ -11425,7 +11425,7 @@
         <p:spPr>
           <a:xfrm>
             <a:off x="360000" y="360000"/>
-            <a:ext cx="9349200" cy="889200"/>
+            <a:ext cx="9348840" cy="888840"/>
           </a:xfrm>
           <a:prstGeom prst="rect">
             <a:avLst/>
@@ -11477,7 +11477,7 @@
         <p:spPr>
           <a:xfrm>
             <a:off x="360000" y="1980000"/>
-            <a:ext cx="9169200" cy="4669200"/>
+            <a:ext cx="9168840" cy="4668840"/>
           </a:xfrm>
           <a:prstGeom prst="rect">
             <a:avLst/>
@@ -11536,7 +11536,7 @@
         <p:spPr>
           <a:xfrm>
             <a:off x="897120" y="6886080"/>
-            <a:ext cx="6436440" cy="354240"/>
+            <a:ext cx="6436080" cy="353880"/>
           </a:xfrm>
           <a:prstGeom prst="rect">
             <a:avLst/>
@@ -11588,7 +11588,7 @@
         <p:spPr>
           <a:xfrm>
             <a:off x="7608600" y="6886080"/>
-            <a:ext cx="2274480" cy="354240"/>
+            <a:ext cx="2274120" cy="353880"/>
           </a:xfrm>
           <a:prstGeom prst="rect">
             <a:avLst/>
@@ -11640,7 +11640,7 @@
         <p:spPr>
           <a:xfrm>
             <a:off x="342360" y="1529280"/>
-            <a:ext cx="9246960" cy="5358960"/>
+            <a:ext cx="9246600" cy="5358600"/>
           </a:xfrm>
           <a:prstGeom prst="rect">
             <a:avLst/>
@@ -12064,7 +12064,7 @@
         <p:spPr>
           <a:xfrm>
             <a:off x="2700000" y="2520000"/>
-            <a:ext cx="4723560" cy="3885480"/>
+            <a:ext cx="4723200" cy="3885120"/>
           </a:xfrm>
           <a:prstGeom prst="rect">
             <a:avLst/>
@@ -12113,7 +12113,7 @@
         <p:spPr>
           <a:xfrm>
             <a:off x="360000" y="360000"/>
-            <a:ext cx="9349200" cy="889200"/>
+            <a:ext cx="9348840" cy="888840"/>
           </a:xfrm>
           <a:prstGeom prst="rect">
             <a:avLst/>
@@ -12165,7 +12165,7 @@
         <p:spPr>
           <a:xfrm>
             <a:off x="360000" y="1980000"/>
-            <a:ext cx="9169200" cy="4669200"/>
+            <a:ext cx="9168840" cy="4668840"/>
           </a:xfrm>
           <a:prstGeom prst="rect">
             <a:avLst/>
@@ -12224,7 +12224,7 @@
         <p:spPr>
           <a:xfrm>
             <a:off x="897120" y="6886080"/>
-            <a:ext cx="6436440" cy="354240"/>
+            <a:ext cx="6436080" cy="353880"/>
           </a:xfrm>
           <a:prstGeom prst="rect">
             <a:avLst/>
@@ -12276,7 +12276,7 @@
         <p:spPr>
           <a:xfrm>
             <a:off x="7608600" y="6886080"/>
-            <a:ext cx="2274480" cy="354240"/>
+            <a:ext cx="2274120" cy="353880"/>
           </a:xfrm>
           <a:prstGeom prst="rect">
             <a:avLst/>
@@ -12328,7 +12328,7 @@
         <p:spPr>
           <a:xfrm>
             <a:off x="342360" y="1529280"/>
-            <a:ext cx="9246960" cy="5358960"/>
+            <a:ext cx="9246600" cy="5358600"/>
           </a:xfrm>
           <a:prstGeom prst="rect">
             <a:avLst/>
@@ -12752,7 +12752,7 @@
         <p:spPr>
           <a:xfrm>
             <a:off x="900000" y="3240000"/>
-            <a:ext cx="8431920" cy="2159640"/>
+            <a:ext cx="8431560" cy="2159280"/>
           </a:xfrm>
           <a:prstGeom prst="rect">
             <a:avLst/>
@@ -12801,7 +12801,7 @@
         <p:spPr>
           <a:xfrm>
             <a:off x="360000" y="360000"/>
-            <a:ext cx="9349200" cy="889200"/>
+            <a:ext cx="9348840" cy="888840"/>
           </a:xfrm>
           <a:prstGeom prst="rect">
             <a:avLst/>
@@ -12853,7 +12853,7 @@
         <p:spPr>
           <a:xfrm>
             <a:off x="897120" y="6886080"/>
-            <a:ext cx="6436440" cy="354240"/>
+            <a:ext cx="6436080" cy="353880"/>
           </a:xfrm>
           <a:prstGeom prst="rect">
             <a:avLst/>
@@ -12905,7 +12905,7 @@
         <p:spPr>
           <a:xfrm>
             <a:off x="7608600" y="6886080"/>
-            <a:ext cx="2274480" cy="354240"/>
+            <a:ext cx="2274120" cy="353880"/>
           </a:xfrm>
           <a:prstGeom prst="rect">
             <a:avLst/>
@@ -12957,7 +12957,7 @@
         <p:spPr>
           <a:xfrm>
             <a:off x="342360" y="1529280"/>
-            <a:ext cx="9246960" cy="5358960"/>
+            <a:ext cx="9246600" cy="5358600"/>
           </a:xfrm>
           <a:prstGeom prst="rect">
             <a:avLst/>
@@ -13366,7 +13366,7 @@
         <p:spPr>
           <a:xfrm>
             <a:off x="1284480" y="1670760"/>
-            <a:ext cx="7590600" cy="4637880"/>
+            <a:ext cx="7590240" cy="4637520"/>
           </a:xfrm>
           <a:prstGeom prst="rect">
             <a:avLst/>
@@ -13415,7 +13415,7 @@
         <p:spPr>
           <a:xfrm>
             <a:off x="360000" y="360000"/>
-            <a:ext cx="9349200" cy="889200"/>
+            <a:ext cx="9348840" cy="888840"/>
           </a:xfrm>
           <a:prstGeom prst="rect">
             <a:avLst/>
@@ -13467,7 +13467,7 @@
         <p:spPr>
           <a:xfrm>
             <a:off x="360000" y="1980000"/>
-            <a:ext cx="9169200" cy="4669200"/>
+            <a:ext cx="9168840" cy="4668840"/>
           </a:xfrm>
           <a:prstGeom prst="rect">
             <a:avLst/>
@@ -13526,7 +13526,7 @@
         <p:spPr>
           <a:xfrm>
             <a:off x="897120" y="6886080"/>
-            <a:ext cx="6436440" cy="354240"/>
+            <a:ext cx="6436080" cy="353880"/>
           </a:xfrm>
           <a:prstGeom prst="rect">
             <a:avLst/>
@@ -13578,7 +13578,7 @@
         <p:spPr>
           <a:xfrm>
             <a:off x="7608600" y="6886080"/>
-            <a:ext cx="2274480" cy="354240"/>
+            <a:ext cx="2274120" cy="353880"/>
           </a:xfrm>
           <a:prstGeom prst="rect">
             <a:avLst/>
@@ -13630,7 +13630,7 @@
         <p:spPr>
           <a:xfrm>
             <a:off x="342360" y="1529280"/>
-            <a:ext cx="9246960" cy="5358960"/>
+            <a:ext cx="9246600" cy="5358600"/>
           </a:xfrm>
           <a:prstGeom prst="rect">
             <a:avLst/>
@@ -13727,17 +13727,19 @@
               </a:rPr>
               <a:t>Tópico 02 - Aprendizado-Supervisionado - Ensembles.ipynb</a:t>
             </a:r>
-            <a:endParaRPr b="0" lang="pt-BR" sz="1600" spc="-1" strike="noStrike">
-              <a:latin typeface="Arial"/>
-            </a:endParaRPr>
-          </a:p>
-          <a:p>
-            <a:pPr>
-              <a:lnSpc>
-                <a:spcPct val="150000"/>
-              </a:lnSpc>
-              <a:buNone/>
-            </a:pPr>
+            <a:r>
+              <a:rPr b="0" lang="pt-BR" sz="1600" spc="-1" strike="noStrike" u="sng">
+                <a:solidFill>
+                  <a:srgbClr val="0000ff"/>
+                </a:solidFill>
+                <a:uFillTx/>
+                <a:latin typeface="Latin Modern Sans"/>
+                <a:ea typeface="DejaVu Sans"/>
+                <a:hlinkClick r:id="rId2"/>
+              </a:rPr>
+              <a:t>
+</a:t>
+            </a:r>
             <a:endParaRPr b="0" lang="pt-BR" sz="1600" spc="-1" strike="noStrike">
               <a:latin typeface="Arial"/>
             </a:endParaRPr>
@@ -14113,7 +14115,7 @@
         <p:spPr>
           <a:xfrm>
             <a:off x="360000" y="360000"/>
-            <a:ext cx="9349200" cy="889200"/>
+            <a:ext cx="9348840" cy="888840"/>
           </a:xfrm>
           <a:prstGeom prst="rect">
             <a:avLst/>
@@ -14165,7 +14167,7 @@
         <p:spPr>
           <a:xfrm>
             <a:off x="360000" y="1980000"/>
-            <a:ext cx="9169200" cy="4669200"/>
+            <a:ext cx="9168840" cy="4668840"/>
           </a:xfrm>
           <a:prstGeom prst="rect">
             <a:avLst/>
@@ -14413,7 +14415,7 @@
         <p:spPr>
           <a:xfrm>
             <a:off x="897120" y="6886080"/>
-            <a:ext cx="6436440" cy="354240"/>
+            <a:ext cx="6436080" cy="353880"/>
           </a:xfrm>
           <a:prstGeom prst="rect">
             <a:avLst/>
@@ -14465,7 +14467,7 @@
         <p:spPr>
           <a:xfrm>
             <a:off x="7608600" y="6886080"/>
-            <a:ext cx="2274480" cy="354240"/>
+            <a:ext cx="2274120" cy="353880"/>
           </a:xfrm>
           <a:prstGeom prst="rect">
             <a:avLst/>
@@ -14521,7 +14523,7 @@
         <p:spPr>
           <a:xfrm>
             <a:off x="1816200" y="4496760"/>
-            <a:ext cx="7183800" cy="2152440"/>
+            <a:ext cx="7183440" cy="2152080"/>
           </a:xfrm>
           <a:prstGeom prst="rect">
             <a:avLst/>
@@ -14570,7 +14572,7 @@
         <p:spPr>
           <a:xfrm>
             <a:off x="360000" y="360000"/>
-            <a:ext cx="9349200" cy="889200"/>
+            <a:ext cx="9348840" cy="888840"/>
           </a:xfrm>
           <a:prstGeom prst="rect">
             <a:avLst/>
@@ -14622,7 +14624,7 @@
         <p:spPr>
           <a:xfrm>
             <a:off x="360000" y="1980000"/>
-            <a:ext cx="9169200" cy="4669200"/>
+            <a:ext cx="9168840" cy="4668840"/>
           </a:xfrm>
           <a:prstGeom prst="rect">
             <a:avLst/>
@@ -14681,7 +14683,7 @@
         <p:spPr>
           <a:xfrm>
             <a:off x="897120" y="6886080"/>
-            <a:ext cx="6436440" cy="354240"/>
+            <a:ext cx="6436080" cy="353880"/>
           </a:xfrm>
           <a:prstGeom prst="rect">
             <a:avLst/>
@@ -14733,7 +14735,7 @@
         <p:spPr>
           <a:xfrm>
             <a:off x="7608600" y="6886080"/>
-            <a:ext cx="2274480" cy="354240"/>
+            <a:ext cx="2274120" cy="353880"/>
           </a:xfrm>
           <a:prstGeom prst="rect">
             <a:avLst/>
@@ -14785,7 +14787,7 @@
         <p:spPr>
           <a:xfrm>
             <a:off x="342360" y="1529280"/>
-            <a:ext cx="9375480" cy="5358960"/>
+            <a:ext cx="9375120" cy="5358600"/>
           </a:xfrm>
           <a:prstGeom prst="rect">
             <a:avLst/>
@@ -15235,7 +15237,7 @@
         <p:spPr>
           <a:xfrm>
             <a:off x="1435320" y="3052080"/>
-            <a:ext cx="7635240" cy="2935800"/>
+            <a:ext cx="7634880" cy="2935440"/>
           </a:xfrm>
           <a:prstGeom prst="rect">
             <a:avLst/>
@@ -15284,7 +15286,7 @@
         <p:spPr>
           <a:xfrm>
             <a:off x="360000" y="360000"/>
-            <a:ext cx="9349200" cy="889200"/>
+            <a:ext cx="9348840" cy="888840"/>
           </a:xfrm>
           <a:prstGeom prst="rect">
             <a:avLst/>
@@ -15336,7 +15338,7 @@
         <p:spPr>
           <a:xfrm>
             <a:off x="360000" y="1980000"/>
-            <a:ext cx="9169200" cy="4669200"/>
+            <a:ext cx="9168840" cy="4668840"/>
           </a:xfrm>
           <a:prstGeom prst="rect">
             <a:avLst/>
@@ -15395,7 +15397,7 @@
         <p:spPr>
           <a:xfrm>
             <a:off x="897120" y="6886080"/>
-            <a:ext cx="6436440" cy="354240"/>
+            <a:ext cx="6436080" cy="353880"/>
           </a:xfrm>
           <a:prstGeom prst="rect">
             <a:avLst/>
@@ -15447,7 +15449,7 @@
         <p:spPr>
           <a:xfrm>
             <a:off x="7608600" y="6886080"/>
-            <a:ext cx="2274480" cy="354240"/>
+            <a:ext cx="2274120" cy="353880"/>
           </a:xfrm>
           <a:prstGeom prst="rect">
             <a:avLst/>
@@ -15499,7 +15501,7 @@
         <p:spPr>
           <a:xfrm>
             <a:off x="342360" y="1529280"/>
-            <a:ext cx="9375480" cy="5358960"/>
+            <a:ext cx="9375120" cy="5358600"/>
           </a:xfrm>
           <a:prstGeom prst="rect">
             <a:avLst/>
@@ -15949,7 +15951,7 @@
         <p:spPr>
           <a:xfrm>
             <a:off x="3046680" y="3056400"/>
-            <a:ext cx="4618800" cy="3720960"/>
+            <a:ext cx="4618440" cy="3720600"/>
           </a:xfrm>
           <a:prstGeom prst="rect">
             <a:avLst/>
@@ -15998,7 +16000,7 @@
         <p:spPr>
           <a:xfrm>
             <a:off x="360000" y="360000"/>
-            <a:ext cx="9349200" cy="889200"/>
+            <a:ext cx="9348840" cy="888840"/>
           </a:xfrm>
           <a:prstGeom prst="rect">
             <a:avLst/>
@@ -16050,7 +16052,7 @@
         <p:spPr>
           <a:xfrm>
             <a:off x="360000" y="1980000"/>
-            <a:ext cx="9169200" cy="4669200"/>
+            <a:ext cx="9168840" cy="4668840"/>
           </a:xfrm>
           <a:prstGeom prst="rect">
             <a:avLst/>
@@ -16109,7 +16111,7 @@
         <p:spPr>
           <a:xfrm>
             <a:off x="897120" y="6886080"/>
-            <a:ext cx="6436440" cy="354240"/>
+            <a:ext cx="6436080" cy="353880"/>
           </a:xfrm>
           <a:prstGeom prst="rect">
             <a:avLst/>
@@ -16161,7 +16163,7 @@
         <p:spPr>
           <a:xfrm>
             <a:off x="7608600" y="6886080"/>
-            <a:ext cx="2274480" cy="354240"/>
+            <a:ext cx="2274120" cy="353880"/>
           </a:xfrm>
           <a:prstGeom prst="rect">
             <a:avLst/>
@@ -16213,7 +16215,7 @@
         <p:spPr>
           <a:xfrm>
             <a:off x="342360" y="1529280"/>
-            <a:ext cx="9375480" cy="5358960"/>
+            <a:ext cx="9375120" cy="5358600"/>
           </a:xfrm>
           <a:prstGeom prst="rect">
             <a:avLst/>
@@ -16626,7 +16628,7 @@
         <p:spPr>
           <a:xfrm>
             <a:off x="2332440" y="2633040"/>
-            <a:ext cx="5419800" cy="4067640"/>
+            <a:ext cx="5419440" cy="4067280"/>
           </a:xfrm>
           <a:prstGeom prst="rect">
             <a:avLst/>
@@ -16675,7 +16677,7 @@
         <p:spPr>
           <a:xfrm>
             <a:off x="360000" y="360000"/>
-            <a:ext cx="9349200" cy="889200"/>
+            <a:ext cx="9348840" cy="888840"/>
           </a:xfrm>
           <a:prstGeom prst="rect">
             <a:avLst/>
@@ -16727,7 +16729,7 @@
         <p:spPr>
           <a:xfrm>
             <a:off x="360000" y="1980000"/>
-            <a:ext cx="9169200" cy="4669200"/>
+            <a:ext cx="9168840" cy="4668840"/>
           </a:xfrm>
           <a:prstGeom prst="rect">
             <a:avLst/>
@@ -16786,7 +16788,7 @@
         <p:spPr>
           <a:xfrm>
             <a:off x="897120" y="6886080"/>
-            <a:ext cx="6436440" cy="354240"/>
+            <a:ext cx="6436080" cy="353880"/>
           </a:xfrm>
           <a:prstGeom prst="rect">
             <a:avLst/>
@@ -16838,7 +16840,7 @@
         <p:spPr>
           <a:xfrm>
             <a:off x="7608600" y="6886080"/>
-            <a:ext cx="2274480" cy="354240"/>
+            <a:ext cx="2274120" cy="353880"/>
           </a:xfrm>
           <a:prstGeom prst="rect">
             <a:avLst/>
@@ -16890,7 +16892,7 @@
         <p:spPr>
           <a:xfrm>
             <a:off x="342360" y="1529280"/>
-            <a:ext cx="9375480" cy="5358960"/>
+            <a:ext cx="9375120" cy="5358600"/>
           </a:xfrm>
           <a:prstGeom prst="rect">
             <a:avLst/>
@@ -17298,7 +17300,7 @@
         <p:spPr>
           <a:xfrm>
             <a:off x="2286000" y="2409480"/>
-            <a:ext cx="5280840" cy="4254120"/>
+            <a:ext cx="5280480" cy="4253760"/>
           </a:xfrm>
           <a:prstGeom prst="rect">
             <a:avLst/>
@@ -17347,7 +17349,7 @@
         <p:spPr>
           <a:xfrm>
             <a:off x="360000" y="360000"/>
-            <a:ext cx="9349200" cy="889200"/>
+            <a:ext cx="9348840" cy="888840"/>
           </a:xfrm>
           <a:prstGeom prst="rect">
             <a:avLst/>
@@ -17399,7 +17401,7 @@
         <p:spPr>
           <a:xfrm>
             <a:off x="360000" y="1980000"/>
-            <a:ext cx="9169200" cy="4669200"/>
+            <a:ext cx="9168840" cy="4668840"/>
           </a:xfrm>
           <a:prstGeom prst="rect">
             <a:avLst/>
@@ -17458,7 +17460,7 @@
         <p:spPr>
           <a:xfrm>
             <a:off x="897120" y="6886080"/>
-            <a:ext cx="6436440" cy="354240"/>
+            <a:ext cx="6436080" cy="353880"/>
           </a:xfrm>
           <a:prstGeom prst="rect">
             <a:avLst/>
@@ -17510,7 +17512,7 @@
         <p:spPr>
           <a:xfrm>
             <a:off x="7608600" y="6886080"/>
-            <a:ext cx="2274480" cy="354240"/>
+            <a:ext cx="2274120" cy="353880"/>
           </a:xfrm>
           <a:prstGeom prst="rect">
             <a:avLst/>
@@ -17562,7 +17564,7 @@
         <p:spPr>
           <a:xfrm>
             <a:off x="342360" y="1529280"/>
-            <a:ext cx="9375480" cy="5358960"/>
+            <a:ext cx="9375120" cy="5358600"/>
           </a:xfrm>
           <a:prstGeom prst="rect">
             <a:avLst/>
@@ -17975,7 +17977,7 @@
         <p:spPr>
           <a:xfrm>
             <a:off x="2365200" y="2396520"/>
-            <a:ext cx="5286600" cy="4258800"/>
+            <a:ext cx="5286240" cy="4258440"/>
           </a:xfrm>
           <a:prstGeom prst="rect">
             <a:avLst/>
@@ -18024,7 +18026,7 @@
         <p:spPr>
           <a:xfrm>
             <a:off x="360000" y="360000"/>
-            <a:ext cx="9349200" cy="889200"/>
+            <a:ext cx="9348840" cy="888840"/>
           </a:xfrm>
           <a:prstGeom prst="rect">
             <a:avLst/>
@@ -18076,7 +18078,7 @@
         <p:spPr>
           <a:xfrm>
             <a:off x="360000" y="1980000"/>
-            <a:ext cx="9169200" cy="4669200"/>
+            <a:ext cx="9168840" cy="4668840"/>
           </a:xfrm>
           <a:prstGeom prst="rect">
             <a:avLst/>
@@ -18135,7 +18137,7 @@
         <p:spPr>
           <a:xfrm>
             <a:off x="897120" y="6886080"/>
-            <a:ext cx="6436440" cy="354240"/>
+            <a:ext cx="6436080" cy="353880"/>
           </a:xfrm>
           <a:prstGeom prst="rect">
             <a:avLst/>
@@ -18187,7 +18189,7 @@
         <p:spPr>
           <a:xfrm>
             <a:off x="7608600" y="6886080"/>
-            <a:ext cx="2274480" cy="354240"/>
+            <a:ext cx="2274120" cy="353880"/>
           </a:xfrm>
           <a:prstGeom prst="rect">
             <a:avLst/>
@@ -18239,7 +18241,7 @@
         <p:spPr>
           <a:xfrm>
             <a:off x="342360" y="1529280"/>
-            <a:ext cx="9375480" cy="5358960"/>
+            <a:ext cx="9375120" cy="5358600"/>
           </a:xfrm>
           <a:prstGeom prst="rect">
             <a:avLst/>
@@ -18652,7 +18654,7 @@
         <p:spPr>
           <a:xfrm>
             <a:off x="1397520" y="2413080"/>
-            <a:ext cx="6983640" cy="4113360"/>
+            <a:ext cx="6983280" cy="4113000"/>
           </a:xfrm>
           <a:prstGeom prst="rect">
             <a:avLst/>
@@ -18675,7 +18677,7 @@
         <p:spPr>
           <a:xfrm>
             <a:off x="1397520" y="2413440"/>
-            <a:ext cx="6983640" cy="4113360"/>
+            <a:ext cx="6983280" cy="4113000"/>
           </a:xfrm>
           <a:prstGeom prst="rect">
             <a:avLst/>
@@ -18724,7 +18726,7 @@
         <p:spPr>
           <a:xfrm>
             <a:off x="360000" y="360000"/>
-            <a:ext cx="9349200" cy="889200"/>
+            <a:ext cx="9348840" cy="888840"/>
           </a:xfrm>
           <a:prstGeom prst="rect">
             <a:avLst/>
@@ -18776,7 +18778,7 @@
         <p:spPr>
           <a:xfrm>
             <a:off x="360000" y="1980000"/>
-            <a:ext cx="9294480" cy="4669200"/>
+            <a:ext cx="9294120" cy="4668840"/>
           </a:xfrm>
           <a:prstGeom prst="rect">
             <a:avLst/>
@@ -18835,7 +18837,7 @@
         <p:spPr>
           <a:xfrm>
             <a:off x="897120" y="6886080"/>
-            <a:ext cx="6436440" cy="354240"/>
+            <a:ext cx="6436080" cy="353880"/>
           </a:xfrm>
           <a:prstGeom prst="rect">
             <a:avLst/>
@@ -18887,7 +18889,7 @@
         <p:spPr>
           <a:xfrm>
             <a:off x="7608600" y="6886080"/>
-            <a:ext cx="2274480" cy="354240"/>
+            <a:ext cx="2274120" cy="353880"/>
           </a:xfrm>
           <a:prstGeom prst="rect">
             <a:avLst/>
@@ -18939,7 +18941,7 @@
         <p:spPr>
           <a:xfrm>
             <a:off x="342360" y="1529280"/>
-            <a:ext cx="6519960" cy="5358960"/>
+            <a:ext cx="6519600" cy="5358600"/>
           </a:xfrm>
           <a:prstGeom prst="rect">
             <a:avLst/>
@@ -19507,7 +19509,7 @@
         <p:spPr>
           <a:xfrm>
             <a:off x="4653000" y="3444840"/>
-            <a:ext cx="4252320" cy="3169440"/>
+            <a:ext cx="4251960" cy="3169080"/>
           </a:xfrm>
           <a:prstGeom prst="rect">
             <a:avLst/>
@@ -19531,7 +19533,7 @@
         <p:spPr>
           <a:xfrm>
             <a:off x="1693080" y="3801600"/>
-            <a:ext cx="1606680" cy="2272680"/>
+            <a:ext cx="1606320" cy="2272320"/>
           </a:xfrm>
           <a:prstGeom prst="rect">
             <a:avLst/>
